--- a/PHP/Object/PHP-DO.pptx
+++ b/PHP/Object/PHP-DO.pptx
@@ -5,10 +5,10 @@
     <p:sldMasterId id="2147483735" r:id="rId1"/>
   </p:sldMasterIdLst>
   <p:notesMasterIdLst>
-    <p:notesMasterId r:id="rId11"/>
+    <p:notesMasterId r:id="rId15"/>
   </p:notesMasterIdLst>
   <p:handoutMasterIdLst>
-    <p:handoutMasterId r:id="rId12"/>
+    <p:handoutMasterId r:id="rId16"/>
   </p:handoutMasterIdLst>
   <p:sldIdLst>
     <p:sldId id="256" r:id="rId2"/>
@@ -16,10 +16,14 @@
     <p:sldId id="258" r:id="rId4"/>
     <p:sldId id="259" r:id="rId5"/>
     <p:sldId id="264" r:id="rId6"/>
-    <p:sldId id="260" r:id="rId7"/>
-    <p:sldId id="261" r:id="rId8"/>
-    <p:sldId id="262" r:id="rId9"/>
-    <p:sldId id="263" r:id="rId10"/>
+    <p:sldId id="261" r:id="rId7"/>
+    <p:sldId id="262" r:id="rId8"/>
+    <p:sldId id="263" r:id="rId9"/>
+    <p:sldId id="269" r:id="rId10"/>
+    <p:sldId id="265" r:id="rId11"/>
+    <p:sldId id="266" r:id="rId12"/>
+    <p:sldId id="267" r:id="rId13"/>
+    <p:sldId id="268" r:id="rId14"/>
   </p:sldIdLst>
   <p:sldSz cx="12192000" cy="6858000"/>
   <p:notesSz cx="6858000" cy="9144000"/>
@@ -220,7 +224,7 @@
           <a:p>
             <a:fld id="{550060B0-32FA-4918-B105-C3B81F3BD398}" type="datetimeFigureOut">
               <a:rPr lang="fr-FR" smtClean="0"/>
-              <a:t>12/12/2022</a:t>
+              <a:t>19/12/2022</a:t>
             </a:fld>
             <a:endParaRPr lang="fr-FR"/>
           </a:p>
@@ -398,7 +402,7 @@
           <a:p>
             <a:fld id="{A544AC79-F357-4775-9E92-5D8D23B7DF98}" type="datetimeFigureOut">
               <a:rPr lang="fr-FR" smtClean="0"/>
-              <a:t>12/12/2022</a:t>
+              <a:t>19/12/2022</a:t>
             </a:fld>
             <a:endParaRPr lang="fr-FR"/>
           </a:p>
@@ -837,7 +841,7 @@
           <a:p>
             <a:fld id="{9B35D067-CBD2-4947-80E0-30D39B2DC090}" type="datetime1">
               <a:rPr lang="fr-FR" smtClean="0"/>
-              <a:t>12/12/2022</a:t>
+              <a:t>19/12/2022</a:t>
             </a:fld>
             <a:endParaRPr lang="fr-FR"/>
           </a:p>
@@ -1149,7 +1153,7 @@
           <a:p>
             <a:fld id="{06A3139F-854D-4FE6-99DD-CB489410AD8F}" type="datetime1">
               <a:rPr lang="fr-FR" smtClean="0"/>
-              <a:t>12/12/2022</a:t>
+              <a:t>19/12/2022</a:t>
             </a:fld>
             <a:endParaRPr lang="fr-FR"/>
           </a:p>
@@ -1371,7 +1375,7 @@
           <a:p>
             <a:fld id="{EED2F0DC-3D15-4F6F-84AB-EC4082A55979}" type="datetime1">
               <a:rPr lang="fr-FR" smtClean="0"/>
-              <a:t>12/12/2022</a:t>
+              <a:t>19/12/2022</a:t>
             </a:fld>
             <a:endParaRPr lang="fr-FR"/>
           </a:p>
@@ -1662,7 +1666,7 @@
           <a:p>
             <a:fld id="{45BD590C-2158-452E-961B-3E1E8329CB24}" type="datetime1">
               <a:rPr lang="fr-FR" smtClean="0"/>
-              <a:t>12/12/2022</a:t>
+              <a:t>19/12/2022</a:t>
             </a:fld>
             <a:endParaRPr lang="fr-FR"/>
           </a:p>
@@ -2116,7 +2120,7 @@
           <a:p>
             <a:fld id="{726A6E5A-31EB-42CD-8A63-5F1D53FBC470}" type="datetime1">
               <a:rPr lang="fr-FR" smtClean="0"/>
-              <a:t>12/12/2022</a:t>
+              <a:t>19/12/2022</a:t>
             </a:fld>
             <a:endParaRPr lang="fr-FR"/>
           </a:p>
@@ -2692,7 +2696,7 @@
           <a:p>
             <a:fld id="{7A9C50E2-81A0-4702-8017-6C72B8512F01}" type="datetime1">
               <a:rPr lang="fr-FR" smtClean="0"/>
-              <a:t>12/12/2022</a:t>
+              <a:t>19/12/2022</a:t>
             </a:fld>
             <a:endParaRPr lang="fr-FR"/>
           </a:p>
@@ -3544,7 +3548,7 @@
           <a:p>
             <a:fld id="{6D27B479-876E-437A-964B-978423E76298}" type="datetime1">
               <a:rPr lang="fr-FR" smtClean="0"/>
-              <a:t>12/12/2022</a:t>
+              <a:t>19/12/2022</a:t>
             </a:fld>
             <a:endParaRPr lang="fr-FR"/>
           </a:p>
@@ -3749,7 +3753,7 @@
           <a:p>
             <a:fld id="{C423AB70-0F5C-45FE-88C4-25B4BA57329D}" type="datetime1">
               <a:rPr lang="fr-FR" smtClean="0"/>
-              <a:t>12/12/2022</a:t>
+              <a:t>19/12/2022</a:t>
             </a:fld>
             <a:endParaRPr lang="fr-FR"/>
           </a:p>
@@ -3963,7 +3967,7 @@
           <a:p>
             <a:fld id="{315A4CA8-35F7-42C4-9ADC-5F44C1AACF89}" type="datetime1">
               <a:rPr lang="fr-FR" smtClean="0"/>
-              <a:t>12/12/2022</a:t>
+              <a:t>19/12/2022</a:t>
             </a:fld>
             <a:endParaRPr lang="fr-FR"/>
           </a:p>
@@ -4168,7 +4172,7 @@
           <a:p>
             <a:fld id="{AF4EA936-AAC8-48BA-8B10-32A5DCD211FC}" type="datetime1">
               <a:rPr lang="fr-FR" smtClean="0"/>
-              <a:t>12/12/2022</a:t>
+              <a:t>19/12/2022</a:t>
             </a:fld>
             <a:endParaRPr lang="fr-FR"/>
           </a:p>
@@ -4448,7 +4452,7 @@
           <a:p>
             <a:fld id="{86173185-31E5-4171-AE07-15DA09155188}" type="datetime1">
               <a:rPr lang="fr-FR" smtClean="0"/>
-              <a:t>12/12/2022</a:t>
+              <a:t>19/12/2022</a:t>
             </a:fld>
             <a:endParaRPr lang="fr-FR"/>
           </a:p>
@@ -4715,7 +4719,7 @@
           <a:p>
             <a:fld id="{E5CD96CD-97A5-4E25-BD3B-5C9379240131}" type="datetime1">
               <a:rPr lang="fr-FR" smtClean="0"/>
-              <a:t>12/12/2022</a:t>
+              <a:t>19/12/2022</a:t>
             </a:fld>
             <a:endParaRPr lang="fr-FR"/>
           </a:p>
@@ -5130,7 +5134,7 @@
           <a:p>
             <a:fld id="{0503623F-6F4A-410D-91D5-BAA3C75C9E07}" type="datetime1">
               <a:rPr lang="fr-FR" smtClean="0"/>
-              <a:t>12/12/2022</a:t>
+              <a:t>19/12/2022</a:t>
             </a:fld>
             <a:endParaRPr lang="fr-FR"/>
           </a:p>
@@ -5278,7 +5282,7 @@
           <a:p>
             <a:fld id="{CF8807A0-BD37-4435-A229-7FDA7DDAC310}" type="datetime1">
               <a:rPr lang="fr-FR" smtClean="0"/>
-              <a:t>12/12/2022</a:t>
+              <a:t>19/12/2022</a:t>
             </a:fld>
             <a:endParaRPr lang="fr-FR"/>
           </a:p>
@@ -5403,7 +5407,7 @@
           <a:p>
             <a:fld id="{BE60F396-152D-463E-93BC-AD29434579DB}" type="datetime1">
               <a:rPr lang="fr-FR" smtClean="0"/>
-              <a:t>12/12/2022</a:t>
+              <a:t>19/12/2022</a:t>
             </a:fld>
             <a:endParaRPr lang="fr-FR"/>
           </a:p>
@@ -5682,7 +5686,7 @@
           <a:p>
             <a:fld id="{DFB1FA05-3657-462B-BCF3-68393ED91A27}" type="datetime1">
               <a:rPr lang="fr-FR" smtClean="0"/>
-              <a:t>12/12/2022</a:t>
+              <a:t>19/12/2022</a:t>
             </a:fld>
             <a:endParaRPr lang="fr-FR"/>
           </a:p>
@@ -5994,7 +5998,7 @@
           <a:p>
             <a:fld id="{C3B0526B-C609-4D71-9CFA-BEB151D8AFC6}" type="datetime1">
               <a:rPr lang="fr-FR" smtClean="0"/>
-              <a:t>12/12/2022</a:t>
+              <a:t>19/12/2022</a:t>
             </a:fld>
             <a:endParaRPr lang="fr-FR"/>
           </a:p>
@@ -6265,7 +6269,7 @@
           <a:p>
             <a:fld id="{81BBAE3C-7010-4F3E-914F-95C8349AD238}" type="datetime1">
               <a:rPr lang="fr-FR" smtClean="0"/>
-              <a:t>12/12/2022</a:t>
+              <a:t>19/12/2022</a:t>
             </a:fld>
             <a:endParaRPr lang="fr-FR"/>
           </a:p>
@@ -6798,6 +6802,1229 @@
 </p:sld>
 </file>
 
+<file path=ppt/slides/slide10.xml><?xml version="1.0" encoding="utf-8"?>
+<p:sld xmlns:a="http://schemas.openxmlformats.org/drawingml/2006/main" xmlns:r="http://schemas.openxmlformats.org/officeDocument/2006/relationships" xmlns:p="http://schemas.openxmlformats.org/presentationml/2006/main">
+  <p:cSld>
+    <p:spTree>
+      <p:nvGrpSpPr>
+        <p:cNvPr id="1" name=""/>
+        <p:cNvGrpSpPr/>
+        <p:nvPr/>
+      </p:nvGrpSpPr>
+      <p:grpSpPr>
+        <a:xfrm>
+          <a:off x="0" y="0"/>
+          <a:ext cx="0" cy="0"/>
+          <a:chOff x="0" y="0"/>
+          <a:chExt cx="0" cy="0"/>
+        </a:xfrm>
+      </p:grpSpPr>
+      <p:sp>
+        <p:nvSpPr>
+          <p:cNvPr id="2" name="Titre 1">
+            <a:extLst>
+              <a:ext uri="{FF2B5EF4-FFF2-40B4-BE49-F238E27FC236}">
+                <a16:creationId xmlns:a16="http://schemas.microsoft.com/office/drawing/2014/main" id="{C2CEDE09-97D9-49AD-98FF-AEBC0762FB29}"/>
+              </a:ext>
+            </a:extLst>
+          </p:cNvPr>
+          <p:cNvSpPr>
+            <a:spLocks noGrp="1"/>
+          </p:cNvSpPr>
+          <p:nvPr>
+            <p:ph type="ctrTitle"/>
+          </p:nvPr>
+        </p:nvSpPr>
+        <p:spPr>
+          <a:xfrm>
+            <a:off x="6460551" y="1268022"/>
+            <a:ext cx="5731449" cy="887949"/>
+          </a:xfrm>
+        </p:spPr>
+        <p:txBody>
+          <a:bodyPr>
+            <a:noAutofit/>
+          </a:bodyPr>
+          <a:lstStyle/>
+          <a:p>
+            <a:r>
+              <a:rPr lang="en-US" sz="5400" b="1" i="1" dirty="0" err="1">
+                <a:solidFill>
+                  <a:schemeClr val="tx1">
+                    <a:lumMod val="95000"/>
+                    <a:lumOff val="5000"/>
+                  </a:schemeClr>
+                </a:solidFill>
+              </a:rPr>
+              <a:t>héritage</a:t>
+            </a:r>
+            <a:endParaRPr lang="fr-FR" sz="5400" b="1" i="1" dirty="0">
+              <a:solidFill>
+                <a:schemeClr val="tx1">
+                  <a:lumMod val="95000"/>
+                  <a:lumOff val="5000"/>
+                </a:schemeClr>
+              </a:solidFill>
+            </a:endParaRPr>
+          </a:p>
+        </p:txBody>
+      </p:sp>
+      <p:sp>
+        <p:nvSpPr>
+          <p:cNvPr id="7" name="Espace réservé du numéro de diapositive 6">
+            <a:extLst>
+              <a:ext uri="{FF2B5EF4-FFF2-40B4-BE49-F238E27FC236}">
+                <a16:creationId xmlns:a16="http://schemas.microsoft.com/office/drawing/2014/main" id="{368EF5E6-3C25-486D-B7A2-44F32BD9456C}"/>
+              </a:ext>
+            </a:extLst>
+          </p:cNvPr>
+          <p:cNvSpPr>
+            <a:spLocks noGrp="1"/>
+          </p:cNvSpPr>
+          <p:nvPr>
+            <p:ph type="sldNum" sz="quarter" idx="12"/>
+          </p:nvPr>
+        </p:nvSpPr>
+        <p:spPr>
+          <a:xfrm>
+            <a:off x="11427785" y="6492875"/>
+            <a:ext cx="764215" cy="365125"/>
+          </a:xfrm>
+        </p:spPr>
+        <p:txBody>
+          <a:bodyPr/>
+          <a:lstStyle/>
+          <a:p>
+            <a:fld id="{6CE42BFF-69B7-4F10-A8D8-02FF0C38B363}" type="slidenum">
+              <a:rPr lang="fr-FR" smtClean="0"/>
+              <a:t>10</a:t>
+            </a:fld>
+            <a:endParaRPr lang="fr-FR" dirty="0"/>
+          </a:p>
+        </p:txBody>
+      </p:sp>
+      <p:sp>
+        <p:nvSpPr>
+          <p:cNvPr id="8" name="ZoneTexte 7">
+            <a:extLst>
+              <a:ext uri="{FF2B5EF4-FFF2-40B4-BE49-F238E27FC236}">
+                <a16:creationId xmlns:a16="http://schemas.microsoft.com/office/drawing/2014/main" id="{5F4C59E4-47DB-A407-CC2C-2D7283CC2B57}"/>
+              </a:ext>
+            </a:extLst>
+          </p:cNvPr>
+          <p:cNvSpPr txBox="1"/>
+          <p:nvPr/>
+        </p:nvSpPr>
+        <p:spPr>
+          <a:xfrm>
+            <a:off x="406663" y="4413391"/>
+            <a:ext cx="6587524" cy="2031325"/>
+          </a:xfrm>
+          <a:prstGeom prst="rect">
+            <a:avLst/>
+          </a:prstGeom>
+          <a:noFill/>
+        </p:spPr>
+        <p:txBody>
+          <a:bodyPr wrap="square">
+            <a:spAutoFit/>
+          </a:bodyPr>
+          <a:lstStyle/>
+          <a:p>
+            <a:r>
+              <a:rPr lang="fr-FR" dirty="0"/>
+              <a:t>On déclare une classe fille qui étends d’une classe mère avec le mot clés « </a:t>
+            </a:r>
+            <a:r>
+              <a:rPr lang="fr-FR" b="1" dirty="0" err="1"/>
+              <a:t>extends</a:t>
+            </a:r>
+            <a:r>
+              <a:rPr lang="fr-FR" dirty="0"/>
+              <a:t> », ici « </a:t>
+            </a:r>
+            <a:r>
+              <a:rPr lang="fr-FR" b="1" dirty="0"/>
+              <a:t>Piece</a:t>
+            </a:r>
+            <a:r>
+              <a:rPr lang="fr-FR" dirty="0"/>
+              <a:t> » est la classe mère et « </a:t>
+            </a:r>
+            <a:r>
+              <a:rPr lang="fr-FR" b="1" dirty="0" err="1"/>
+              <a:t>Rook</a:t>
+            </a:r>
+            <a:r>
+              <a:rPr lang="fr-FR" dirty="0"/>
+              <a:t> » la classe fille. On peut dire qu’une </a:t>
+            </a:r>
+            <a:r>
+              <a:rPr lang="fr-FR" b="1" dirty="0"/>
+              <a:t>« </a:t>
+            </a:r>
+            <a:r>
+              <a:rPr lang="fr-FR" b="1" dirty="0" err="1"/>
+              <a:t>Rook</a:t>
+            </a:r>
+            <a:r>
+              <a:rPr lang="fr-FR" b="1" dirty="0"/>
+              <a:t> » est une « Piece »,</a:t>
+            </a:r>
+            <a:r>
+              <a:rPr lang="fr-FR" dirty="0"/>
+              <a:t> c’est le même type.</a:t>
+            </a:r>
+            <a:br>
+              <a:rPr lang="fr-FR" dirty="0"/>
+            </a:br>
+            <a:br>
+              <a:rPr lang="fr-FR" dirty="0"/>
+            </a:br>
+            <a:r>
+              <a:rPr lang="fr-FR" dirty="0"/>
+              <a:t>Dans ce cas de figure, il est préférable que les attributs de la mère soient en « </a:t>
+            </a:r>
+            <a:r>
+              <a:rPr lang="fr-FR" b="1" dirty="0" err="1"/>
+              <a:t>protected</a:t>
+            </a:r>
+            <a:r>
+              <a:rPr lang="fr-FR" dirty="0"/>
+              <a:t> ».</a:t>
+            </a:r>
+          </a:p>
+        </p:txBody>
+      </p:sp>
+      <p:pic>
+        <p:nvPicPr>
+          <p:cNvPr id="5" name="Image 4">
+            <a:extLst>
+              <a:ext uri="{FF2B5EF4-FFF2-40B4-BE49-F238E27FC236}">
+                <a16:creationId xmlns:a16="http://schemas.microsoft.com/office/drawing/2014/main" id="{3D832420-6D6E-BE6D-1024-5FBDDFA514DD}"/>
+              </a:ext>
+            </a:extLst>
+          </p:cNvPr>
+          <p:cNvPicPr>
+            <a:picLocks noChangeAspect="1"/>
+          </p:cNvPicPr>
+          <p:nvPr/>
+        </p:nvPicPr>
+        <p:blipFill>
+          <a:blip r:embed="rId2"/>
+          <a:stretch>
+            <a:fillRect/>
+          </a:stretch>
+        </p:blipFill>
+        <p:spPr>
+          <a:xfrm>
+            <a:off x="7516272" y="4833290"/>
+            <a:ext cx="3620005" cy="914528"/>
+          </a:xfrm>
+          <a:prstGeom prst="rect">
+            <a:avLst/>
+          </a:prstGeom>
+        </p:spPr>
+      </p:pic>
+      <p:sp>
+        <p:nvSpPr>
+          <p:cNvPr id="6" name="ZoneTexte 5">
+            <a:extLst>
+              <a:ext uri="{FF2B5EF4-FFF2-40B4-BE49-F238E27FC236}">
+                <a16:creationId xmlns:a16="http://schemas.microsoft.com/office/drawing/2014/main" id="{7E579F80-7F1D-1CD7-D91D-895318713672}"/>
+              </a:ext>
+            </a:extLst>
+          </p:cNvPr>
+          <p:cNvSpPr txBox="1"/>
+          <p:nvPr/>
+        </p:nvSpPr>
+        <p:spPr>
+          <a:xfrm>
+            <a:off x="406663" y="2407518"/>
+            <a:ext cx="11021122" cy="1754326"/>
+          </a:xfrm>
+          <a:prstGeom prst="rect">
+            <a:avLst/>
+          </a:prstGeom>
+          <a:noFill/>
+        </p:spPr>
+        <p:txBody>
+          <a:bodyPr wrap="square">
+            <a:spAutoFit/>
+          </a:bodyPr>
+          <a:lstStyle/>
+          <a:p>
+            <a:r>
+              <a:rPr lang="fr-FR" b="1" u="sng" dirty="0"/>
+              <a:t>A quoi sert l’héritage ?</a:t>
+            </a:r>
+            <a:br>
+              <a:rPr lang="fr-FR" b="1" u="sng" dirty="0"/>
+            </a:br>
+            <a:r>
+              <a:rPr lang="fr-FR" dirty="0"/>
+              <a:t>C’est de lier une classe enfant à une classe parente.</a:t>
+            </a:r>
+            <a:br>
+              <a:rPr lang="fr-FR" dirty="0"/>
+            </a:br>
+            <a:br>
+              <a:rPr lang="fr-FR" dirty="0"/>
+            </a:br>
+            <a:r>
+              <a:rPr lang="fr-FR" dirty="0"/>
+              <a:t>Le but est de donner des comportements et attributs </a:t>
+            </a:r>
+            <a:r>
+              <a:rPr lang="fr-FR" u="sng" dirty="0"/>
+              <a:t>de la classe mère </a:t>
+            </a:r>
+            <a:r>
+              <a:rPr lang="fr-FR" dirty="0"/>
+              <a:t>aux </a:t>
+            </a:r>
+            <a:r>
+              <a:rPr lang="fr-FR" u="sng" dirty="0"/>
+              <a:t>classes enfants.</a:t>
+            </a:r>
+            <a:br>
+              <a:rPr lang="fr-FR" u="sng" dirty="0"/>
+            </a:br>
+            <a:r>
+              <a:rPr lang="fr-FR" dirty="0"/>
+              <a:t>Ainsi, les attributs et méthodes de la classe mère seront hérités dans la classe fille, elle pourra donc y accéder même si ceux-ci ne sont pas déclaré au sein de sa classe.</a:t>
+            </a:r>
+            <a:endParaRPr lang="fr-FR" b="1" u="sng" dirty="0"/>
+          </a:p>
+        </p:txBody>
+      </p:sp>
+    </p:spTree>
+    <p:extLst>
+      <p:ext uri="{BB962C8B-B14F-4D97-AF65-F5344CB8AC3E}">
+        <p14:creationId xmlns:p14="http://schemas.microsoft.com/office/powerpoint/2010/main" val="3682420735"/>
+      </p:ext>
+    </p:extLst>
+  </p:cSld>
+  <p:clrMapOvr>
+    <a:masterClrMapping/>
+  </p:clrMapOvr>
+</p:sld>
+</file>
+
+<file path=ppt/slides/slide11.xml><?xml version="1.0" encoding="utf-8"?>
+<p:sld xmlns:a="http://schemas.openxmlformats.org/drawingml/2006/main" xmlns:r="http://schemas.openxmlformats.org/officeDocument/2006/relationships" xmlns:p="http://schemas.openxmlformats.org/presentationml/2006/main">
+  <p:cSld>
+    <p:spTree>
+      <p:nvGrpSpPr>
+        <p:cNvPr id="1" name=""/>
+        <p:cNvGrpSpPr/>
+        <p:nvPr/>
+      </p:nvGrpSpPr>
+      <p:grpSpPr>
+        <a:xfrm>
+          <a:off x="0" y="0"/>
+          <a:ext cx="0" cy="0"/>
+          <a:chOff x="0" y="0"/>
+          <a:chExt cx="0" cy="0"/>
+        </a:xfrm>
+      </p:grpSpPr>
+      <p:sp>
+        <p:nvSpPr>
+          <p:cNvPr id="2" name="Titre 1">
+            <a:extLst>
+              <a:ext uri="{FF2B5EF4-FFF2-40B4-BE49-F238E27FC236}">
+                <a16:creationId xmlns:a16="http://schemas.microsoft.com/office/drawing/2014/main" id="{C2CEDE09-97D9-49AD-98FF-AEBC0762FB29}"/>
+              </a:ext>
+            </a:extLst>
+          </p:cNvPr>
+          <p:cNvSpPr>
+            <a:spLocks noGrp="1"/>
+          </p:cNvSpPr>
+          <p:nvPr>
+            <p:ph type="ctrTitle"/>
+          </p:nvPr>
+        </p:nvSpPr>
+        <p:spPr>
+          <a:xfrm>
+            <a:off x="6460551" y="1268022"/>
+            <a:ext cx="5731449" cy="887949"/>
+          </a:xfrm>
+        </p:spPr>
+        <p:txBody>
+          <a:bodyPr>
+            <a:noAutofit/>
+          </a:bodyPr>
+          <a:lstStyle/>
+          <a:p>
+            <a:r>
+              <a:rPr lang="en-US" sz="5400" b="1" i="1" dirty="0" err="1">
+                <a:solidFill>
+                  <a:schemeClr val="tx1">
+                    <a:lumMod val="95000"/>
+                    <a:lumOff val="5000"/>
+                  </a:schemeClr>
+                </a:solidFill>
+              </a:rPr>
+              <a:t>Héritage</a:t>
+            </a:r>
+            <a:r>
+              <a:rPr lang="en-US" sz="5400" b="1" i="1" dirty="0">
+                <a:solidFill>
+                  <a:schemeClr val="tx1">
+                    <a:lumMod val="95000"/>
+                    <a:lumOff val="5000"/>
+                  </a:schemeClr>
+                </a:solidFill>
+              </a:rPr>
+              <a:t> : override</a:t>
+            </a:r>
+            <a:endParaRPr lang="fr-FR" sz="5400" b="1" i="1" dirty="0">
+              <a:solidFill>
+                <a:schemeClr val="tx1">
+                  <a:lumMod val="95000"/>
+                  <a:lumOff val="5000"/>
+                </a:schemeClr>
+              </a:solidFill>
+            </a:endParaRPr>
+          </a:p>
+        </p:txBody>
+      </p:sp>
+      <p:sp>
+        <p:nvSpPr>
+          <p:cNvPr id="7" name="Espace réservé du numéro de diapositive 6">
+            <a:extLst>
+              <a:ext uri="{FF2B5EF4-FFF2-40B4-BE49-F238E27FC236}">
+                <a16:creationId xmlns:a16="http://schemas.microsoft.com/office/drawing/2014/main" id="{368EF5E6-3C25-486D-B7A2-44F32BD9456C}"/>
+              </a:ext>
+            </a:extLst>
+          </p:cNvPr>
+          <p:cNvSpPr>
+            <a:spLocks noGrp="1"/>
+          </p:cNvSpPr>
+          <p:nvPr>
+            <p:ph type="sldNum" sz="quarter" idx="12"/>
+          </p:nvPr>
+        </p:nvSpPr>
+        <p:spPr>
+          <a:xfrm>
+            <a:off x="11427785" y="6492875"/>
+            <a:ext cx="764215" cy="365125"/>
+          </a:xfrm>
+        </p:spPr>
+        <p:txBody>
+          <a:bodyPr/>
+          <a:lstStyle/>
+          <a:p>
+            <a:fld id="{6CE42BFF-69B7-4F10-A8D8-02FF0C38B363}" type="slidenum">
+              <a:rPr lang="fr-FR" smtClean="0"/>
+              <a:t>11</a:t>
+            </a:fld>
+            <a:endParaRPr lang="fr-FR" dirty="0"/>
+          </a:p>
+        </p:txBody>
+      </p:sp>
+      <p:sp>
+        <p:nvSpPr>
+          <p:cNvPr id="8" name="ZoneTexte 7">
+            <a:extLst>
+              <a:ext uri="{FF2B5EF4-FFF2-40B4-BE49-F238E27FC236}">
+                <a16:creationId xmlns:a16="http://schemas.microsoft.com/office/drawing/2014/main" id="{5F4C59E4-47DB-A407-CC2C-2D7283CC2B57}"/>
+              </a:ext>
+            </a:extLst>
+          </p:cNvPr>
+          <p:cNvSpPr txBox="1"/>
+          <p:nvPr/>
+        </p:nvSpPr>
+        <p:spPr>
+          <a:xfrm>
+            <a:off x="406663" y="3209452"/>
+            <a:ext cx="5799584" cy="1477328"/>
+          </a:xfrm>
+          <a:prstGeom prst="rect">
+            <a:avLst/>
+          </a:prstGeom>
+          <a:noFill/>
+        </p:spPr>
+        <p:txBody>
+          <a:bodyPr wrap="square">
+            <a:spAutoFit/>
+          </a:bodyPr>
+          <a:lstStyle/>
+          <a:p>
+            <a:r>
+              <a:rPr lang="fr-FR" dirty="0"/>
+              <a:t>Prenons ce cas de figure, j’ai une méthode « </a:t>
+            </a:r>
+            <a:r>
+              <a:rPr lang="fr-FR" b="1" dirty="0" err="1"/>
+              <a:t>toMove</a:t>
+            </a:r>
+            <a:r>
+              <a:rPr lang="fr-FR" dirty="0"/>
+              <a:t> » dans la classe mère.</a:t>
+            </a:r>
+            <a:br>
+              <a:rPr lang="fr-FR" dirty="0"/>
+            </a:br>
+            <a:r>
+              <a:rPr lang="fr-FR" dirty="0"/>
+              <a:t>Tant que celle-ci n’a pas été réécrite dans la classe fille, elle sera accessible depuis une instance de la classe fille et aura le comportement de la classe mère.</a:t>
+            </a:r>
+          </a:p>
+        </p:txBody>
+      </p:sp>
+      <p:sp>
+        <p:nvSpPr>
+          <p:cNvPr id="6" name="ZoneTexte 5">
+            <a:extLst>
+              <a:ext uri="{FF2B5EF4-FFF2-40B4-BE49-F238E27FC236}">
+                <a16:creationId xmlns:a16="http://schemas.microsoft.com/office/drawing/2014/main" id="{7E579F80-7F1D-1CD7-D91D-895318713672}"/>
+              </a:ext>
+            </a:extLst>
+          </p:cNvPr>
+          <p:cNvSpPr txBox="1"/>
+          <p:nvPr/>
+        </p:nvSpPr>
+        <p:spPr>
+          <a:xfrm>
+            <a:off x="406663" y="2407518"/>
+            <a:ext cx="11021122" cy="646331"/>
+          </a:xfrm>
+          <a:prstGeom prst="rect">
+            <a:avLst/>
+          </a:prstGeom>
+          <a:noFill/>
+        </p:spPr>
+        <p:txBody>
+          <a:bodyPr wrap="square">
+            <a:spAutoFit/>
+          </a:bodyPr>
+          <a:lstStyle/>
+          <a:p>
+            <a:r>
+              <a:rPr lang="fr-FR" b="1" u="sng" dirty="0"/>
+              <a:t>C’est quoi l’</a:t>
+            </a:r>
+            <a:r>
+              <a:rPr lang="fr-FR" b="1" u="sng" dirty="0" err="1"/>
+              <a:t>Override</a:t>
+            </a:r>
+            <a:r>
+              <a:rPr lang="fr-FR" b="1" u="sng" dirty="0"/>
+              <a:t> ?</a:t>
+            </a:r>
+          </a:p>
+          <a:p>
+            <a:r>
+              <a:rPr lang="fr-FR" dirty="0"/>
+              <a:t>Il s’agit de la réécriture de comportements (méthodes) de la classe mère dans la classe enfant.</a:t>
+            </a:r>
+          </a:p>
+        </p:txBody>
+      </p:sp>
+      <p:pic>
+        <p:nvPicPr>
+          <p:cNvPr id="4" name="Image 3">
+            <a:extLst>
+              <a:ext uri="{FF2B5EF4-FFF2-40B4-BE49-F238E27FC236}">
+                <a16:creationId xmlns:a16="http://schemas.microsoft.com/office/drawing/2014/main" id="{3E2D686B-73FF-A5F2-CB78-16D8B14A1933}"/>
+              </a:ext>
+            </a:extLst>
+          </p:cNvPr>
+          <p:cNvPicPr>
+            <a:picLocks noChangeAspect="1"/>
+          </p:cNvPicPr>
+          <p:nvPr/>
+        </p:nvPicPr>
+        <p:blipFill>
+          <a:blip r:embed="rId2"/>
+          <a:stretch>
+            <a:fillRect/>
+          </a:stretch>
+        </p:blipFill>
+        <p:spPr>
+          <a:xfrm>
+            <a:off x="6434253" y="3209452"/>
+            <a:ext cx="4993532" cy="1230923"/>
+          </a:xfrm>
+          <a:prstGeom prst="rect">
+            <a:avLst/>
+          </a:prstGeom>
+        </p:spPr>
+      </p:pic>
+      <p:pic>
+        <p:nvPicPr>
+          <p:cNvPr id="10" name="Image 9">
+            <a:extLst>
+              <a:ext uri="{FF2B5EF4-FFF2-40B4-BE49-F238E27FC236}">
+                <a16:creationId xmlns:a16="http://schemas.microsoft.com/office/drawing/2014/main" id="{1CD54E23-93E6-875E-0661-07CC72BDE255}"/>
+              </a:ext>
+            </a:extLst>
+          </p:cNvPr>
+          <p:cNvPicPr>
+            <a:picLocks noChangeAspect="1"/>
+          </p:cNvPicPr>
+          <p:nvPr/>
+        </p:nvPicPr>
+        <p:blipFill>
+          <a:blip r:embed="rId3"/>
+          <a:stretch>
+            <a:fillRect/>
+          </a:stretch>
+        </p:blipFill>
+        <p:spPr>
+          <a:xfrm>
+            <a:off x="6460551" y="4793836"/>
+            <a:ext cx="4967234" cy="1592284"/>
+          </a:xfrm>
+          <a:prstGeom prst="rect">
+            <a:avLst/>
+          </a:prstGeom>
+        </p:spPr>
+      </p:pic>
+      <p:sp>
+        <p:nvSpPr>
+          <p:cNvPr id="11" name="ZoneTexte 10">
+            <a:extLst>
+              <a:ext uri="{FF2B5EF4-FFF2-40B4-BE49-F238E27FC236}">
+                <a16:creationId xmlns:a16="http://schemas.microsoft.com/office/drawing/2014/main" id="{D5335132-AD58-2160-403B-DE58014F0D28}"/>
+              </a:ext>
+            </a:extLst>
+          </p:cNvPr>
+          <p:cNvSpPr txBox="1"/>
+          <p:nvPr/>
+        </p:nvSpPr>
+        <p:spPr>
+          <a:xfrm>
+            <a:off x="406663" y="4842383"/>
+            <a:ext cx="5799584" cy="1200329"/>
+          </a:xfrm>
+          <a:prstGeom prst="rect">
+            <a:avLst/>
+          </a:prstGeom>
+          <a:noFill/>
+        </p:spPr>
+        <p:txBody>
+          <a:bodyPr wrap="square">
+            <a:spAutoFit/>
+          </a:bodyPr>
+          <a:lstStyle/>
+          <a:p>
+            <a:r>
+              <a:rPr lang="fr-FR" dirty="0"/>
+              <a:t>Seulement, une méthode de la classe mère peut être réécrite dans la fille, et ainsi avoir son propre comportement, qui peut donc différer de celui de la mère.</a:t>
+            </a:r>
+            <a:br>
+              <a:rPr lang="fr-FR" dirty="0"/>
+            </a:br>
+            <a:endParaRPr lang="fr-FR" dirty="0"/>
+          </a:p>
+        </p:txBody>
+      </p:sp>
+    </p:spTree>
+    <p:extLst>
+      <p:ext uri="{BB962C8B-B14F-4D97-AF65-F5344CB8AC3E}">
+        <p14:creationId xmlns:p14="http://schemas.microsoft.com/office/powerpoint/2010/main" val="1232398097"/>
+      </p:ext>
+    </p:extLst>
+  </p:cSld>
+  <p:clrMapOvr>
+    <a:masterClrMapping/>
+  </p:clrMapOvr>
+</p:sld>
+</file>
+
+<file path=ppt/slides/slide12.xml><?xml version="1.0" encoding="utf-8"?>
+<p:sld xmlns:a="http://schemas.openxmlformats.org/drawingml/2006/main" xmlns:r="http://schemas.openxmlformats.org/officeDocument/2006/relationships" xmlns:p="http://schemas.openxmlformats.org/presentationml/2006/main">
+  <p:cSld>
+    <p:spTree>
+      <p:nvGrpSpPr>
+        <p:cNvPr id="1" name=""/>
+        <p:cNvGrpSpPr/>
+        <p:nvPr/>
+      </p:nvGrpSpPr>
+      <p:grpSpPr>
+        <a:xfrm>
+          <a:off x="0" y="0"/>
+          <a:ext cx="0" cy="0"/>
+          <a:chOff x="0" y="0"/>
+          <a:chExt cx="0" cy="0"/>
+        </a:xfrm>
+      </p:grpSpPr>
+      <p:sp>
+        <p:nvSpPr>
+          <p:cNvPr id="2" name="Titre 1">
+            <a:extLst>
+              <a:ext uri="{FF2B5EF4-FFF2-40B4-BE49-F238E27FC236}">
+                <a16:creationId xmlns:a16="http://schemas.microsoft.com/office/drawing/2014/main" id="{C2CEDE09-97D9-49AD-98FF-AEBC0762FB29}"/>
+              </a:ext>
+            </a:extLst>
+          </p:cNvPr>
+          <p:cNvSpPr>
+            <a:spLocks noGrp="1"/>
+          </p:cNvSpPr>
+          <p:nvPr>
+            <p:ph type="ctrTitle"/>
+          </p:nvPr>
+        </p:nvSpPr>
+        <p:spPr>
+          <a:xfrm>
+            <a:off x="6460551" y="1268022"/>
+            <a:ext cx="5731449" cy="887949"/>
+          </a:xfrm>
+        </p:spPr>
+        <p:txBody>
+          <a:bodyPr>
+            <a:noAutofit/>
+          </a:bodyPr>
+          <a:lstStyle/>
+          <a:p>
+            <a:r>
+              <a:rPr lang="en-US" sz="5400" b="1" i="1" dirty="0" err="1">
+                <a:solidFill>
+                  <a:schemeClr val="tx1">
+                    <a:lumMod val="95000"/>
+                    <a:lumOff val="5000"/>
+                  </a:schemeClr>
+                </a:solidFill>
+              </a:rPr>
+              <a:t>Héritage</a:t>
+            </a:r>
+            <a:r>
+              <a:rPr lang="en-US" sz="5400" b="1" i="1" dirty="0">
+                <a:solidFill>
+                  <a:schemeClr val="tx1">
+                    <a:lumMod val="95000"/>
+                    <a:lumOff val="5000"/>
+                  </a:schemeClr>
+                </a:solidFill>
+              </a:rPr>
+              <a:t> : override (parent)</a:t>
+            </a:r>
+            <a:endParaRPr lang="fr-FR" sz="5400" b="1" i="1" dirty="0">
+              <a:solidFill>
+                <a:schemeClr val="tx1">
+                  <a:lumMod val="95000"/>
+                  <a:lumOff val="5000"/>
+                </a:schemeClr>
+              </a:solidFill>
+            </a:endParaRPr>
+          </a:p>
+        </p:txBody>
+      </p:sp>
+      <p:sp>
+        <p:nvSpPr>
+          <p:cNvPr id="7" name="Espace réservé du numéro de diapositive 6">
+            <a:extLst>
+              <a:ext uri="{FF2B5EF4-FFF2-40B4-BE49-F238E27FC236}">
+                <a16:creationId xmlns:a16="http://schemas.microsoft.com/office/drawing/2014/main" id="{368EF5E6-3C25-486D-B7A2-44F32BD9456C}"/>
+              </a:ext>
+            </a:extLst>
+          </p:cNvPr>
+          <p:cNvSpPr>
+            <a:spLocks noGrp="1"/>
+          </p:cNvSpPr>
+          <p:nvPr>
+            <p:ph type="sldNum" sz="quarter" idx="12"/>
+          </p:nvPr>
+        </p:nvSpPr>
+        <p:spPr>
+          <a:xfrm>
+            <a:off x="11427785" y="6492875"/>
+            <a:ext cx="764215" cy="365125"/>
+          </a:xfrm>
+        </p:spPr>
+        <p:txBody>
+          <a:bodyPr/>
+          <a:lstStyle/>
+          <a:p>
+            <a:fld id="{6CE42BFF-69B7-4F10-A8D8-02FF0C38B363}" type="slidenum">
+              <a:rPr lang="fr-FR" smtClean="0"/>
+              <a:t>12</a:t>
+            </a:fld>
+            <a:endParaRPr lang="fr-FR" dirty="0"/>
+          </a:p>
+        </p:txBody>
+      </p:sp>
+      <p:sp>
+        <p:nvSpPr>
+          <p:cNvPr id="6" name="ZoneTexte 5">
+            <a:extLst>
+              <a:ext uri="{FF2B5EF4-FFF2-40B4-BE49-F238E27FC236}">
+                <a16:creationId xmlns:a16="http://schemas.microsoft.com/office/drawing/2014/main" id="{7E579F80-7F1D-1CD7-D91D-895318713672}"/>
+              </a:ext>
+            </a:extLst>
+          </p:cNvPr>
+          <p:cNvSpPr txBox="1"/>
+          <p:nvPr/>
+        </p:nvSpPr>
+        <p:spPr>
+          <a:xfrm>
+            <a:off x="428017" y="2724144"/>
+            <a:ext cx="6032534" cy="3139321"/>
+          </a:xfrm>
+          <a:prstGeom prst="rect">
+            <a:avLst/>
+          </a:prstGeom>
+          <a:noFill/>
+        </p:spPr>
+        <p:txBody>
+          <a:bodyPr wrap="square">
+            <a:spAutoFit/>
+          </a:bodyPr>
+          <a:lstStyle/>
+          <a:p>
+            <a:r>
+              <a:rPr lang="fr-FR" dirty="0"/>
+              <a:t>Même si l’enfant, peut vouloir réécrire un comportement de la mère, on peut cependant continuer d’appeler celui de la mère avec le mot clé : « </a:t>
+            </a:r>
+            <a:r>
+              <a:rPr lang="fr-FR" b="1" dirty="0"/>
+              <a:t>parent</a:t>
+            </a:r>
+            <a:r>
+              <a:rPr lang="fr-FR" dirty="0"/>
+              <a:t> » suivi de deux deux-points et le nom de la méthode dans la classe mère.</a:t>
+            </a:r>
+            <a:br>
+              <a:rPr lang="fr-FR" dirty="0"/>
+            </a:br>
+            <a:br>
+              <a:rPr lang="fr-FR" dirty="0"/>
+            </a:br>
+            <a:br>
+              <a:rPr lang="fr-FR" dirty="0"/>
+            </a:br>
+            <a:r>
+              <a:rPr lang="fr-FR" dirty="0"/>
+              <a:t>J’appelle la méthode « </a:t>
+            </a:r>
+            <a:r>
+              <a:rPr lang="fr-FR" b="1" dirty="0"/>
+              <a:t>move</a:t>
+            </a:r>
+            <a:r>
+              <a:rPr lang="fr-FR" dirty="0"/>
+              <a:t> » depuis notre objet :</a:t>
+            </a:r>
+          </a:p>
+          <a:p>
+            <a:r>
+              <a:rPr lang="fr-FR" b="1" dirty="0"/>
+              <a:t>- L’enfant n’a pas réécrit la méthode, alors celle de la </a:t>
+            </a:r>
+            <a:r>
+              <a:rPr lang="fr-FR" b="1" u="sng" dirty="0"/>
+              <a:t>mère</a:t>
+            </a:r>
+            <a:r>
+              <a:rPr lang="fr-FR" b="1" dirty="0"/>
+              <a:t> sera appelée</a:t>
+            </a:r>
+            <a:br>
+              <a:rPr lang="fr-FR" b="1" dirty="0"/>
+            </a:br>
+            <a:r>
+              <a:rPr lang="fr-FR" b="1" dirty="0"/>
+              <a:t>- L’enfant a réécrit la méthode, alors celle de </a:t>
+            </a:r>
+            <a:r>
+              <a:rPr lang="fr-FR" b="1" u="sng" dirty="0"/>
+              <a:t>l’enfant</a:t>
+            </a:r>
+            <a:r>
+              <a:rPr lang="fr-FR" b="1" dirty="0"/>
+              <a:t> sera appelée</a:t>
+            </a:r>
+          </a:p>
+        </p:txBody>
+      </p:sp>
+      <p:pic>
+        <p:nvPicPr>
+          <p:cNvPr id="5" name="Image 4">
+            <a:extLst>
+              <a:ext uri="{FF2B5EF4-FFF2-40B4-BE49-F238E27FC236}">
+                <a16:creationId xmlns:a16="http://schemas.microsoft.com/office/drawing/2014/main" id="{66DDFCD7-E74D-19B3-015F-47A2DDB3B597}"/>
+              </a:ext>
+            </a:extLst>
+          </p:cNvPr>
+          <p:cNvPicPr>
+            <a:picLocks noChangeAspect="1"/>
+          </p:cNvPicPr>
+          <p:nvPr/>
+        </p:nvPicPr>
+        <p:blipFill>
+          <a:blip r:embed="rId2"/>
+          <a:stretch>
+            <a:fillRect/>
+          </a:stretch>
+        </p:blipFill>
+        <p:spPr>
+          <a:xfrm>
+            <a:off x="6786664" y="2724144"/>
+            <a:ext cx="4847617" cy="1755450"/>
+          </a:xfrm>
+          <a:prstGeom prst="rect">
+            <a:avLst/>
+          </a:prstGeom>
+        </p:spPr>
+      </p:pic>
+    </p:spTree>
+    <p:extLst>
+      <p:ext uri="{BB962C8B-B14F-4D97-AF65-F5344CB8AC3E}">
+        <p14:creationId xmlns:p14="http://schemas.microsoft.com/office/powerpoint/2010/main" val="3303663395"/>
+      </p:ext>
+    </p:extLst>
+  </p:cSld>
+  <p:clrMapOvr>
+    <a:masterClrMapping/>
+  </p:clrMapOvr>
+</p:sld>
+</file>
+
+<file path=ppt/slides/slide13.xml><?xml version="1.0" encoding="utf-8"?>
+<p:sld xmlns:a="http://schemas.openxmlformats.org/drawingml/2006/main" xmlns:r="http://schemas.openxmlformats.org/officeDocument/2006/relationships" xmlns:p="http://schemas.openxmlformats.org/presentationml/2006/main">
+  <p:cSld>
+    <p:spTree>
+      <p:nvGrpSpPr>
+        <p:cNvPr id="1" name=""/>
+        <p:cNvGrpSpPr/>
+        <p:nvPr/>
+      </p:nvGrpSpPr>
+      <p:grpSpPr>
+        <a:xfrm>
+          <a:off x="0" y="0"/>
+          <a:ext cx="0" cy="0"/>
+          <a:chOff x="0" y="0"/>
+          <a:chExt cx="0" cy="0"/>
+        </a:xfrm>
+      </p:grpSpPr>
+      <p:sp>
+        <p:nvSpPr>
+          <p:cNvPr id="2" name="Titre 1">
+            <a:extLst>
+              <a:ext uri="{FF2B5EF4-FFF2-40B4-BE49-F238E27FC236}">
+                <a16:creationId xmlns:a16="http://schemas.microsoft.com/office/drawing/2014/main" id="{C2CEDE09-97D9-49AD-98FF-AEBC0762FB29}"/>
+              </a:ext>
+            </a:extLst>
+          </p:cNvPr>
+          <p:cNvSpPr>
+            <a:spLocks noGrp="1"/>
+          </p:cNvSpPr>
+          <p:nvPr>
+            <p:ph type="ctrTitle"/>
+          </p:nvPr>
+        </p:nvSpPr>
+        <p:spPr>
+          <a:xfrm>
+            <a:off x="5690681" y="771911"/>
+            <a:ext cx="6501319" cy="887949"/>
+          </a:xfrm>
+        </p:spPr>
+        <p:txBody>
+          <a:bodyPr>
+            <a:noAutofit/>
+          </a:bodyPr>
+          <a:lstStyle/>
+          <a:p>
+            <a:r>
+              <a:rPr lang="en-US" sz="5400" b="1" i="1" dirty="0" err="1">
+                <a:solidFill>
+                  <a:schemeClr val="tx1">
+                    <a:lumMod val="95000"/>
+                    <a:lumOff val="5000"/>
+                  </a:schemeClr>
+                </a:solidFill>
+              </a:rPr>
+              <a:t>Héritage</a:t>
+            </a:r>
+            <a:r>
+              <a:rPr lang="en-US" sz="5400" b="1" i="1" dirty="0">
+                <a:solidFill>
+                  <a:schemeClr val="tx1">
+                    <a:lumMod val="95000"/>
+                    <a:lumOff val="5000"/>
+                  </a:schemeClr>
+                </a:solidFill>
+              </a:rPr>
+              <a:t> : abstract</a:t>
+            </a:r>
+            <a:endParaRPr lang="fr-FR" sz="5400" b="1" i="1" dirty="0">
+              <a:solidFill>
+                <a:schemeClr val="tx1">
+                  <a:lumMod val="95000"/>
+                  <a:lumOff val="5000"/>
+                </a:schemeClr>
+              </a:solidFill>
+            </a:endParaRPr>
+          </a:p>
+        </p:txBody>
+      </p:sp>
+      <p:sp>
+        <p:nvSpPr>
+          <p:cNvPr id="7" name="Espace réservé du numéro de diapositive 6">
+            <a:extLst>
+              <a:ext uri="{FF2B5EF4-FFF2-40B4-BE49-F238E27FC236}">
+                <a16:creationId xmlns:a16="http://schemas.microsoft.com/office/drawing/2014/main" id="{368EF5E6-3C25-486D-B7A2-44F32BD9456C}"/>
+              </a:ext>
+            </a:extLst>
+          </p:cNvPr>
+          <p:cNvSpPr>
+            <a:spLocks noGrp="1"/>
+          </p:cNvSpPr>
+          <p:nvPr>
+            <p:ph type="sldNum" sz="quarter" idx="12"/>
+          </p:nvPr>
+        </p:nvSpPr>
+        <p:spPr>
+          <a:xfrm>
+            <a:off x="11427785" y="6492875"/>
+            <a:ext cx="764215" cy="365125"/>
+          </a:xfrm>
+        </p:spPr>
+        <p:txBody>
+          <a:bodyPr/>
+          <a:lstStyle/>
+          <a:p>
+            <a:fld id="{6CE42BFF-69B7-4F10-A8D8-02FF0C38B363}" type="slidenum">
+              <a:rPr lang="fr-FR" smtClean="0"/>
+              <a:t>13</a:t>
+            </a:fld>
+            <a:endParaRPr lang="fr-FR" dirty="0"/>
+          </a:p>
+        </p:txBody>
+      </p:sp>
+      <p:sp>
+        <p:nvSpPr>
+          <p:cNvPr id="6" name="ZoneTexte 5">
+            <a:extLst>
+              <a:ext uri="{FF2B5EF4-FFF2-40B4-BE49-F238E27FC236}">
+                <a16:creationId xmlns:a16="http://schemas.microsoft.com/office/drawing/2014/main" id="{7E579F80-7F1D-1CD7-D91D-895318713672}"/>
+              </a:ext>
+            </a:extLst>
+          </p:cNvPr>
+          <p:cNvSpPr txBox="1"/>
+          <p:nvPr/>
+        </p:nvSpPr>
+        <p:spPr>
+          <a:xfrm>
+            <a:off x="535021" y="2247488"/>
+            <a:ext cx="7772400" cy="3693319"/>
+          </a:xfrm>
+          <a:prstGeom prst="rect">
+            <a:avLst/>
+          </a:prstGeom>
+          <a:noFill/>
+        </p:spPr>
+        <p:txBody>
+          <a:bodyPr wrap="square">
+            <a:spAutoFit/>
+          </a:bodyPr>
+          <a:lstStyle/>
+          <a:p>
+            <a:r>
+              <a:rPr lang="fr-FR" dirty="0"/>
+              <a:t>« </a:t>
+            </a:r>
+            <a:r>
+              <a:rPr lang="fr-FR" b="1" dirty="0"/>
+              <a:t>abstract</a:t>
+            </a:r>
+            <a:r>
+              <a:rPr lang="fr-FR" dirty="0"/>
+              <a:t> » est un mot clé en programmation objet, qui peut se placer sur :</a:t>
+            </a:r>
+            <a:br>
+              <a:rPr lang="fr-FR" dirty="0"/>
+            </a:br>
+            <a:br>
+              <a:rPr lang="fr-FR" dirty="0"/>
+            </a:br>
+            <a:r>
+              <a:rPr lang="fr-FR" dirty="0"/>
+              <a:t>- Une classe, la classe deviendra « classe abstraite ». On ne pourra plus l’instancier (autrement dit, ne plus la créer directement avec un </a:t>
+            </a:r>
+            <a:r>
+              <a:rPr lang="fr-FR" b="1" dirty="0"/>
+              <a:t>new</a:t>
+            </a:r>
+            <a:r>
+              <a:rPr lang="fr-FR" dirty="0"/>
+              <a:t>).</a:t>
+            </a:r>
+          </a:p>
+          <a:p>
+            <a:r>
+              <a:rPr lang="fr-FR" dirty="0"/>
+              <a:t>On ne pourra donc l’instancier que via ses enfants.</a:t>
+            </a:r>
+            <a:br>
+              <a:rPr lang="fr-FR" dirty="0"/>
+            </a:br>
+            <a:br>
+              <a:rPr lang="fr-FR" dirty="0"/>
+            </a:br>
+            <a:r>
+              <a:rPr lang="fr-FR" dirty="0"/>
+              <a:t>- Une méthode, une méthode abstraite n’a pas de contenu, on ne fait que la déclaration de celle-ci et de ce qu’elle doit renvoyer.</a:t>
+            </a:r>
+            <a:br>
+              <a:rPr lang="fr-FR" dirty="0"/>
+            </a:br>
+            <a:r>
+              <a:rPr lang="fr-FR" dirty="0"/>
+              <a:t>Ainsi, les classes filles auront </a:t>
+            </a:r>
+            <a:r>
+              <a:rPr lang="fr-FR" b="1" dirty="0"/>
+              <a:t>OBLIGATION</a:t>
+            </a:r>
+            <a:r>
+              <a:rPr lang="fr-FR" dirty="0"/>
+              <a:t> de l’implémenter.</a:t>
+            </a:r>
+            <a:br>
+              <a:rPr lang="fr-FR" dirty="0"/>
+            </a:br>
+            <a:br>
+              <a:rPr lang="fr-FR" dirty="0"/>
+            </a:br>
+            <a:r>
+              <a:rPr lang="fr-FR" dirty="0"/>
+              <a:t>(</a:t>
+            </a:r>
+            <a:r>
+              <a:rPr lang="fr-FR" dirty="0" err="1"/>
+              <a:t>cf</a:t>
+            </a:r>
+            <a:r>
+              <a:rPr lang="fr-FR" dirty="0"/>
+              <a:t>, ci-joint dans la classe mère)</a:t>
+            </a:r>
+            <a:br>
+              <a:rPr lang="fr-FR" dirty="0"/>
+            </a:br>
+            <a:br>
+              <a:rPr lang="fr-FR" dirty="0"/>
+            </a:br>
+            <a:r>
+              <a:rPr lang="fr-FR" dirty="0"/>
+              <a:t>(</a:t>
+            </a:r>
+            <a:r>
+              <a:rPr lang="fr-FR" dirty="0" err="1"/>
+              <a:t>cf</a:t>
+            </a:r>
+            <a:r>
+              <a:rPr lang="fr-FR" dirty="0"/>
+              <a:t>, ci-joint dans la classe fille)</a:t>
+            </a:r>
+          </a:p>
+        </p:txBody>
+      </p:sp>
+      <p:pic>
+        <p:nvPicPr>
+          <p:cNvPr id="4" name="Image 3">
+            <a:extLst>
+              <a:ext uri="{FF2B5EF4-FFF2-40B4-BE49-F238E27FC236}">
+                <a16:creationId xmlns:a16="http://schemas.microsoft.com/office/drawing/2014/main" id="{259D959C-0E17-D51E-D8AE-0F488F542C05}"/>
+              </a:ext>
+            </a:extLst>
+          </p:cNvPr>
+          <p:cNvPicPr>
+            <a:picLocks noChangeAspect="1"/>
+          </p:cNvPicPr>
+          <p:nvPr/>
+        </p:nvPicPr>
+        <p:blipFill>
+          <a:blip r:embed="rId2"/>
+          <a:stretch>
+            <a:fillRect/>
+          </a:stretch>
+        </p:blipFill>
+        <p:spPr>
+          <a:xfrm>
+            <a:off x="8389448" y="2768864"/>
+            <a:ext cx="3267531" cy="1047896"/>
+          </a:xfrm>
+          <a:prstGeom prst="rect">
+            <a:avLst/>
+          </a:prstGeom>
+        </p:spPr>
+      </p:pic>
+      <p:pic>
+        <p:nvPicPr>
+          <p:cNvPr id="9" name="Image 8">
+            <a:extLst>
+              <a:ext uri="{FF2B5EF4-FFF2-40B4-BE49-F238E27FC236}">
+                <a16:creationId xmlns:a16="http://schemas.microsoft.com/office/drawing/2014/main" id="{A5CAEDE3-EC28-1440-BF6F-2F76AE5A5B8D}"/>
+              </a:ext>
+            </a:extLst>
+          </p:cNvPr>
+          <p:cNvPicPr>
+            <a:picLocks noChangeAspect="1"/>
+          </p:cNvPicPr>
+          <p:nvPr/>
+        </p:nvPicPr>
+        <p:blipFill>
+          <a:blip r:embed="rId3"/>
+          <a:stretch>
+            <a:fillRect/>
+          </a:stretch>
+        </p:blipFill>
+        <p:spPr>
+          <a:xfrm>
+            <a:off x="3794300" y="4848380"/>
+            <a:ext cx="5408579" cy="497722"/>
+          </a:xfrm>
+          <a:prstGeom prst="rect">
+            <a:avLst/>
+          </a:prstGeom>
+        </p:spPr>
+      </p:pic>
+      <p:pic>
+        <p:nvPicPr>
+          <p:cNvPr id="11" name="Image 10">
+            <a:extLst>
+              <a:ext uri="{FF2B5EF4-FFF2-40B4-BE49-F238E27FC236}">
+                <a16:creationId xmlns:a16="http://schemas.microsoft.com/office/drawing/2014/main" id="{A9CA6528-B40C-7C89-1353-F70A5BB717CC}"/>
+              </a:ext>
+            </a:extLst>
+          </p:cNvPr>
+          <p:cNvPicPr>
+            <a:picLocks noChangeAspect="1"/>
+          </p:cNvPicPr>
+          <p:nvPr/>
+        </p:nvPicPr>
+        <p:blipFill>
+          <a:blip r:embed="rId4"/>
+          <a:stretch>
+            <a:fillRect/>
+          </a:stretch>
+        </p:blipFill>
+        <p:spPr>
+          <a:xfrm>
+            <a:off x="3794300" y="5346102"/>
+            <a:ext cx="5408579" cy="1410704"/>
+          </a:xfrm>
+          <a:prstGeom prst="rect">
+            <a:avLst/>
+          </a:prstGeom>
+        </p:spPr>
+      </p:pic>
+    </p:spTree>
+    <p:extLst>
+      <p:ext uri="{BB962C8B-B14F-4D97-AF65-F5344CB8AC3E}">
+        <p14:creationId xmlns:p14="http://schemas.microsoft.com/office/powerpoint/2010/main" val="3080812011"/>
+      </p:ext>
+    </p:extLst>
+  </p:cSld>
+  <p:clrMapOvr>
+    <a:masterClrMapping/>
+  </p:clrMapOvr>
+</p:sld>
+</file>
+
 <file path=ppt/slides/slide2.xml><?xml version="1.0" encoding="utf-8"?>
 <p:sld xmlns:a="http://schemas.openxmlformats.org/drawingml/2006/main" xmlns:r="http://schemas.openxmlformats.org/officeDocument/2006/relationships" xmlns:p="http://schemas.openxmlformats.org/presentationml/2006/main">
   <p:cSld>
@@ -7254,7 +8481,7 @@
             </a:r>
             <a:r>
               <a:rPr lang="fr-FR" b="1" dirty="0" err="1"/>
-              <a:t>MaClasse.php</a:t>
+              <a:t>NomDeMaClasse.php</a:t>
             </a:r>
             <a:r>
               <a:rPr lang="fr-FR" b="1" dirty="0"/>
@@ -7262,7 +8489,15 @@
             </a:r>
             <a:r>
               <a:rPr lang="fr-FR" dirty="0"/>
-              <a:t>» en « Pascal-case ».</a:t>
+              <a:t>» en « </a:t>
+            </a:r>
+            <a:r>
+              <a:rPr lang="fr-FR" dirty="0" err="1"/>
+              <a:t>PascalCase</a:t>
+            </a:r>
+            <a:r>
+              <a:rPr lang="fr-FR" dirty="0"/>
+              <a:t> ».</a:t>
             </a:r>
           </a:p>
           <a:p>
@@ -7632,7 +8867,7 @@
         <p:spPr>
           <a:xfrm>
             <a:off x="733330" y="4806600"/>
-            <a:ext cx="2454326" cy="369332"/>
+            <a:ext cx="2454326" cy="646331"/>
           </a:xfrm>
           <a:prstGeom prst="rect">
             <a:avLst/>
@@ -7648,6 +8883,13 @@
             <a:r>
               <a:rPr lang="fr-FR" dirty="0"/>
               <a:t>Constructeur de la classe</a:t>
+            </a:r>
+            <a:br>
+              <a:rPr lang="fr-FR" dirty="0"/>
+            </a:br>
+            <a:r>
+              <a:rPr lang="fr-FR" b="1" dirty="0"/>
+              <a:t>(facultatif !)</a:t>
             </a:r>
           </a:p>
         </p:txBody>
@@ -8993,10 +10235,51 @@
           </a:p>
         </p:txBody>
       </p:sp>
+      <p:sp>
+        <p:nvSpPr>
+          <p:cNvPr id="29" name="ZoneTexte 28">
+            <a:extLst>
+              <a:ext uri="{FF2B5EF4-FFF2-40B4-BE49-F238E27FC236}">
+                <a16:creationId xmlns:a16="http://schemas.microsoft.com/office/drawing/2014/main" id="{5E745154-000B-64BF-D9BD-CD93F279A5EA}"/>
+              </a:ext>
+            </a:extLst>
+          </p:cNvPr>
+          <p:cNvSpPr txBox="1"/>
+          <p:nvPr/>
+        </p:nvSpPr>
+        <p:spPr>
+          <a:xfrm>
+            <a:off x="53896" y="5962858"/>
+            <a:ext cx="12084206" cy="369332"/>
+          </a:xfrm>
+          <a:prstGeom prst="rect">
+            <a:avLst/>
+          </a:prstGeom>
+          <a:noFill/>
+        </p:spPr>
+        <p:txBody>
+          <a:bodyPr wrap="none" rtlCol="0">
+            <a:spAutoFit/>
+          </a:bodyPr>
+          <a:lstStyle/>
+          <a:p>
+            <a:r>
+              <a:rPr lang="fr-FR" b="1" dirty="0">
+                <a:solidFill>
+                  <a:schemeClr val="accent1">
+                    <a:lumMod val="75000"/>
+                  </a:schemeClr>
+                </a:solidFill>
+              </a:rPr>
+              <a:t>(PS : il est très important de comprendre que lorsque l’on créé une classe, on ajoute un nouveau type dans notre application)</a:t>
+            </a:r>
+          </a:p>
+        </p:txBody>
+      </p:sp>
     </p:spTree>
     <p:extLst>
       <p:ext uri="{BB962C8B-B14F-4D97-AF65-F5344CB8AC3E}">
-        <p14:creationId xmlns:p14="http://schemas.microsoft.com/office/powerpoint/2010/main" val="1323529048"/>
+        <p14:creationId xmlns:p14="http://schemas.microsoft.com/office/powerpoint/2010/main" val="1864677885"/>
       </p:ext>
     </p:extLst>
   </p:cSld>
@@ -9099,7 +10382,7 @@
         <p:spPr>
           <a:xfrm>
             <a:off x="908682" y="2316656"/>
-            <a:ext cx="10519103" cy="369332"/>
+            <a:ext cx="10519103" cy="1200329"/>
           </a:xfrm>
           <a:prstGeom prst="rect">
             <a:avLst/>
@@ -9114,15 +10397,56 @@
           <a:p>
             <a:r>
               <a:rPr lang="fr-FR" dirty="0"/>
-              <a:t>C’est à ce moment là que l’on va parler d’instanciation, pour cela on va utiliser le mot-clé « </a:t>
+              <a:t>Lorsque l’on instancie une classe, la variable devient un objet du type de la classe créée, autrement dit la variable « </a:t>
             </a:r>
             <a:r>
               <a:rPr lang="fr-FR" b="1" dirty="0"/>
-              <a:t>new</a:t>
-            </a:r>
-            <a:r>
-              <a:rPr lang="fr-FR" dirty="0"/>
-              <a:t> » :</a:t>
+              <a:t>$</a:t>
+            </a:r>
+            <a:r>
+              <a:rPr lang="fr-FR" b="1" dirty="0" err="1"/>
+              <a:t>renault</a:t>
+            </a:r>
+            <a:r>
+              <a:rPr lang="fr-FR" b="1" dirty="0"/>
+              <a:t> </a:t>
+            </a:r>
+            <a:r>
+              <a:rPr lang="fr-FR" dirty="0"/>
+              <a:t>» est du type « </a:t>
+            </a:r>
+            <a:r>
+              <a:rPr lang="fr-FR" b="1" dirty="0"/>
+              <a:t>Marque</a:t>
+            </a:r>
+            <a:r>
+              <a:rPr lang="fr-FR" dirty="0"/>
+              <a:t> ».</a:t>
+            </a:r>
+          </a:p>
+          <a:p>
+            <a:br>
+              <a:rPr lang="fr-FR" dirty="0"/>
+            </a:br>
+            <a:r>
+              <a:rPr lang="fr-FR" dirty="0"/>
+              <a:t>On peut maintenant utiliser les méthodes déclarées dans la classe Marque depuis la variable « </a:t>
+            </a:r>
+            <a:r>
+              <a:rPr lang="fr-FR" b="1" dirty="0"/>
+              <a:t>$</a:t>
+            </a:r>
+            <a:r>
+              <a:rPr lang="fr-FR" b="1" dirty="0" err="1"/>
+              <a:t>renault</a:t>
+            </a:r>
+            <a:r>
+              <a:rPr lang="fr-FR" b="1" dirty="0"/>
+              <a:t> </a:t>
+            </a:r>
+            <a:r>
+              <a:rPr lang="fr-FR" dirty="0"/>
+              <a:t>» :</a:t>
             </a:r>
           </a:p>
         </p:txBody>
@@ -9156,623 +10480,6 @@
             <a:fld id="{6CE42BFF-69B7-4F10-A8D8-02FF0C38B363}" type="slidenum">
               <a:rPr lang="fr-FR" smtClean="0"/>
               <a:t>7</a:t>
-            </a:fld>
-            <a:endParaRPr lang="fr-FR" dirty="0"/>
-          </a:p>
-        </p:txBody>
-      </p:sp>
-      <p:pic>
-        <p:nvPicPr>
-          <p:cNvPr id="4" name="Image 3">
-            <a:extLst>
-              <a:ext uri="{FF2B5EF4-FFF2-40B4-BE49-F238E27FC236}">
-                <a16:creationId xmlns:a16="http://schemas.microsoft.com/office/drawing/2014/main" id="{E1D7CB3C-397B-AAAA-9A36-B06AF2B7C289}"/>
-              </a:ext>
-            </a:extLst>
-          </p:cNvPr>
-          <p:cNvPicPr>
-            <a:picLocks noChangeAspect="1"/>
-          </p:cNvPicPr>
-          <p:nvPr/>
-        </p:nvPicPr>
-        <p:blipFill>
-          <a:blip r:embed="rId2"/>
-          <a:stretch>
-            <a:fillRect/>
-          </a:stretch>
-        </p:blipFill>
-        <p:spPr>
-          <a:xfrm>
-            <a:off x="3057923" y="2846673"/>
-            <a:ext cx="6076153" cy="479325"/>
-          </a:xfrm>
-          <a:prstGeom prst="rect">
-            <a:avLst/>
-          </a:prstGeom>
-        </p:spPr>
-      </p:pic>
-      <p:cxnSp>
-        <p:nvCxnSpPr>
-          <p:cNvPr id="16" name="Connecteur droit avec flèche 15">
-            <a:extLst>
-              <a:ext uri="{FF2B5EF4-FFF2-40B4-BE49-F238E27FC236}">
-                <a16:creationId xmlns:a16="http://schemas.microsoft.com/office/drawing/2014/main" id="{231D653D-3FBA-D58D-04FA-A4EAC089813B}"/>
-              </a:ext>
-            </a:extLst>
-          </p:cNvPr>
-          <p:cNvCxnSpPr/>
-          <p:nvPr/>
-        </p:nvCxnSpPr>
-        <p:spPr>
-          <a:xfrm flipV="1">
-            <a:off x="2849732" y="3258105"/>
-            <a:ext cx="656948" cy="887767"/>
-          </a:xfrm>
-          <a:prstGeom prst="straightConnector1">
-            <a:avLst/>
-          </a:prstGeom>
-          <a:ln>
-            <a:tailEnd type="triangle"/>
-          </a:ln>
-        </p:spPr>
-        <p:style>
-          <a:lnRef idx="1">
-            <a:schemeClr val="accent1"/>
-          </a:lnRef>
-          <a:fillRef idx="0">
-            <a:schemeClr val="accent1"/>
-          </a:fillRef>
-          <a:effectRef idx="0">
-            <a:schemeClr val="accent1"/>
-          </a:effectRef>
-          <a:fontRef idx="minor">
-            <a:schemeClr val="tx1"/>
-          </a:fontRef>
-        </p:style>
-      </p:cxnSp>
-      <p:cxnSp>
-        <p:nvCxnSpPr>
-          <p:cNvPr id="18" name="Connecteur droit avec flèche 17">
-            <a:extLst>
-              <a:ext uri="{FF2B5EF4-FFF2-40B4-BE49-F238E27FC236}">
-                <a16:creationId xmlns:a16="http://schemas.microsoft.com/office/drawing/2014/main" id="{C88D6E16-6799-32CC-06C4-228CDA8D12C3}"/>
-              </a:ext>
-            </a:extLst>
-          </p:cNvPr>
-          <p:cNvCxnSpPr>
-            <a:cxnSpLocks/>
-          </p:cNvCxnSpPr>
-          <p:nvPr/>
-        </p:nvCxnSpPr>
-        <p:spPr>
-          <a:xfrm flipV="1">
-            <a:off x="4355021" y="3238717"/>
-            <a:ext cx="751119" cy="1617368"/>
-          </a:xfrm>
-          <a:prstGeom prst="straightConnector1">
-            <a:avLst/>
-          </a:prstGeom>
-          <a:ln>
-            <a:tailEnd type="triangle"/>
-          </a:ln>
-        </p:spPr>
-        <p:style>
-          <a:lnRef idx="1">
-            <a:schemeClr val="accent1"/>
-          </a:lnRef>
-          <a:fillRef idx="0">
-            <a:schemeClr val="accent1"/>
-          </a:fillRef>
-          <a:effectRef idx="0">
-            <a:schemeClr val="accent1"/>
-          </a:effectRef>
-          <a:fontRef idx="minor">
-            <a:schemeClr val="tx1"/>
-          </a:fontRef>
-        </p:style>
-      </p:cxnSp>
-      <p:cxnSp>
-        <p:nvCxnSpPr>
-          <p:cNvPr id="20" name="Connecteur droit avec flèche 19">
-            <a:extLst>
-              <a:ext uri="{FF2B5EF4-FFF2-40B4-BE49-F238E27FC236}">
-                <a16:creationId xmlns:a16="http://schemas.microsoft.com/office/drawing/2014/main" id="{9AA70B62-C69E-06D4-51A6-B1BED596F92A}"/>
-              </a:ext>
-            </a:extLst>
-          </p:cNvPr>
-          <p:cNvCxnSpPr>
-            <a:cxnSpLocks/>
-          </p:cNvCxnSpPr>
-          <p:nvPr/>
-        </p:nvCxnSpPr>
-        <p:spPr>
-          <a:xfrm flipV="1">
-            <a:off x="5882936" y="3258105"/>
-            <a:ext cx="0" cy="868379"/>
-          </a:xfrm>
-          <a:prstGeom prst="straightConnector1">
-            <a:avLst/>
-          </a:prstGeom>
-          <a:ln>
-            <a:tailEnd type="triangle"/>
-          </a:ln>
-        </p:spPr>
-        <p:style>
-          <a:lnRef idx="1">
-            <a:schemeClr val="accent1"/>
-          </a:lnRef>
-          <a:fillRef idx="0">
-            <a:schemeClr val="accent1"/>
-          </a:fillRef>
-          <a:effectRef idx="0">
-            <a:schemeClr val="accent1"/>
-          </a:effectRef>
-          <a:fontRef idx="minor">
-            <a:schemeClr val="tx1"/>
-          </a:fontRef>
-        </p:style>
-      </p:cxnSp>
-      <p:cxnSp>
-        <p:nvCxnSpPr>
-          <p:cNvPr id="22" name="Connecteur droit avec flèche 21">
-            <a:extLst>
-              <a:ext uri="{FF2B5EF4-FFF2-40B4-BE49-F238E27FC236}">
-                <a16:creationId xmlns:a16="http://schemas.microsoft.com/office/drawing/2014/main" id="{88F03500-6620-0722-A1DD-D003AABD7947}"/>
-              </a:ext>
-            </a:extLst>
-          </p:cNvPr>
-          <p:cNvCxnSpPr>
-            <a:cxnSpLocks/>
-          </p:cNvCxnSpPr>
-          <p:nvPr/>
-        </p:nvCxnSpPr>
-        <p:spPr>
-          <a:xfrm flipH="1" flipV="1">
-            <a:off x="7836980" y="3238717"/>
-            <a:ext cx="525785" cy="906831"/>
-          </a:xfrm>
-          <a:prstGeom prst="straightConnector1">
-            <a:avLst/>
-          </a:prstGeom>
-          <a:ln>
-            <a:tailEnd type="triangle"/>
-          </a:ln>
-        </p:spPr>
-        <p:style>
-          <a:lnRef idx="1">
-            <a:schemeClr val="accent1"/>
-          </a:lnRef>
-          <a:fillRef idx="0">
-            <a:schemeClr val="accent1"/>
-          </a:fillRef>
-          <a:effectRef idx="0">
-            <a:schemeClr val="accent1"/>
-          </a:effectRef>
-          <a:fontRef idx="minor">
-            <a:schemeClr val="tx1"/>
-          </a:fontRef>
-        </p:style>
-      </p:cxnSp>
-      <p:sp>
-        <p:nvSpPr>
-          <p:cNvPr id="24" name="ZoneTexte 23">
-            <a:extLst>
-              <a:ext uri="{FF2B5EF4-FFF2-40B4-BE49-F238E27FC236}">
-                <a16:creationId xmlns:a16="http://schemas.microsoft.com/office/drawing/2014/main" id="{54B3A6F6-719F-F3B8-D6BE-4CA5CD320DC8}"/>
-              </a:ext>
-            </a:extLst>
-          </p:cNvPr>
-          <p:cNvSpPr txBox="1"/>
-          <p:nvPr/>
-        </p:nvSpPr>
-        <p:spPr>
-          <a:xfrm>
-            <a:off x="1907220" y="4071658"/>
-            <a:ext cx="1515351" cy="646331"/>
-          </a:xfrm>
-          <a:prstGeom prst="rect">
-            <a:avLst/>
-          </a:prstGeom>
-          <a:noFill/>
-        </p:spPr>
-        <p:txBody>
-          <a:bodyPr wrap="none" rtlCol="0">
-            <a:spAutoFit/>
-          </a:bodyPr>
-          <a:lstStyle/>
-          <a:p>
-            <a:r>
-              <a:rPr lang="fr-FR" dirty="0"/>
-              <a:t>Déclaration </a:t>
-            </a:r>
-            <a:br>
-              <a:rPr lang="fr-FR" dirty="0"/>
-            </a:br>
-            <a:r>
-              <a:rPr lang="fr-FR" dirty="0"/>
-              <a:t>d’une variable</a:t>
-            </a:r>
-          </a:p>
-        </p:txBody>
-      </p:sp>
-      <p:sp>
-        <p:nvSpPr>
-          <p:cNvPr id="25" name="ZoneTexte 24">
-            <a:extLst>
-              <a:ext uri="{FF2B5EF4-FFF2-40B4-BE49-F238E27FC236}">
-                <a16:creationId xmlns:a16="http://schemas.microsoft.com/office/drawing/2014/main" id="{F64E7C14-6A5A-5772-BBD2-C0967F6A2440}"/>
-              </a:ext>
-            </a:extLst>
-          </p:cNvPr>
-          <p:cNvSpPr txBox="1"/>
-          <p:nvPr/>
-        </p:nvSpPr>
-        <p:spPr>
-          <a:xfrm>
-            <a:off x="2940581" y="4940037"/>
-            <a:ext cx="3039615" cy="923330"/>
-          </a:xfrm>
-          <a:prstGeom prst="rect">
-            <a:avLst/>
-          </a:prstGeom>
-          <a:noFill/>
-        </p:spPr>
-        <p:txBody>
-          <a:bodyPr wrap="none" rtlCol="0">
-            <a:spAutoFit/>
-          </a:bodyPr>
-          <a:lstStyle/>
-          <a:p>
-            <a:r>
-              <a:rPr lang="fr-FR" dirty="0"/>
-              <a:t>Mot clé « new »</a:t>
-            </a:r>
-            <a:br>
-              <a:rPr lang="fr-FR" dirty="0"/>
-            </a:br>
-            <a:r>
-              <a:rPr lang="fr-FR" dirty="0"/>
-              <a:t>Il représente le fait d’instancier</a:t>
-            </a:r>
-            <a:br>
-              <a:rPr lang="fr-FR" dirty="0"/>
-            </a:br>
-            <a:r>
-              <a:rPr lang="fr-FR" dirty="0"/>
-              <a:t>d’une classe </a:t>
-            </a:r>
-          </a:p>
-        </p:txBody>
-      </p:sp>
-      <p:sp>
-        <p:nvSpPr>
-          <p:cNvPr id="27" name="ZoneTexte 26">
-            <a:extLst>
-              <a:ext uri="{FF2B5EF4-FFF2-40B4-BE49-F238E27FC236}">
-                <a16:creationId xmlns:a16="http://schemas.microsoft.com/office/drawing/2014/main" id="{153E5A91-07FC-AA57-C028-62F88D1D012D}"/>
-              </a:ext>
-            </a:extLst>
-          </p:cNvPr>
-          <p:cNvSpPr txBox="1"/>
-          <p:nvPr/>
-        </p:nvSpPr>
-        <p:spPr>
-          <a:xfrm>
-            <a:off x="5005131" y="4090338"/>
-            <a:ext cx="1755609" cy="646331"/>
-          </a:xfrm>
-          <a:prstGeom prst="rect">
-            <a:avLst/>
-          </a:prstGeom>
-          <a:noFill/>
-        </p:spPr>
-        <p:txBody>
-          <a:bodyPr wrap="none" rtlCol="0">
-            <a:spAutoFit/>
-          </a:bodyPr>
-          <a:lstStyle/>
-          <a:p>
-            <a:r>
-              <a:rPr lang="fr-FR" dirty="0"/>
-              <a:t>Nom de la classe</a:t>
-            </a:r>
-            <a:br>
-              <a:rPr lang="fr-FR" dirty="0"/>
-            </a:br>
-            <a:r>
-              <a:rPr lang="fr-FR" dirty="0"/>
-              <a:t>à instancier</a:t>
-            </a:r>
-          </a:p>
-        </p:txBody>
-      </p:sp>
-      <p:sp>
-        <p:nvSpPr>
-          <p:cNvPr id="28" name="ZoneTexte 27">
-            <a:extLst>
-              <a:ext uri="{FF2B5EF4-FFF2-40B4-BE49-F238E27FC236}">
-                <a16:creationId xmlns:a16="http://schemas.microsoft.com/office/drawing/2014/main" id="{2282A4E8-50CC-C9EF-784C-C8085761DBBE}"/>
-              </a:ext>
-            </a:extLst>
-          </p:cNvPr>
-          <p:cNvSpPr txBox="1"/>
-          <p:nvPr/>
-        </p:nvSpPr>
-        <p:spPr>
-          <a:xfrm>
-            <a:off x="7085862" y="4171521"/>
-            <a:ext cx="2564869" cy="646331"/>
-          </a:xfrm>
-          <a:prstGeom prst="rect">
-            <a:avLst/>
-          </a:prstGeom>
-          <a:noFill/>
-        </p:spPr>
-        <p:txBody>
-          <a:bodyPr wrap="none" rtlCol="0">
-            <a:spAutoFit/>
-          </a:bodyPr>
-          <a:lstStyle/>
-          <a:p>
-            <a:r>
-              <a:rPr lang="fr-FR" dirty="0"/>
-              <a:t>Paramètre du constructeur</a:t>
-            </a:r>
-            <a:br>
-              <a:rPr lang="fr-FR" dirty="0"/>
-            </a:br>
-            <a:r>
-              <a:rPr lang="fr-FR" dirty="0"/>
-              <a:t>de la classe</a:t>
-            </a:r>
-          </a:p>
-        </p:txBody>
-      </p:sp>
-      <p:sp>
-        <p:nvSpPr>
-          <p:cNvPr id="29" name="ZoneTexte 28">
-            <a:extLst>
-              <a:ext uri="{FF2B5EF4-FFF2-40B4-BE49-F238E27FC236}">
-                <a16:creationId xmlns:a16="http://schemas.microsoft.com/office/drawing/2014/main" id="{5E745154-000B-64BF-D9BD-CD93F279A5EA}"/>
-              </a:ext>
-            </a:extLst>
-          </p:cNvPr>
-          <p:cNvSpPr txBox="1"/>
-          <p:nvPr/>
-        </p:nvSpPr>
-        <p:spPr>
-          <a:xfrm>
-            <a:off x="53896" y="5962858"/>
-            <a:ext cx="12084206" cy="369332"/>
-          </a:xfrm>
-          <a:prstGeom prst="rect">
-            <a:avLst/>
-          </a:prstGeom>
-          <a:noFill/>
-        </p:spPr>
-        <p:txBody>
-          <a:bodyPr wrap="none" rtlCol="0">
-            <a:spAutoFit/>
-          </a:bodyPr>
-          <a:lstStyle/>
-          <a:p>
-            <a:r>
-              <a:rPr lang="fr-FR" b="1" dirty="0">
-                <a:solidFill>
-                  <a:schemeClr val="accent1">
-                    <a:lumMod val="75000"/>
-                  </a:schemeClr>
-                </a:solidFill>
-              </a:rPr>
-              <a:t>(PS : il est très important de comprendre que lorsque l’on créé une classe, on ajoute un nouveau type dans notre application)</a:t>
-            </a:r>
-          </a:p>
-        </p:txBody>
-      </p:sp>
-    </p:spTree>
-    <p:extLst>
-      <p:ext uri="{BB962C8B-B14F-4D97-AF65-F5344CB8AC3E}">
-        <p14:creationId xmlns:p14="http://schemas.microsoft.com/office/powerpoint/2010/main" val="1864677885"/>
-      </p:ext>
-    </p:extLst>
-  </p:cSld>
-  <p:clrMapOvr>
-    <a:masterClrMapping/>
-  </p:clrMapOvr>
-</p:sld>
-</file>
-
-<file path=ppt/slides/slide8.xml><?xml version="1.0" encoding="utf-8"?>
-<p:sld xmlns:a="http://schemas.openxmlformats.org/drawingml/2006/main" xmlns:r="http://schemas.openxmlformats.org/officeDocument/2006/relationships" xmlns:p="http://schemas.openxmlformats.org/presentationml/2006/main">
-  <p:cSld>
-    <p:spTree>
-      <p:nvGrpSpPr>
-        <p:cNvPr id="1" name=""/>
-        <p:cNvGrpSpPr/>
-        <p:nvPr/>
-      </p:nvGrpSpPr>
-      <p:grpSpPr>
-        <a:xfrm>
-          <a:off x="0" y="0"/>
-          <a:ext cx="0" cy="0"/>
-          <a:chOff x="0" y="0"/>
-          <a:chExt cx="0" cy="0"/>
-        </a:xfrm>
-      </p:grpSpPr>
-      <p:sp>
-        <p:nvSpPr>
-          <p:cNvPr id="2" name="Titre 1">
-            <a:extLst>
-              <a:ext uri="{FF2B5EF4-FFF2-40B4-BE49-F238E27FC236}">
-                <a16:creationId xmlns:a16="http://schemas.microsoft.com/office/drawing/2014/main" id="{C2CEDE09-97D9-49AD-98FF-AEBC0762FB29}"/>
-              </a:ext>
-            </a:extLst>
-          </p:cNvPr>
-          <p:cNvSpPr>
-            <a:spLocks noGrp="1"/>
-          </p:cNvSpPr>
-          <p:nvPr>
-            <p:ph type="ctrTitle"/>
-          </p:nvPr>
-        </p:nvSpPr>
-        <p:spPr>
-          <a:xfrm>
-            <a:off x="6460551" y="1268022"/>
-            <a:ext cx="5731449" cy="887949"/>
-          </a:xfrm>
-        </p:spPr>
-        <p:txBody>
-          <a:bodyPr>
-            <a:noAutofit/>
-          </a:bodyPr>
-          <a:lstStyle/>
-          <a:p>
-            <a:r>
-              <a:rPr lang="en-US" sz="5400" b="1" i="1" dirty="0" err="1">
-                <a:solidFill>
-                  <a:schemeClr val="tx1">
-                    <a:lumMod val="95000"/>
-                    <a:lumOff val="5000"/>
-                  </a:schemeClr>
-                </a:solidFill>
-              </a:rPr>
-              <a:t>Utilisation</a:t>
-            </a:r>
-            <a:r>
-              <a:rPr lang="en-US" sz="5400" b="1" i="1" dirty="0">
-                <a:solidFill>
-                  <a:schemeClr val="tx1">
-                    <a:lumMod val="95000"/>
-                    <a:lumOff val="5000"/>
-                  </a:schemeClr>
-                </a:solidFill>
-              </a:rPr>
-              <a:t> des classes</a:t>
-            </a:r>
-            <a:endParaRPr lang="fr-FR" sz="5400" b="1" i="1" dirty="0">
-              <a:solidFill>
-                <a:schemeClr val="tx1">
-                  <a:lumMod val="95000"/>
-                  <a:lumOff val="5000"/>
-                </a:schemeClr>
-              </a:solidFill>
-            </a:endParaRPr>
-          </a:p>
-        </p:txBody>
-      </p:sp>
-      <p:sp>
-        <p:nvSpPr>
-          <p:cNvPr id="6" name="ZoneTexte 5">
-            <a:extLst>
-              <a:ext uri="{FF2B5EF4-FFF2-40B4-BE49-F238E27FC236}">
-                <a16:creationId xmlns:a16="http://schemas.microsoft.com/office/drawing/2014/main" id="{8938453C-91DF-45CC-BBF8-AE46E21A43CF}"/>
-              </a:ext>
-            </a:extLst>
-          </p:cNvPr>
-          <p:cNvSpPr txBox="1"/>
-          <p:nvPr/>
-        </p:nvSpPr>
-        <p:spPr>
-          <a:xfrm>
-            <a:off x="908682" y="2316656"/>
-            <a:ext cx="10519103" cy="1200329"/>
-          </a:xfrm>
-          <a:prstGeom prst="rect">
-            <a:avLst/>
-          </a:prstGeom>
-          <a:noFill/>
-        </p:spPr>
-        <p:txBody>
-          <a:bodyPr wrap="square">
-            <a:spAutoFit/>
-          </a:bodyPr>
-          <a:lstStyle/>
-          <a:p>
-            <a:r>
-              <a:rPr lang="fr-FR" dirty="0"/>
-              <a:t>Lorsque l’on instancie une classe, la variable devient un objet du type de la classe créée, autrement dit la variable « </a:t>
-            </a:r>
-            <a:r>
-              <a:rPr lang="fr-FR" b="1" dirty="0"/>
-              <a:t>$</a:t>
-            </a:r>
-            <a:r>
-              <a:rPr lang="fr-FR" b="1" dirty="0" err="1"/>
-              <a:t>renault</a:t>
-            </a:r>
-            <a:r>
-              <a:rPr lang="fr-FR" b="1" dirty="0"/>
-              <a:t> </a:t>
-            </a:r>
-            <a:r>
-              <a:rPr lang="fr-FR" dirty="0"/>
-              <a:t>» est du type « </a:t>
-            </a:r>
-            <a:r>
-              <a:rPr lang="fr-FR" b="1" dirty="0"/>
-              <a:t>Marque</a:t>
-            </a:r>
-            <a:r>
-              <a:rPr lang="fr-FR" dirty="0"/>
-              <a:t> ».</a:t>
-            </a:r>
-          </a:p>
-          <a:p>
-            <a:br>
-              <a:rPr lang="fr-FR" dirty="0"/>
-            </a:br>
-            <a:r>
-              <a:rPr lang="fr-FR" dirty="0"/>
-              <a:t>On peut maintenant utiliser les méthodes déclarées dans la classe Marque depuis la variable « </a:t>
-            </a:r>
-            <a:r>
-              <a:rPr lang="fr-FR" b="1" dirty="0"/>
-              <a:t>$</a:t>
-            </a:r>
-            <a:r>
-              <a:rPr lang="fr-FR" b="1" dirty="0" err="1"/>
-              <a:t>renault</a:t>
-            </a:r>
-            <a:r>
-              <a:rPr lang="fr-FR" b="1" dirty="0"/>
-              <a:t> </a:t>
-            </a:r>
-            <a:r>
-              <a:rPr lang="fr-FR" dirty="0"/>
-              <a:t>» :</a:t>
-            </a:r>
-          </a:p>
-        </p:txBody>
-      </p:sp>
-      <p:sp>
-        <p:nvSpPr>
-          <p:cNvPr id="7" name="Espace réservé du numéro de diapositive 6">
-            <a:extLst>
-              <a:ext uri="{FF2B5EF4-FFF2-40B4-BE49-F238E27FC236}">
-                <a16:creationId xmlns:a16="http://schemas.microsoft.com/office/drawing/2014/main" id="{368EF5E6-3C25-486D-B7A2-44F32BD9456C}"/>
-              </a:ext>
-            </a:extLst>
-          </p:cNvPr>
-          <p:cNvSpPr>
-            <a:spLocks noGrp="1"/>
-          </p:cNvSpPr>
-          <p:nvPr>
-            <p:ph type="sldNum" sz="quarter" idx="12"/>
-          </p:nvPr>
-        </p:nvSpPr>
-        <p:spPr>
-          <a:xfrm>
-            <a:off x="11427785" y="6492875"/>
-            <a:ext cx="764215" cy="365125"/>
-          </a:xfrm>
-        </p:spPr>
-        <p:txBody>
-          <a:bodyPr/>
-          <a:lstStyle/>
-          <a:p>
-            <a:fld id="{6CE42BFF-69B7-4F10-A8D8-02FF0C38B363}" type="slidenum">
-              <a:rPr lang="fr-FR" smtClean="0"/>
-              <a:t>8</a:t>
             </a:fld>
             <a:endParaRPr lang="fr-FR" dirty="0"/>
           </a:p>
@@ -10049,7 +10756,7 @@
 </p:sld>
 </file>
 
-<file path=ppt/slides/slide9.xml><?xml version="1.0" encoding="utf-8"?>
+<file path=ppt/slides/slide8.xml><?xml version="1.0" encoding="utf-8"?>
 <p:sld xmlns:a="http://schemas.openxmlformats.org/drawingml/2006/main" xmlns:r="http://schemas.openxmlformats.org/officeDocument/2006/relationships" xmlns:p="http://schemas.openxmlformats.org/presentationml/2006/main">
   <p:cSld>
     <p:spTree>
@@ -10155,7 +10862,7 @@
           <a:p>
             <a:fld id="{6CE42BFF-69B7-4F10-A8D8-02FF0C38B363}" type="slidenum">
               <a:rPr lang="fr-FR" smtClean="0"/>
-              <a:t>9</a:t>
+              <a:t>8</a:t>
             </a:fld>
             <a:endParaRPr lang="fr-FR" dirty="0"/>
           </a:p>
@@ -10273,6 +10980,355 @@
     <p:extLst>
       <p:ext uri="{BB962C8B-B14F-4D97-AF65-F5344CB8AC3E}">
         <p14:creationId xmlns:p14="http://schemas.microsoft.com/office/powerpoint/2010/main" val="2931311649"/>
+      </p:ext>
+    </p:extLst>
+  </p:cSld>
+  <p:clrMapOvr>
+    <a:masterClrMapping/>
+  </p:clrMapOvr>
+</p:sld>
+</file>
+
+<file path=ppt/slides/slide9.xml><?xml version="1.0" encoding="utf-8"?>
+<p:sld xmlns:a="http://schemas.openxmlformats.org/drawingml/2006/main" xmlns:r="http://schemas.openxmlformats.org/officeDocument/2006/relationships" xmlns:p="http://schemas.openxmlformats.org/presentationml/2006/main">
+  <p:cSld>
+    <p:spTree>
+      <p:nvGrpSpPr>
+        <p:cNvPr id="1" name=""/>
+        <p:cNvGrpSpPr/>
+        <p:nvPr/>
+      </p:nvGrpSpPr>
+      <p:grpSpPr>
+        <a:xfrm>
+          <a:off x="0" y="0"/>
+          <a:ext cx="0" cy="0"/>
+          <a:chOff x="0" y="0"/>
+          <a:chExt cx="0" cy="0"/>
+        </a:xfrm>
+      </p:grpSpPr>
+      <p:sp>
+        <p:nvSpPr>
+          <p:cNvPr id="2" name="Titre 1">
+            <a:extLst>
+              <a:ext uri="{FF2B5EF4-FFF2-40B4-BE49-F238E27FC236}">
+                <a16:creationId xmlns:a16="http://schemas.microsoft.com/office/drawing/2014/main" id="{C2CEDE09-97D9-49AD-98FF-AEBC0762FB29}"/>
+              </a:ext>
+            </a:extLst>
+          </p:cNvPr>
+          <p:cNvSpPr>
+            <a:spLocks noGrp="1"/>
+          </p:cNvSpPr>
+          <p:nvPr>
+            <p:ph type="ctrTitle"/>
+          </p:nvPr>
+        </p:nvSpPr>
+        <p:spPr>
+          <a:xfrm>
+            <a:off x="6460551" y="752456"/>
+            <a:ext cx="5731449" cy="887949"/>
+          </a:xfrm>
+        </p:spPr>
+        <p:txBody>
+          <a:bodyPr>
+            <a:noAutofit/>
+          </a:bodyPr>
+          <a:lstStyle/>
+          <a:p>
+            <a:r>
+              <a:rPr lang="en-US" sz="5400" b="1" i="1" dirty="0">
+                <a:solidFill>
+                  <a:schemeClr val="tx1">
+                    <a:lumMod val="95000"/>
+                    <a:lumOff val="5000"/>
+                  </a:schemeClr>
+                </a:solidFill>
+              </a:rPr>
+              <a:t>Les traits</a:t>
+            </a:r>
+            <a:endParaRPr lang="fr-FR" sz="5400" b="1" i="1" dirty="0">
+              <a:solidFill>
+                <a:schemeClr val="tx1">
+                  <a:lumMod val="95000"/>
+                  <a:lumOff val="5000"/>
+                </a:schemeClr>
+              </a:solidFill>
+            </a:endParaRPr>
+          </a:p>
+        </p:txBody>
+      </p:sp>
+      <p:sp>
+        <p:nvSpPr>
+          <p:cNvPr id="7" name="Espace réservé du numéro de diapositive 6">
+            <a:extLst>
+              <a:ext uri="{FF2B5EF4-FFF2-40B4-BE49-F238E27FC236}">
+                <a16:creationId xmlns:a16="http://schemas.microsoft.com/office/drawing/2014/main" id="{368EF5E6-3C25-486D-B7A2-44F32BD9456C}"/>
+              </a:ext>
+            </a:extLst>
+          </p:cNvPr>
+          <p:cNvSpPr>
+            <a:spLocks noGrp="1"/>
+          </p:cNvSpPr>
+          <p:nvPr>
+            <p:ph type="sldNum" sz="quarter" idx="12"/>
+          </p:nvPr>
+        </p:nvSpPr>
+        <p:spPr>
+          <a:xfrm>
+            <a:off x="11427785" y="6492875"/>
+            <a:ext cx="764215" cy="365125"/>
+          </a:xfrm>
+        </p:spPr>
+        <p:txBody>
+          <a:bodyPr/>
+          <a:lstStyle/>
+          <a:p>
+            <a:fld id="{6CE42BFF-69B7-4F10-A8D8-02FF0C38B363}" type="slidenum">
+              <a:rPr lang="fr-FR" smtClean="0"/>
+              <a:t>9</a:t>
+            </a:fld>
+            <a:endParaRPr lang="fr-FR" dirty="0"/>
+          </a:p>
+        </p:txBody>
+      </p:sp>
+      <p:pic>
+        <p:nvPicPr>
+          <p:cNvPr id="5" name="Image 4">
+            <a:extLst>
+              <a:ext uri="{FF2B5EF4-FFF2-40B4-BE49-F238E27FC236}">
+                <a16:creationId xmlns:a16="http://schemas.microsoft.com/office/drawing/2014/main" id="{6F38DD41-4583-FF20-8853-A8CF385428F2}"/>
+              </a:ext>
+            </a:extLst>
+          </p:cNvPr>
+          <p:cNvPicPr>
+            <a:picLocks noChangeAspect="1"/>
+          </p:cNvPicPr>
+          <p:nvPr/>
+        </p:nvPicPr>
+        <p:blipFill>
+          <a:blip r:embed="rId2"/>
+          <a:stretch>
+            <a:fillRect/>
+          </a:stretch>
+        </p:blipFill>
+        <p:spPr>
+          <a:xfrm>
+            <a:off x="6891888" y="1720840"/>
+            <a:ext cx="4851368" cy="4384704"/>
+          </a:xfrm>
+          <a:prstGeom prst="rect">
+            <a:avLst/>
+          </a:prstGeom>
+        </p:spPr>
+      </p:pic>
+      <p:sp>
+        <p:nvSpPr>
+          <p:cNvPr id="6" name="ZoneTexte 5">
+            <a:extLst>
+              <a:ext uri="{FF2B5EF4-FFF2-40B4-BE49-F238E27FC236}">
+                <a16:creationId xmlns:a16="http://schemas.microsoft.com/office/drawing/2014/main" id="{468909E8-A2E5-C0D2-9FD1-92E7DCC4C26C}"/>
+              </a:ext>
+            </a:extLst>
+          </p:cNvPr>
+          <p:cNvSpPr txBox="1"/>
+          <p:nvPr/>
+        </p:nvSpPr>
+        <p:spPr>
+          <a:xfrm>
+            <a:off x="315921" y="1720840"/>
+            <a:ext cx="6405892" cy="5355312"/>
+          </a:xfrm>
+          <a:prstGeom prst="rect">
+            <a:avLst/>
+          </a:prstGeom>
+          <a:noFill/>
+        </p:spPr>
+        <p:txBody>
+          <a:bodyPr wrap="square">
+            <a:spAutoFit/>
+          </a:bodyPr>
+          <a:lstStyle/>
+          <a:p>
+            <a:r>
+              <a:rPr lang="fr-FR" dirty="0"/>
+              <a:t>Un trait est une « partial » d’attributs et méthodes à réutiliser dans les classes.</a:t>
+            </a:r>
+            <a:br>
+              <a:rPr lang="fr-FR" dirty="0"/>
+            </a:br>
+            <a:r>
+              <a:rPr lang="fr-FR" dirty="0"/>
+              <a:t>L’intérêt est de ne pas réécrire plusieurs fois ces attributs/méthodes.</a:t>
+            </a:r>
+          </a:p>
+          <a:p>
+            <a:endParaRPr lang="fr-FR" dirty="0"/>
+          </a:p>
+          <a:p>
+            <a:r>
+              <a:rPr lang="fr-FR" dirty="0"/>
+              <a:t>On utilise un « Trait » dans une classe via le mot-clé « use » :</a:t>
+            </a:r>
+            <a:br>
+              <a:rPr lang="fr-FR" dirty="0"/>
+            </a:br>
+            <a:br>
+              <a:rPr lang="fr-FR" dirty="0"/>
+            </a:br>
+            <a:br>
+              <a:rPr lang="fr-FR" dirty="0"/>
+            </a:br>
+            <a:r>
+              <a:rPr lang="fr-FR" dirty="0"/>
+              <a:t>Ainsi, les attributs « id » et « </a:t>
+            </a:r>
+            <a:r>
+              <a:rPr lang="fr-FR" dirty="0" err="1"/>
+              <a:t>name</a:t>
+            </a:r>
+            <a:r>
+              <a:rPr lang="fr-FR" dirty="0"/>
+              <a:t> »</a:t>
+            </a:r>
+            <a:br>
+              <a:rPr lang="fr-FR" dirty="0"/>
+            </a:br>
+            <a:r>
+              <a:rPr lang="fr-FR" dirty="0"/>
+              <a:t>existeront dans la classe « Model ».</a:t>
+            </a:r>
+            <a:br>
+              <a:rPr lang="fr-FR" dirty="0"/>
+            </a:br>
+            <a:br>
+              <a:rPr lang="fr-FR" dirty="0"/>
+            </a:br>
+            <a:br>
+              <a:rPr lang="fr-FR" dirty="0"/>
+            </a:br>
+            <a:r>
+              <a:rPr lang="fr-FR" dirty="0"/>
+              <a:t>On peut utiliser le mot</a:t>
+            </a:r>
+            <a:br>
+              <a:rPr lang="fr-FR" dirty="0"/>
+            </a:br>
+            <a:r>
+              <a:rPr lang="fr-FR" dirty="0"/>
+              <a:t>clé « </a:t>
+            </a:r>
+            <a:r>
+              <a:rPr lang="fr-FR" b="1" dirty="0"/>
+              <a:t>self</a:t>
+            </a:r>
+            <a:r>
+              <a:rPr lang="fr-FR" dirty="0"/>
+              <a:t> », dans ces</a:t>
+            </a:r>
+            <a:br>
+              <a:rPr lang="fr-FR" dirty="0"/>
+            </a:br>
+            <a:r>
+              <a:rPr lang="fr-FR" dirty="0"/>
+              <a:t>Traits, afin d’indiquer</a:t>
+            </a:r>
+            <a:br>
+              <a:rPr lang="fr-FR" dirty="0"/>
+            </a:br>
+            <a:r>
+              <a:rPr lang="fr-FR" dirty="0"/>
+              <a:t>que la méthode</a:t>
+            </a:r>
+            <a:br>
+              <a:rPr lang="fr-FR" dirty="0"/>
+            </a:br>
+            <a:r>
+              <a:rPr lang="fr-FR" dirty="0"/>
+              <a:t>renvoie un objet du </a:t>
+            </a:r>
+            <a:br>
+              <a:rPr lang="fr-FR" dirty="0"/>
+            </a:br>
+            <a:r>
+              <a:rPr lang="fr-FR" dirty="0"/>
+              <a:t>type qui utilise le trait.</a:t>
+            </a:r>
+            <a:br>
+              <a:rPr lang="fr-FR" dirty="0"/>
+            </a:br>
+            <a:r>
+              <a:rPr lang="fr-FR" dirty="0"/>
+              <a:t>(Ex : « fluent setter »)</a:t>
+            </a:r>
+          </a:p>
+          <a:p>
+            <a:endParaRPr lang="fr-FR" dirty="0"/>
+          </a:p>
+        </p:txBody>
+      </p:sp>
+      <p:pic>
+        <p:nvPicPr>
+          <p:cNvPr id="10" name="Image 9">
+            <a:extLst>
+              <a:ext uri="{FF2B5EF4-FFF2-40B4-BE49-F238E27FC236}">
+                <a16:creationId xmlns:a16="http://schemas.microsoft.com/office/drawing/2014/main" id="{0F1F3F10-D0EC-7B4E-0435-2E01406A19AD}"/>
+              </a:ext>
+            </a:extLst>
+          </p:cNvPr>
+          <p:cNvPicPr>
+            <a:picLocks noChangeAspect="1"/>
+          </p:cNvPicPr>
+          <p:nvPr/>
+        </p:nvPicPr>
+        <p:blipFill>
+          <a:blip r:embed="rId3"/>
+          <a:stretch>
+            <a:fillRect/>
+          </a:stretch>
+        </p:blipFill>
+        <p:spPr>
+          <a:xfrm>
+            <a:off x="4226328" y="3322328"/>
+            <a:ext cx="2753109" cy="1562318"/>
+          </a:xfrm>
+          <a:prstGeom prst="rect">
+            <a:avLst/>
+          </a:prstGeom>
+        </p:spPr>
+      </p:pic>
+      <p:pic>
+        <p:nvPicPr>
+          <p:cNvPr id="12" name="Image 11">
+            <a:extLst>
+              <a:ext uri="{FF2B5EF4-FFF2-40B4-BE49-F238E27FC236}">
+                <a16:creationId xmlns:a16="http://schemas.microsoft.com/office/drawing/2014/main" id="{BEF8B029-F7E3-AB8B-61DE-7C0F69655254}"/>
+              </a:ext>
+            </a:extLst>
+          </p:cNvPr>
+          <p:cNvPicPr>
+            <a:picLocks noChangeAspect="1"/>
+          </p:cNvPicPr>
+          <p:nvPr/>
+        </p:nvPicPr>
+        <p:blipFill>
+          <a:blip r:embed="rId4"/>
+          <a:stretch>
+            <a:fillRect/>
+          </a:stretch>
+        </p:blipFill>
+        <p:spPr>
+          <a:xfrm>
+            <a:off x="2585135" y="4884646"/>
+            <a:ext cx="4394302" cy="1661645"/>
+          </a:xfrm>
+          <a:prstGeom prst="rect">
+            <a:avLst/>
+          </a:prstGeom>
+        </p:spPr>
+      </p:pic>
+    </p:spTree>
+    <p:extLst>
+      <p:ext uri="{BB962C8B-B14F-4D97-AF65-F5344CB8AC3E}">
+        <p14:creationId xmlns:p14="http://schemas.microsoft.com/office/powerpoint/2010/main" val="1490150234"/>
       </p:ext>
     </p:extLst>
   </p:cSld>

--- a/PHP/Object/PHP-DO.pptx
+++ b/PHP/Object/PHP-DO.pptx
@@ -5,25 +5,22 @@
     <p:sldMasterId id="2147483735" r:id="rId1"/>
   </p:sldMasterIdLst>
   <p:notesMasterIdLst>
-    <p:notesMasterId r:id="rId15"/>
+    <p:notesMasterId r:id="rId12"/>
   </p:notesMasterIdLst>
   <p:handoutMasterIdLst>
-    <p:handoutMasterId r:id="rId16"/>
+    <p:handoutMasterId r:id="rId13"/>
   </p:handoutMasterIdLst>
   <p:sldIdLst>
     <p:sldId id="256" r:id="rId2"/>
     <p:sldId id="257" r:id="rId3"/>
     <p:sldId id="258" r:id="rId4"/>
     <p:sldId id="259" r:id="rId5"/>
-    <p:sldId id="264" r:id="rId6"/>
+    <p:sldId id="260" r:id="rId6"/>
     <p:sldId id="261" r:id="rId7"/>
     <p:sldId id="262" r:id="rId8"/>
     <p:sldId id="263" r:id="rId9"/>
-    <p:sldId id="269" r:id="rId10"/>
+    <p:sldId id="264" r:id="rId10"/>
     <p:sldId id="265" r:id="rId11"/>
-    <p:sldId id="266" r:id="rId12"/>
-    <p:sldId id="267" r:id="rId13"/>
-    <p:sldId id="268" r:id="rId14"/>
   </p:sldIdLst>
   <p:sldSz cx="12192000" cy="6858000"/>
   <p:notesSz cx="6858000" cy="9144000"/>
@@ -224,7 +221,7 @@
           <a:p>
             <a:fld id="{550060B0-32FA-4918-B105-C3B81F3BD398}" type="datetimeFigureOut">
               <a:rPr lang="fr-FR" smtClean="0"/>
-              <a:t>19/12/2022</a:t>
+              <a:t>20/12/2022</a:t>
             </a:fld>
             <a:endParaRPr lang="fr-FR"/>
           </a:p>
@@ -402,7 +399,7 @@
           <a:p>
             <a:fld id="{A544AC79-F357-4775-9E92-5D8D23B7DF98}" type="datetimeFigureOut">
               <a:rPr lang="fr-FR" smtClean="0"/>
-              <a:t>19/12/2022</a:t>
+              <a:t>20/12/2022</a:t>
             </a:fld>
             <a:endParaRPr lang="fr-FR"/>
           </a:p>
@@ -841,7 +838,7 @@
           <a:p>
             <a:fld id="{9B35D067-CBD2-4947-80E0-30D39B2DC090}" type="datetime1">
               <a:rPr lang="fr-FR" smtClean="0"/>
-              <a:t>19/12/2022</a:t>
+              <a:t>20/12/2022</a:t>
             </a:fld>
             <a:endParaRPr lang="fr-FR"/>
           </a:p>
@@ -1153,7 +1150,7 @@
           <a:p>
             <a:fld id="{06A3139F-854D-4FE6-99DD-CB489410AD8F}" type="datetime1">
               <a:rPr lang="fr-FR" smtClean="0"/>
-              <a:t>19/12/2022</a:t>
+              <a:t>20/12/2022</a:t>
             </a:fld>
             <a:endParaRPr lang="fr-FR"/>
           </a:p>
@@ -1375,7 +1372,7 @@
           <a:p>
             <a:fld id="{EED2F0DC-3D15-4F6F-84AB-EC4082A55979}" type="datetime1">
               <a:rPr lang="fr-FR" smtClean="0"/>
-              <a:t>19/12/2022</a:t>
+              <a:t>20/12/2022</a:t>
             </a:fld>
             <a:endParaRPr lang="fr-FR"/>
           </a:p>
@@ -1666,7 +1663,7 @@
           <a:p>
             <a:fld id="{45BD590C-2158-452E-961B-3E1E8329CB24}" type="datetime1">
               <a:rPr lang="fr-FR" smtClean="0"/>
-              <a:t>19/12/2022</a:t>
+              <a:t>20/12/2022</a:t>
             </a:fld>
             <a:endParaRPr lang="fr-FR"/>
           </a:p>
@@ -2120,7 +2117,7 @@
           <a:p>
             <a:fld id="{726A6E5A-31EB-42CD-8A63-5F1D53FBC470}" type="datetime1">
               <a:rPr lang="fr-FR" smtClean="0"/>
-              <a:t>19/12/2022</a:t>
+              <a:t>20/12/2022</a:t>
             </a:fld>
             <a:endParaRPr lang="fr-FR"/>
           </a:p>
@@ -2696,7 +2693,7 @@
           <a:p>
             <a:fld id="{7A9C50E2-81A0-4702-8017-6C72B8512F01}" type="datetime1">
               <a:rPr lang="fr-FR" smtClean="0"/>
-              <a:t>19/12/2022</a:t>
+              <a:t>20/12/2022</a:t>
             </a:fld>
             <a:endParaRPr lang="fr-FR"/>
           </a:p>
@@ -3548,7 +3545,7 @@
           <a:p>
             <a:fld id="{6D27B479-876E-437A-964B-978423E76298}" type="datetime1">
               <a:rPr lang="fr-FR" smtClean="0"/>
-              <a:t>19/12/2022</a:t>
+              <a:t>20/12/2022</a:t>
             </a:fld>
             <a:endParaRPr lang="fr-FR"/>
           </a:p>
@@ -3753,7 +3750,7 @@
           <a:p>
             <a:fld id="{C423AB70-0F5C-45FE-88C4-25B4BA57329D}" type="datetime1">
               <a:rPr lang="fr-FR" smtClean="0"/>
-              <a:t>19/12/2022</a:t>
+              <a:t>20/12/2022</a:t>
             </a:fld>
             <a:endParaRPr lang="fr-FR"/>
           </a:p>
@@ -3967,7 +3964,7 @@
           <a:p>
             <a:fld id="{315A4CA8-35F7-42C4-9ADC-5F44C1AACF89}" type="datetime1">
               <a:rPr lang="fr-FR" smtClean="0"/>
-              <a:t>19/12/2022</a:t>
+              <a:t>20/12/2022</a:t>
             </a:fld>
             <a:endParaRPr lang="fr-FR"/>
           </a:p>
@@ -4172,7 +4169,7 @@
           <a:p>
             <a:fld id="{AF4EA936-AAC8-48BA-8B10-32A5DCD211FC}" type="datetime1">
               <a:rPr lang="fr-FR" smtClean="0"/>
-              <a:t>19/12/2022</a:t>
+              <a:t>20/12/2022</a:t>
             </a:fld>
             <a:endParaRPr lang="fr-FR"/>
           </a:p>
@@ -4452,7 +4449,7 @@
           <a:p>
             <a:fld id="{86173185-31E5-4171-AE07-15DA09155188}" type="datetime1">
               <a:rPr lang="fr-FR" smtClean="0"/>
-              <a:t>19/12/2022</a:t>
+              <a:t>20/12/2022</a:t>
             </a:fld>
             <a:endParaRPr lang="fr-FR"/>
           </a:p>
@@ -4719,7 +4716,7 @@
           <a:p>
             <a:fld id="{E5CD96CD-97A5-4E25-BD3B-5C9379240131}" type="datetime1">
               <a:rPr lang="fr-FR" smtClean="0"/>
-              <a:t>19/12/2022</a:t>
+              <a:t>20/12/2022</a:t>
             </a:fld>
             <a:endParaRPr lang="fr-FR"/>
           </a:p>
@@ -5134,7 +5131,7 @@
           <a:p>
             <a:fld id="{0503623F-6F4A-410D-91D5-BAA3C75C9E07}" type="datetime1">
               <a:rPr lang="fr-FR" smtClean="0"/>
-              <a:t>19/12/2022</a:t>
+              <a:t>20/12/2022</a:t>
             </a:fld>
             <a:endParaRPr lang="fr-FR"/>
           </a:p>
@@ -5282,7 +5279,7 @@
           <a:p>
             <a:fld id="{CF8807A0-BD37-4435-A229-7FDA7DDAC310}" type="datetime1">
               <a:rPr lang="fr-FR" smtClean="0"/>
-              <a:t>19/12/2022</a:t>
+              <a:t>20/12/2022</a:t>
             </a:fld>
             <a:endParaRPr lang="fr-FR"/>
           </a:p>
@@ -5407,7 +5404,7 @@
           <a:p>
             <a:fld id="{BE60F396-152D-463E-93BC-AD29434579DB}" type="datetime1">
               <a:rPr lang="fr-FR" smtClean="0"/>
-              <a:t>19/12/2022</a:t>
+              <a:t>20/12/2022</a:t>
             </a:fld>
             <a:endParaRPr lang="fr-FR"/>
           </a:p>
@@ -5686,7 +5683,7 @@
           <a:p>
             <a:fld id="{DFB1FA05-3657-462B-BCF3-68393ED91A27}" type="datetime1">
               <a:rPr lang="fr-FR" smtClean="0"/>
-              <a:t>19/12/2022</a:t>
+              <a:t>20/12/2022</a:t>
             </a:fld>
             <a:endParaRPr lang="fr-FR"/>
           </a:p>
@@ -5998,7 +5995,7 @@
           <a:p>
             <a:fld id="{C3B0526B-C609-4D71-9CFA-BEB151D8AFC6}" type="datetime1">
               <a:rPr lang="fr-FR" smtClean="0"/>
-              <a:t>19/12/2022</a:t>
+              <a:t>20/12/2022</a:t>
             </a:fld>
             <a:endParaRPr lang="fr-FR"/>
           </a:p>
@@ -6269,7 +6266,7 @@
           <a:p>
             <a:fld id="{81BBAE3C-7010-4F3E-914F-95C8349AD238}" type="datetime1">
               <a:rPr lang="fr-FR" smtClean="0"/>
-              <a:t>19/12/2022</a:t>
+              <a:t>20/12/2022</a:t>
             </a:fld>
             <a:endParaRPr lang="fr-FR"/>
           </a:p>
@@ -6750,8 +6747,25 @@
                   </a:schemeClr>
                 </a:solidFill>
               </a:rPr>
-              <a:t>PHP : Objet</a:t>
-            </a:r>
+              <a:t>PHP : Data </a:t>
+            </a:r>
+            <a:r>
+              <a:rPr lang="fr-FR" sz="8000" dirty="0" err="1">
+                <a:solidFill>
+                  <a:schemeClr val="accent6">
+                    <a:lumMod val="75000"/>
+                  </a:schemeClr>
+                </a:solidFill>
+              </a:rPr>
+              <a:t>object</a:t>
+            </a:r>
+            <a:endParaRPr lang="fr-FR" sz="8000" dirty="0">
+              <a:solidFill>
+                <a:schemeClr val="accent6">
+                  <a:lumMod val="75000"/>
+                </a:schemeClr>
+              </a:solidFill>
+            </a:endParaRPr>
           </a:p>
         </p:txBody>
       </p:sp>
@@ -6837,7 +6851,7 @@
         </p:nvSpPr>
         <p:spPr>
           <a:xfrm>
-            <a:off x="6460551" y="1268022"/>
+            <a:off x="5991475" y="555502"/>
             <a:ext cx="5731449" cy="887949"/>
           </a:xfrm>
         </p:spPr>
@@ -6856,7 +6870,18 @@
                   </a:schemeClr>
                 </a:solidFill>
               </a:rPr>
-              <a:t>héritage</a:t>
+              <a:t>Pdo</a:t>
+            </a:r>
+            <a:r>
+              <a:rPr lang="en-US" sz="5400" b="1" i="1" dirty="0">
+                <a:solidFill>
+                  <a:schemeClr val="tx1">
+                    <a:lumMod val="95000"/>
+                    <a:lumOff val="5000"/>
+                  </a:schemeClr>
+                </a:solidFill>
+              </a:rPr>
+              <a:t> : insert</a:t>
             </a:r>
             <a:endParaRPr lang="fr-FR" sz="5400" b="1" i="1" dirty="0">
               <a:solidFill>
@@ -6871,6 +6896,58 @@
       </p:sp>
       <p:sp>
         <p:nvSpPr>
+          <p:cNvPr id="6" name="ZoneTexte 5">
+            <a:extLst>
+              <a:ext uri="{FF2B5EF4-FFF2-40B4-BE49-F238E27FC236}">
+                <a16:creationId xmlns:a16="http://schemas.microsoft.com/office/drawing/2014/main" id="{8938453C-91DF-45CC-BBF8-AE46E21A43CF}"/>
+              </a:ext>
+            </a:extLst>
+          </p:cNvPr>
+          <p:cNvSpPr txBox="1"/>
+          <p:nvPr/>
+        </p:nvSpPr>
+        <p:spPr>
+          <a:xfrm>
+            <a:off x="377197" y="1951672"/>
+            <a:ext cx="11345727" cy="646331"/>
+          </a:xfrm>
+          <a:prstGeom prst="rect">
+            <a:avLst/>
+          </a:prstGeom>
+          <a:noFill/>
+        </p:spPr>
+        <p:txBody>
+          <a:bodyPr wrap="square">
+            <a:spAutoFit/>
+          </a:bodyPr>
+          <a:lstStyle/>
+          <a:p>
+            <a:r>
+              <a:rPr lang="fr-FR" b="1" dirty="0"/>
+              <a:t>Afin d’ajouter des objets dans notre base de données, on va suivre le même principe que les « </a:t>
+            </a:r>
+            <a:r>
+              <a:rPr lang="fr-FR" b="1" dirty="0" err="1"/>
+              <a:t>bindParam</a:t>
+            </a:r>
+            <a:r>
+              <a:rPr lang="fr-FR" b="1" dirty="0"/>
+              <a:t> » et « </a:t>
+            </a:r>
+            <a:r>
+              <a:rPr lang="fr-FR" b="1" dirty="0" err="1"/>
+              <a:t>bindValue</a:t>
+            </a:r>
+            <a:r>
+              <a:rPr lang="fr-FR" b="1" dirty="0"/>
+              <a:t> » :</a:t>
+            </a:r>
+            <a:endParaRPr lang="fr-FR" dirty="0"/>
+          </a:p>
+        </p:txBody>
+      </p:sp>
+      <p:sp>
+        <p:nvSpPr>
           <p:cNvPr id="7" name="Espace réservé du numéro de diapositive 6">
             <a:extLst>
               <a:ext uri="{FF2B5EF4-FFF2-40B4-BE49-F238E27FC236}">
@@ -6903,105 +6980,12 @@
           </a:p>
         </p:txBody>
       </p:sp>
-      <p:sp>
-        <p:nvSpPr>
-          <p:cNvPr id="8" name="ZoneTexte 7">
+      <p:pic>
+        <p:nvPicPr>
+          <p:cNvPr id="4" name="Image 3">
             <a:extLst>
               <a:ext uri="{FF2B5EF4-FFF2-40B4-BE49-F238E27FC236}">
-                <a16:creationId xmlns:a16="http://schemas.microsoft.com/office/drawing/2014/main" id="{5F4C59E4-47DB-A407-CC2C-2D7283CC2B57}"/>
-              </a:ext>
-            </a:extLst>
-          </p:cNvPr>
-          <p:cNvSpPr txBox="1"/>
-          <p:nvPr/>
-        </p:nvSpPr>
-        <p:spPr>
-          <a:xfrm>
-            <a:off x="406663" y="4413391"/>
-            <a:ext cx="6587524" cy="2031325"/>
-          </a:xfrm>
-          <a:prstGeom prst="rect">
-            <a:avLst/>
-          </a:prstGeom>
-          <a:noFill/>
-        </p:spPr>
-        <p:txBody>
-          <a:bodyPr wrap="square">
-            <a:spAutoFit/>
-          </a:bodyPr>
-          <a:lstStyle/>
-          <a:p>
-            <a:r>
-              <a:rPr lang="fr-FR" dirty="0"/>
-              <a:t>On déclare une classe fille qui étends d’une classe mère avec le mot clés « </a:t>
-            </a:r>
-            <a:r>
-              <a:rPr lang="fr-FR" b="1" dirty="0" err="1"/>
-              <a:t>extends</a:t>
-            </a:r>
-            <a:r>
-              <a:rPr lang="fr-FR" dirty="0"/>
-              <a:t> », ici « </a:t>
-            </a:r>
-            <a:r>
-              <a:rPr lang="fr-FR" b="1" dirty="0"/>
-              <a:t>Piece</a:t>
-            </a:r>
-            <a:r>
-              <a:rPr lang="fr-FR" dirty="0"/>
-              <a:t> » est la classe mère et « </a:t>
-            </a:r>
-            <a:r>
-              <a:rPr lang="fr-FR" b="1" dirty="0" err="1"/>
-              <a:t>Rook</a:t>
-            </a:r>
-            <a:r>
-              <a:rPr lang="fr-FR" dirty="0"/>
-              <a:t> » la classe fille. On peut dire qu’une </a:t>
-            </a:r>
-            <a:r>
-              <a:rPr lang="fr-FR" b="1" dirty="0"/>
-              <a:t>« </a:t>
-            </a:r>
-            <a:r>
-              <a:rPr lang="fr-FR" b="1" dirty="0" err="1"/>
-              <a:t>Rook</a:t>
-            </a:r>
-            <a:r>
-              <a:rPr lang="fr-FR" b="1" dirty="0"/>
-              <a:t> » est une « Piece »,</a:t>
-            </a:r>
-            <a:r>
-              <a:rPr lang="fr-FR" dirty="0"/>
-              <a:t> c’est le même type.</a:t>
-            </a:r>
-            <a:br>
-              <a:rPr lang="fr-FR" dirty="0"/>
-            </a:br>
-            <a:br>
-              <a:rPr lang="fr-FR" dirty="0"/>
-            </a:br>
-            <a:r>
-              <a:rPr lang="fr-FR" dirty="0"/>
-              <a:t>Dans ce cas de figure, il est préférable que les attributs de la mère soient en « </a:t>
-            </a:r>
-            <a:r>
-              <a:rPr lang="fr-FR" b="1" dirty="0" err="1"/>
-              <a:t>protected</a:t>
-            </a:r>
-            <a:r>
-              <a:rPr lang="fr-FR" dirty="0"/>
-              <a:t> ».</a:t>
-            </a:r>
-          </a:p>
-        </p:txBody>
-      </p:sp>
-      <p:pic>
-        <p:nvPicPr>
-          <p:cNvPr id="5" name="Image 4">
-            <a:extLst>
-              <a:ext uri="{FF2B5EF4-FFF2-40B4-BE49-F238E27FC236}">
-                <a16:creationId xmlns:a16="http://schemas.microsoft.com/office/drawing/2014/main" id="{3D832420-6D6E-BE6D-1024-5FBDDFA514DD}"/>
+                <a16:creationId xmlns:a16="http://schemas.microsoft.com/office/drawing/2014/main" id="{7C9492FE-E386-095B-0279-C11B90610B78}"/>
               </a:ext>
             </a:extLst>
           </p:cNvPr>
@@ -7018,8 +7002,8 @@
         </p:blipFill>
         <p:spPr>
           <a:xfrm>
-            <a:off x="7516272" y="4833290"/>
-            <a:ext cx="3620005" cy="914528"/>
+            <a:off x="4741030" y="3132943"/>
+            <a:ext cx="6916580" cy="2514501"/>
           </a:xfrm>
           <a:prstGeom prst="rect">
             <a:avLst/>
@@ -7028,10 +7012,10 @@
       </p:pic>
       <p:sp>
         <p:nvSpPr>
-          <p:cNvPr id="6" name="ZoneTexte 5">
+          <p:cNvPr id="5" name="ZoneTexte 4">
             <a:extLst>
               <a:ext uri="{FF2B5EF4-FFF2-40B4-BE49-F238E27FC236}">
-                <a16:creationId xmlns:a16="http://schemas.microsoft.com/office/drawing/2014/main" id="{7E579F80-7F1D-1CD7-D91D-895318713672}"/>
+                <a16:creationId xmlns:a16="http://schemas.microsoft.com/office/drawing/2014/main" id="{9BDD2F0D-8FD2-405C-4BF2-61363DF28E04}"/>
               </a:ext>
             </a:extLst>
           </p:cNvPr>
@@ -7040,8 +7024,8 @@
         </p:nvSpPr>
         <p:spPr>
           <a:xfrm>
-            <a:off x="406663" y="2407518"/>
-            <a:ext cx="11021122" cy="1754326"/>
+            <a:off x="375791" y="2912261"/>
+            <a:ext cx="3446658" cy="369332"/>
           </a:xfrm>
           <a:prstGeom prst="rect">
             <a:avLst/>
@@ -7049,186 +7033,73 @@
           <a:noFill/>
         </p:spPr>
         <p:txBody>
-          <a:bodyPr wrap="square">
+          <a:bodyPr wrap="square" rtlCol="0">
             <a:spAutoFit/>
           </a:bodyPr>
           <a:lstStyle/>
           <a:p>
             <a:r>
-              <a:rPr lang="fr-FR" b="1" u="sng" dirty="0"/>
-              <a:t>A quoi sert l’héritage ?</a:t>
-            </a:r>
-            <a:br>
-              <a:rPr lang="fr-FR" b="1" u="sng" dirty="0"/>
-            </a:br>
-            <a:r>
               <a:rPr lang="fr-FR" dirty="0"/>
-              <a:t>C’est de lier une classe enfant à une classe parente.</a:t>
-            </a:r>
-            <a:br>
+              <a:t>« insert </a:t>
+            </a:r>
+            <a:r>
+              <a:rPr lang="fr-FR" dirty="0" err="1"/>
+              <a:t>into</a:t>
+            </a:r>
+            <a:r>
               <a:rPr lang="fr-FR" dirty="0"/>
-            </a:br>
-            <a:br>
-              <a:rPr lang="fr-FR" dirty="0"/>
-            </a:br>
-            <a:r>
-              <a:rPr lang="fr-FR" dirty="0"/>
-              <a:t>Le but est de donner des comportements et attributs </a:t>
-            </a:r>
-            <a:r>
-              <a:rPr lang="fr-FR" u="sng" dirty="0"/>
-              <a:t>de la classe mère </a:t>
-            </a:r>
-            <a:r>
-              <a:rPr lang="fr-FR" dirty="0"/>
-              <a:t>aux </a:t>
-            </a:r>
-            <a:r>
-              <a:rPr lang="fr-FR" u="sng" dirty="0"/>
-              <a:t>classes enfants.</a:t>
-            </a:r>
-            <a:br>
-              <a:rPr lang="fr-FR" u="sng" dirty="0"/>
-            </a:br>
-            <a:r>
-              <a:rPr lang="fr-FR" dirty="0"/>
-              <a:t>Ainsi, les attributs et méthodes de la classe mère seront hérités dans la classe fille, elle pourra donc y accéder même si ceux-ci ne sont pas déclaré au sein de sa classe.</a:t>
-            </a:r>
-            <a:endParaRPr lang="fr-FR" b="1" u="sng" dirty="0"/>
-          </a:p>
-        </p:txBody>
-      </p:sp>
-    </p:spTree>
-    <p:extLst>
-      <p:ext uri="{BB962C8B-B14F-4D97-AF65-F5344CB8AC3E}">
-        <p14:creationId xmlns:p14="http://schemas.microsoft.com/office/powerpoint/2010/main" val="3682420735"/>
-      </p:ext>
-    </p:extLst>
-  </p:cSld>
-  <p:clrMapOvr>
-    <a:masterClrMapping/>
-  </p:clrMapOvr>
-</p:sld>
-</file>
-
-<file path=ppt/slides/slide11.xml><?xml version="1.0" encoding="utf-8"?>
-<p:sld xmlns:a="http://schemas.openxmlformats.org/drawingml/2006/main" xmlns:r="http://schemas.openxmlformats.org/officeDocument/2006/relationships" xmlns:p="http://schemas.openxmlformats.org/presentationml/2006/main">
-  <p:cSld>
-    <p:spTree>
-      <p:nvGrpSpPr>
-        <p:cNvPr id="1" name=""/>
-        <p:cNvGrpSpPr/>
-        <p:nvPr/>
-      </p:nvGrpSpPr>
-      <p:grpSpPr>
-        <a:xfrm>
-          <a:off x="0" y="0"/>
-          <a:ext cx="0" cy="0"/>
-          <a:chOff x="0" y="0"/>
-          <a:chExt cx="0" cy="0"/>
-        </a:xfrm>
-      </p:grpSpPr>
-      <p:sp>
-        <p:nvSpPr>
-          <p:cNvPr id="2" name="Titre 1">
+              <a:t> » avec paramètres</a:t>
+            </a:r>
+          </a:p>
+        </p:txBody>
+      </p:sp>
+      <p:cxnSp>
+        <p:nvCxnSpPr>
+          <p:cNvPr id="8" name="Connecteur droit avec flèche 7">
             <a:extLst>
               <a:ext uri="{FF2B5EF4-FFF2-40B4-BE49-F238E27FC236}">
-                <a16:creationId xmlns:a16="http://schemas.microsoft.com/office/drawing/2014/main" id="{C2CEDE09-97D9-49AD-98FF-AEBC0762FB29}"/>
+                <a16:creationId xmlns:a16="http://schemas.microsoft.com/office/drawing/2014/main" id="{F726938D-D973-32AE-376A-3749F7042AFC}"/>
               </a:ext>
             </a:extLst>
           </p:cNvPr>
-          <p:cNvSpPr>
-            <a:spLocks noGrp="1"/>
-          </p:cNvSpPr>
-          <p:nvPr>
-            <p:ph type="ctrTitle"/>
-          </p:nvPr>
-        </p:nvSpPr>
-        <p:spPr>
-          <a:xfrm>
-            <a:off x="6460551" y="1268022"/>
-            <a:ext cx="5731449" cy="887949"/>
-          </a:xfrm>
-        </p:spPr>
-        <p:txBody>
-          <a:bodyPr>
-            <a:noAutofit/>
-          </a:bodyPr>
-          <a:lstStyle/>
-          <a:p>
-            <a:r>
-              <a:rPr lang="en-US" sz="5400" b="1" i="1" dirty="0" err="1">
-                <a:solidFill>
-                  <a:schemeClr val="tx1">
-                    <a:lumMod val="95000"/>
-                    <a:lumOff val="5000"/>
-                  </a:schemeClr>
-                </a:solidFill>
-              </a:rPr>
-              <a:t>Héritage</a:t>
-            </a:r>
-            <a:r>
-              <a:rPr lang="en-US" sz="5400" b="1" i="1" dirty="0">
-                <a:solidFill>
-                  <a:schemeClr val="tx1">
-                    <a:lumMod val="95000"/>
-                    <a:lumOff val="5000"/>
-                  </a:schemeClr>
-                </a:solidFill>
-              </a:rPr>
-              <a:t> : override</a:t>
-            </a:r>
-            <a:endParaRPr lang="fr-FR" sz="5400" b="1" i="1" dirty="0">
-              <a:solidFill>
-                <a:schemeClr val="tx1">
-                  <a:lumMod val="95000"/>
-                  <a:lumOff val="5000"/>
-                </a:schemeClr>
-              </a:solidFill>
-            </a:endParaRPr>
-          </a:p>
-        </p:txBody>
-      </p:sp>
-      <p:sp>
-        <p:nvSpPr>
-          <p:cNvPr id="7" name="Espace réservé du numéro de diapositive 6">
+          <p:cNvCxnSpPr>
+            <a:cxnSpLocks/>
+          </p:cNvCxnSpPr>
+          <p:nvPr/>
+        </p:nvCxnSpPr>
+        <p:spPr>
+          <a:xfrm>
+            <a:off x="3382184" y="3215203"/>
+            <a:ext cx="1664830" cy="449164"/>
+          </a:xfrm>
+          <a:prstGeom prst="straightConnector1">
+            <a:avLst/>
+          </a:prstGeom>
+          <a:ln>
+            <a:tailEnd type="triangle"/>
+          </a:ln>
+        </p:spPr>
+        <p:style>
+          <a:lnRef idx="1">
+            <a:schemeClr val="accent1"/>
+          </a:lnRef>
+          <a:fillRef idx="0">
+            <a:schemeClr val="accent1"/>
+          </a:fillRef>
+          <a:effectRef idx="0">
+            <a:schemeClr val="accent1"/>
+          </a:effectRef>
+          <a:fontRef idx="minor">
+            <a:schemeClr val="tx1"/>
+          </a:fontRef>
+        </p:style>
+      </p:cxnSp>
+      <p:sp>
+        <p:nvSpPr>
+          <p:cNvPr id="11" name="ZoneTexte 10">
             <a:extLst>
               <a:ext uri="{FF2B5EF4-FFF2-40B4-BE49-F238E27FC236}">
-                <a16:creationId xmlns:a16="http://schemas.microsoft.com/office/drawing/2014/main" id="{368EF5E6-3C25-486D-B7A2-44F32BD9456C}"/>
-              </a:ext>
-            </a:extLst>
-          </p:cNvPr>
-          <p:cNvSpPr>
-            <a:spLocks noGrp="1"/>
-          </p:cNvSpPr>
-          <p:nvPr>
-            <p:ph type="sldNum" sz="quarter" idx="12"/>
-          </p:nvPr>
-        </p:nvSpPr>
-        <p:spPr>
-          <a:xfrm>
-            <a:off x="11427785" y="6492875"/>
-            <a:ext cx="764215" cy="365125"/>
-          </a:xfrm>
-        </p:spPr>
-        <p:txBody>
-          <a:bodyPr/>
-          <a:lstStyle/>
-          <a:p>
-            <a:fld id="{6CE42BFF-69B7-4F10-A8D8-02FF0C38B363}" type="slidenum">
-              <a:rPr lang="fr-FR" smtClean="0"/>
-              <a:t>11</a:t>
-            </a:fld>
-            <a:endParaRPr lang="fr-FR" dirty="0"/>
-          </a:p>
-        </p:txBody>
-      </p:sp>
-      <p:sp>
-        <p:nvSpPr>
-          <p:cNvPr id="8" name="ZoneTexte 7">
-            <a:extLst>
-              <a:ext uri="{FF2B5EF4-FFF2-40B4-BE49-F238E27FC236}">
-                <a16:creationId xmlns:a16="http://schemas.microsoft.com/office/drawing/2014/main" id="{5F4C59E4-47DB-A407-CC2C-2D7283CC2B57}"/>
+                <a16:creationId xmlns:a16="http://schemas.microsoft.com/office/drawing/2014/main" id="{21E80972-02E2-2D53-B986-01448E778FA0}"/>
               </a:ext>
             </a:extLst>
           </p:cNvPr>
@@ -7237,8 +7108,8 @@
         </p:nvSpPr>
         <p:spPr>
           <a:xfrm>
-            <a:off x="406663" y="3209452"/>
-            <a:ext cx="5799584" cy="1477328"/>
+            <a:off x="375791" y="3542500"/>
+            <a:ext cx="3446658" cy="646331"/>
           </a:xfrm>
           <a:prstGeom prst="rect">
             <a:avLst/>
@@ -7246,39 +7117,113 @@
           <a:noFill/>
         </p:spPr>
         <p:txBody>
-          <a:bodyPr wrap="square">
+          <a:bodyPr wrap="square" rtlCol="0">
             <a:spAutoFit/>
           </a:bodyPr>
           <a:lstStyle/>
           <a:p>
             <a:r>
               <a:rPr lang="fr-FR" dirty="0"/>
-              <a:t>Prenons ce cas de figure, j’ai une méthode « </a:t>
-            </a:r>
-            <a:r>
-              <a:rPr lang="fr-FR" b="1" dirty="0" err="1"/>
-              <a:t>toMove</a:t>
-            </a:r>
-            <a:r>
-              <a:rPr lang="fr-FR" dirty="0"/>
-              <a:t> » dans la classe mère.</a:t>
+              <a:t>Paramètres de la requête,</a:t>
             </a:r>
             <a:br>
               <a:rPr lang="fr-FR" dirty="0"/>
             </a:br>
             <a:r>
               <a:rPr lang="fr-FR" dirty="0"/>
-              <a:t>Tant que celle-ci n’a pas été réécrite dans la classe fille, elle sera accessible depuis une instance de la classe fille et aura le comportement de la classe mère.</a:t>
-            </a:r>
-          </a:p>
-        </p:txBody>
-      </p:sp>
-      <p:sp>
-        <p:nvSpPr>
-          <p:cNvPr id="6" name="ZoneTexte 5">
+              <a:t>récupérés depuis l’objet</a:t>
+            </a:r>
+          </a:p>
+        </p:txBody>
+      </p:sp>
+      <p:cxnSp>
+        <p:nvCxnSpPr>
+          <p:cNvPr id="12" name="Connecteur droit avec flèche 11">
             <a:extLst>
               <a:ext uri="{FF2B5EF4-FFF2-40B4-BE49-F238E27FC236}">
-                <a16:creationId xmlns:a16="http://schemas.microsoft.com/office/drawing/2014/main" id="{7E579F80-7F1D-1CD7-D91D-895318713672}"/>
+                <a16:creationId xmlns:a16="http://schemas.microsoft.com/office/drawing/2014/main" id="{1B232507-A842-C11A-5ACA-B6EBE3A32811}"/>
+              </a:ext>
+            </a:extLst>
+          </p:cNvPr>
+          <p:cNvCxnSpPr>
+            <a:cxnSpLocks/>
+          </p:cNvCxnSpPr>
+          <p:nvPr/>
+        </p:nvCxnSpPr>
+        <p:spPr>
+          <a:xfrm>
+            <a:off x="3303620" y="3865666"/>
+            <a:ext cx="1790894" cy="106472"/>
+          </a:xfrm>
+          <a:prstGeom prst="straightConnector1">
+            <a:avLst/>
+          </a:prstGeom>
+          <a:ln>
+            <a:tailEnd type="triangle"/>
+          </a:ln>
+        </p:spPr>
+        <p:style>
+          <a:lnRef idx="1">
+            <a:schemeClr val="accent1"/>
+          </a:lnRef>
+          <a:fillRef idx="0">
+            <a:schemeClr val="accent1"/>
+          </a:fillRef>
+          <a:effectRef idx="0">
+            <a:schemeClr val="accent1"/>
+          </a:effectRef>
+          <a:fontRef idx="minor">
+            <a:schemeClr val="tx1"/>
+          </a:fontRef>
+        </p:style>
+      </p:cxnSp>
+      <p:cxnSp>
+        <p:nvCxnSpPr>
+          <p:cNvPr id="13" name="Connecteur droit avec flèche 12">
+            <a:extLst>
+              <a:ext uri="{FF2B5EF4-FFF2-40B4-BE49-F238E27FC236}">
+                <a16:creationId xmlns:a16="http://schemas.microsoft.com/office/drawing/2014/main" id="{F5563F0C-AE09-DF87-B6BB-599DF46EC14C}"/>
+              </a:ext>
+            </a:extLst>
+          </p:cNvPr>
+          <p:cNvCxnSpPr>
+            <a:cxnSpLocks/>
+          </p:cNvCxnSpPr>
+          <p:nvPr/>
+        </p:nvCxnSpPr>
+        <p:spPr>
+          <a:xfrm>
+            <a:off x="3303620" y="3940758"/>
+            <a:ext cx="1790894" cy="341563"/>
+          </a:xfrm>
+          <a:prstGeom prst="straightConnector1">
+            <a:avLst/>
+          </a:prstGeom>
+          <a:ln>
+            <a:tailEnd type="triangle"/>
+          </a:ln>
+        </p:spPr>
+        <p:style>
+          <a:lnRef idx="1">
+            <a:schemeClr val="accent1"/>
+          </a:lnRef>
+          <a:fillRef idx="0">
+            <a:schemeClr val="accent1"/>
+          </a:fillRef>
+          <a:effectRef idx="0">
+            <a:schemeClr val="accent1"/>
+          </a:effectRef>
+          <a:fontRef idx="minor">
+            <a:schemeClr val="tx1"/>
+          </a:fontRef>
+        </p:style>
+      </p:cxnSp>
+      <p:sp>
+        <p:nvSpPr>
+          <p:cNvPr id="17" name="ZoneTexte 16">
+            <a:extLst>
+              <a:ext uri="{FF2B5EF4-FFF2-40B4-BE49-F238E27FC236}">
+                <a16:creationId xmlns:a16="http://schemas.microsoft.com/office/drawing/2014/main" id="{28D9702A-5CD2-B52C-1B77-FE4257EFB1AA}"/>
               </a:ext>
             </a:extLst>
           </p:cNvPr>
@@ -7287,8 +7232,8 @@
         </p:nvSpPr>
         <p:spPr>
           <a:xfrm>
-            <a:off x="406663" y="2407518"/>
-            <a:ext cx="11021122" cy="646331"/>
+            <a:off x="375791" y="4493005"/>
+            <a:ext cx="3446658" cy="646331"/>
           </a:xfrm>
           <a:prstGeom prst="rect">
             <a:avLst/>
@@ -7296,726 +7241,70 @@
           <a:noFill/>
         </p:spPr>
         <p:txBody>
-          <a:bodyPr wrap="square">
+          <a:bodyPr wrap="square" rtlCol="0">
             <a:spAutoFit/>
           </a:bodyPr>
           <a:lstStyle/>
           <a:p>
             <a:r>
-              <a:rPr lang="fr-FR" b="1" u="sng" dirty="0"/>
-              <a:t>C’est quoi l’</a:t>
-            </a:r>
-            <a:r>
-              <a:rPr lang="fr-FR" b="1" u="sng" dirty="0" err="1"/>
-              <a:t>Override</a:t>
-            </a:r>
-            <a:r>
-              <a:rPr lang="fr-FR" b="1" u="sng" dirty="0"/>
-              <a:t> ?</a:t>
-            </a:r>
-          </a:p>
-          <a:p>
-            <a:r>
               <a:rPr lang="fr-FR" dirty="0"/>
-              <a:t>Il s’agit de la réécriture de comportements (méthodes) de la classe mère dans la classe enfant.</a:t>
-            </a:r>
-          </a:p>
-        </p:txBody>
-      </p:sp>
-      <p:pic>
-        <p:nvPicPr>
-          <p:cNvPr id="4" name="Image 3">
+              <a:t>Récupère l’ID du dernier objet</a:t>
+            </a:r>
+            <a:br>
+              <a:rPr lang="fr-FR" dirty="0"/>
+            </a:br>
+            <a:r>
+              <a:rPr lang="fr-FR" dirty="0"/>
+              <a:t>ajouté en base de données</a:t>
+            </a:r>
+          </a:p>
+        </p:txBody>
+      </p:sp>
+      <p:cxnSp>
+        <p:nvCxnSpPr>
+          <p:cNvPr id="18" name="Connecteur droit avec flèche 17">
             <a:extLst>
               <a:ext uri="{FF2B5EF4-FFF2-40B4-BE49-F238E27FC236}">
-                <a16:creationId xmlns:a16="http://schemas.microsoft.com/office/drawing/2014/main" id="{3E2D686B-73FF-A5F2-CB78-16D8B14A1933}"/>
+                <a16:creationId xmlns:a16="http://schemas.microsoft.com/office/drawing/2014/main" id="{92C6D98C-DC99-531F-CB34-ADFF298B0913}"/>
               </a:ext>
             </a:extLst>
           </p:cNvPr>
-          <p:cNvPicPr>
-            <a:picLocks noChangeAspect="1"/>
-          </p:cNvPicPr>
+          <p:cNvCxnSpPr>
+            <a:cxnSpLocks/>
+          </p:cNvCxnSpPr>
           <p:nvPr/>
-        </p:nvPicPr>
-        <p:blipFill>
-          <a:blip r:embed="rId2"/>
-          <a:stretch>
-            <a:fillRect/>
-          </a:stretch>
-        </p:blipFill>
-        <p:spPr>
-          <a:xfrm>
-            <a:off x="6434253" y="3209452"/>
-            <a:ext cx="4993532" cy="1230923"/>
-          </a:xfrm>
-          <a:prstGeom prst="rect">
+        </p:nvCxnSpPr>
+        <p:spPr>
+          <a:xfrm>
+            <a:off x="3359230" y="4816171"/>
+            <a:ext cx="1735284" cy="46774"/>
+          </a:xfrm>
+          <a:prstGeom prst="straightConnector1">
             <a:avLst/>
           </a:prstGeom>
-        </p:spPr>
-      </p:pic>
-      <p:pic>
-        <p:nvPicPr>
-          <p:cNvPr id="10" name="Image 9">
-            <a:extLst>
-              <a:ext uri="{FF2B5EF4-FFF2-40B4-BE49-F238E27FC236}">
-                <a16:creationId xmlns:a16="http://schemas.microsoft.com/office/drawing/2014/main" id="{1CD54E23-93E6-875E-0661-07CC72BDE255}"/>
-              </a:ext>
-            </a:extLst>
-          </p:cNvPr>
-          <p:cNvPicPr>
-            <a:picLocks noChangeAspect="1"/>
-          </p:cNvPicPr>
-          <p:nvPr/>
-        </p:nvPicPr>
-        <p:blipFill>
-          <a:blip r:embed="rId3"/>
-          <a:stretch>
-            <a:fillRect/>
-          </a:stretch>
-        </p:blipFill>
-        <p:spPr>
-          <a:xfrm>
-            <a:off x="6460551" y="4793836"/>
-            <a:ext cx="4967234" cy="1592284"/>
-          </a:xfrm>
-          <a:prstGeom prst="rect">
-            <a:avLst/>
-          </a:prstGeom>
-        </p:spPr>
-      </p:pic>
-      <p:sp>
-        <p:nvSpPr>
-          <p:cNvPr id="11" name="ZoneTexte 10">
-            <a:extLst>
-              <a:ext uri="{FF2B5EF4-FFF2-40B4-BE49-F238E27FC236}">
-                <a16:creationId xmlns:a16="http://schemas.microsoft.com/office/drawing/2014/main" id="{D5335132-AD58-2160-403B-DE58014F0D28}"/>
-              </a:ext>
-            </a:extLst>
-          </p:cNvPr>
-          <p:cNvSpPr txBox="1"/>
-          <p:nvPr/>
-        </p:nvSpPr>
-        <p:spPr>
-          <a:xfrm>
-            <a:off x="406663" y="4842383"/>
-            <a:ext cx="5799584" cy="1200329"/>
-          </a:xfrm>
-          <a:prstGeom prst="rect">
-            <a:avLst/>
-          </a:prstGeom>
-          <a:noFill/>
-        </p:spPr>
-        <p:txBody>
-          <a:bodyPr wrap="square">
-            <a:spAutoFit/>
-          </a:bodyPr>
-          <a:lstStyle/>
-          <a:p>
-            <a:r>
-              <a:rPr lang="fr-FR" dirty="0"/>
-              <a:t>Seulement, une méthode de la classe mère peut être réécrite dans la fille, et ainsi avoir son propre comportement, qui peut donc différer de celui de la mère.</a:t>
-            </a:r>
-            <a:br>
-              <a:rPr lang="fr-FR" dirty="0"/>
-            </a:br>
-            <a:endParaRPr lang="fr-FR" dirty="0"/>
-          </a:p>
-        </p:txBody>
-      </p:sp>
+          <a:ln>
+            <a:tailEnd type="triangle"/>
+          </a:ln>
+        </p:spPr>
+        <p:style>
+          <a:lnRef idx="1">
+            <a:schemeClr val="accent1"/>
+          </a:lnRef>
+          <a:fillRef idx="0">
+            <a:schemeClr val="accent1"/>
+          </a:fillRef>
+          <a:effectRef idx="0">
+            <a:schemeClr val="accent1"/>
+          </a:effectRef>
+          <a:fontRef idx="minor">
+            <a:schemeClr val="tx1"/>
+          </a:fontRef>
+        </p:style>
+      </p:cxnSp>
     </p:spTree>
     <p:extLst>
       <p:ext uri="{BB962C8B-B14F-4D97-AF65-F5344CB8AC3E}">
-        <p14:creationId xmlns:p14="http://schemas.microsoft.com/office/powerpoint/2010/main" val="1232398097"/>
-      </p:ext>
-    </p:extLst>
-  </p:cSld>
-  <p:clrMapOvr>
-    <a:masterClrMapping/>
-  </p:clrMapOvr>
-</p:sld>
-</file>
-
-<file path=ppt/slides/slide12.xml><?xml version="1.0" encoding="utf-8"?>
-<p:sld xmlns:a="http://schemas.openxmlformats.org/drawingml/2006/main" xmlns:r="http://schemas.openxmlformats.org/officeDocument/2006/relationships" xmlns:p="http://schemas.openxmlformats.org/presentationml/2006/main">
-  <p:cSld>
-    <p:spTree>
-      <p:nvGrpSpPr>
-        <p:cNvPr id="1" name=""/>
-        <p:cNvGrpSpPr/>
-        <p:nvPr/>
-      </p:nvGrpSpPr>
-      <p:grpSpPr>
-        <a:xfrm>
-          <a:off x="0" y="0"/>
-          <a:ext cx="0" cy="0"/>
-          <a:chOff x="0" y="0"/>
-          <a:chExt cx="0" cy="0"/>
-        </a:xfrm>
-      </p:grpSpPr>
-      <p:sp>
-        <p:nvSpPr>
-          <p:cNvPr id="2" name="Titre 1">
-            <a:extLst>
-              <a:ext uri="{FF2B5EF4-FFF2-40B4-BE49-F238E27FC236}">
-                <a16:creationId xmlns:a16="http://schemas.microsoft.com/office/drawing/2014/main" id="{C2CEDE09-97D9-49AD-98FF-AEBC0762FB29}"/>
-              </a:ext>
-            </a:extLst>
-          </p:cNvPr>
-          <p:cNvSpPr>
-            <a:spLocks noGrp="1"/>
-          </p:cNvSpPr>
-          <p:nvPr>
-            <p:ph type="ctrTitle"/>
-          </p:nvPr>
-        </p:nvSpPr>
-        <p:spPr>
-          <a:xfrm>
-            <a:off x="6460551" y="1268022"/>
-            <a:ext cx="5731449" cy="887949"/>
-          </a:xfrm>
-        </p:spPr>
-        <p:txBody>
-          <a:bodyPr>
-            <a:noAutofit/>
-          </a:bodyPr>
-          <a:lstStyle/>
-          <a:p>
-            <a:r>
-              <a:rPr lang="en-US" sz="5400" b="1" i="1" dirty="0" err="1">
-                <a:solidFill>
-                  <a:schemeClr val="tx1">
-                    <a:lumMod val="95000"/>
-                    <a:lumOff val="5000"/>
-                  </a:schemeClr>
-                </a:solidFill>
-              </a:rPr>
-              <a:t>Héritage</a:t>
-            </a:r>
-            <a:r>
-              <a:rPr lang="en-US" sz="5400" b="1" i="1" dirty="0">
-                <a:solidFill>
-                  <a:schemeClr val="tx1">
-                    <a:lumMod val="95000"/>
-                    <a:lumOff val="5000"/>
-                  </a:schemeClr>
-                </a:solidFill>
-              </a:rPr>
-              <a:t> : override (parent)</a:t>
-            </a:r>
-            <a:endParaRPr lang="fr-FR" sz="5400" b="1" i="1" dirty="0">
-              <a:solidFill>
-                <a:schemeClr val="tx1">
-                  <a:lumMod val="95000"/>
-                  <a:lumOff val="5000"/>
-                </a:schemeClr>
-              </a:solidFill>
-            </a:endParaRPr>
-          </a:p>
-        </p:txBody>
-      </p:sp>
-      <p:sp>
-        <p:nvSpPr>
-          <p:cNvPr id="7" name="Espace réservé du numéro de diapositive 6">
-            <a:extLst>
-              <a:ext uri="{FF2B5EF4-FFF2-40B4-BE49-F238E27FC236}">
-                <a16:creationId xmlns:a16="http://schemas.microsoft.com/office/drawing/2014/main" id="{368EF5E6-3C25-486D-B7A2-44F32BD9456C}"/>
-              </a:ext>
-            </a:extLst>
-          </p:cNvPr>
-          <p:cNvSpPr>
-            <a:spLocks noGrp="1"/>
-          </p:cNvSpPr>
-          <p:nvPr>
-            <p:ph type="sldNum" sz="quarter" idx="12"/>
-          </p:nvPr>
-        </p:nvSpPr>
-        <p:spPr>
-          <a:xfrm>
-            <a:off x="11427785" y="6492875"/>
-            <a:ext cx="764215" cy="365125"/>
-          </a:xfrm>
-        </p:spPr>
-        <p:txBody>
-          <a:bodyPr/>
-          <a:lstStyle/>
-          <a:p>
-            <a:fld id="{6CE42BFF-69B7-4F10-A8D8-02FF0C38B363}" type="slidenum">
-              <a:rPr lang="fr-FR" smtClean="0"/>
-              <a:t>12</a:t>
-            </a:fld>
-            <a:endParaRPr lang="fr-FR" dirty="0"/>
-          </a:p>
-        </p:txBody>
-      </p:sp>
-      <p:sp>
-        <p:nvSpPr>
-          <p:cNvPr id="6" name="ZoneTexte 5">
-            <a:extLst>
-              <a:ext uri="{FF2B5EF4-FFF2-40B4-BE49-F238E27FC236}">
-                <a16:creationId xmlns:a16="http://schemas.microsoft.com/office/drawing/2014/main" id="{7E579F80-7F1D-1CD7-D91D-895318713672}"/>
-              </a:ext>
-            </a:extLst>
-          </p:cNvPr>
-          <p:cNvSpPr txBox="1"/>
-          <p:nvPr/>
-        </p:nvSpPr>
-        <p:spPr>
-          <a:xfrm>
-            <a:off x="428017" y="2724144"/>
-            <a:ext cx="6032534" cy="3139321"/>
-          </a:xfrm>
-          <a:prstGeom prst="rect">
-            <a:avLst/>
-          </a:prstGeom>
-          <a:noFill/>
-        </p:spPr>
-        <p:txBody>
-          <a:bodyPr wrap="square">
-            <a:spAutoFit/>
-          </a:bodyPr>
-          <a:lstStyle/>
-          <a:p>
-            <a:r>
-              <a:rPr lang="fr-FR" dirty="0"/>
-              <a:t>Même si l’enfant, peut vouloir réécrire un comportement de la mère, on peut cependant continuer d’appeler celui de la mère avec le mot clé : « </a:t>
-            </a:r>
-            <a:r>
-              <a:rPr lang="fr-FR" b="1" dirty="0"/>
-              <a:t>parent</a:t>
-            </a:r>
-            <a:r>
-              <a:rPr lang="fr-FR" dirty="0"/>
-              <a:t> » suivi de deux deux-points et le nom de la méthode dans la classe mère.</a:t>
-            </a:r>
-            <a:br>
-              <a:rPr lang="fr-FR" dirty="0"/>
-            </a:br>
-            <a:br>
-              <a:rPr lang="fr-FR" dirty="0"/>
-            </a:br>
-            <a:br>
-              <a:rPr lang="fr-FR" dirty="0"/>
-            </a:br>
-            <a:r>
-              <a:rPr lang="fr-FR" dirty="0"/>
-              <a:t>J’appelle la méthode « </a:t>
-            </a:r>
-            <a:r>
-              <a:rPr lang="fr-FR" b="1" dirty="0"/>
-              <a:t>move</a:t>
-            </a:r>
-            <a:r>
-              <a:rPr lang="fr-FR" dirty="0"/>
-              <a:t> » depuis notre objet :</a:t>
-            </a:r>
-          </a:p>
-          <a:p>
-            <a:r>
-              <a:rPr lang="fr-FR" b="1" dirty="0"/>
-              <a:t>- L’enfant n’a pas réécrit la méthode, alors celle de la </a:t>
-            </a:r>
-            <a:r>
-              <a:rPr lang="fr-FR" b="1" u="sng" dirty="0"/>
-              <a:t>mère</a:t>
-            </a:r>
-            <a:r>
-              <a:rPr lang="fr-FR" b="1" dirty="0"/>
-              <a:t> sera appelée</a:t>
-            </a:r>
-            <a:br>
-              <a:rPr lang="fr-FR" b="1" dirty="0"/>
-            </a:br>
-            <a:r>
-              <a:rPr lang="fr-FR" b="1" dirty="0"/>
-              <a:t>- L’enfant a réécrit la méthode, alors celle de </a:t>
-            </a:r>
-            <a:r>
-              <a:rPr lang="fr-FR" b="1" u="sng" dirty="0"/>
-              <a:t>l’enfant</a:t>
-            </a:r>
-            <a:r>
-              <a:rPr lang="fr-FR" b="1" dirty="0"/>
-              <a:t> sera appelée</a:t>
-            </a:r>
-          </a:p>
-        </p:txBody>
-      </p:sp>
-      <p:pic>
-        <p:nvPicPr>
-          <p:cNvPr id="5" name="Image 4">
-            <a:extLst>
-              <a:ext uri="{FF2B5EF4-FFF2-40B4-BE49-F238E27FC236}">
-                <a16:creationId xmlns:a16="http://schemas.microsoft.com/office/drawing/2014/main" id="{66DDFCD7-E74D-19B3-015F-47A2DDB3B597}"/>
-              </a:ext>
-            </a:extLst>
-          </p:cNvPr>
-          <p:cNvPicPr>
-            <a:picLocks noChangeAspect="1"/>
-          </p:cNvPicPr>
-          <p:nvPr/>
-        </p:nvPicPr>
-        <p:blipFill>
-          <a:blip r:embed="rId2"/>
-          <a:stretch>
-            <a:fillRect/>
-          </a:stretch>
-        </p:blipFill>
-        <p:spPr>
-          <a:xfrm>
-            <a:off x="6786664" y="2724144"/>
-            <a:ext cx="4847617" cy="1755450"/>
-          </a:xfrm>
-          <a:prstGeom prst="rect">
-            <a:avLst/>
-          </a:prstGeom>
-        </p:spPr>
-      </p:pic>
-    </p:spTree>
-    <p:extLst>
-      <p:ext uri="{BB962C8B-B14F-4D97-AF65-F5344CB8AC3E}">
-        <p14:creationId xmlns:p14="http://schemas.microsoft.com/office/powerpoint/2010/main" val="3303663395"/>
-      </p:ext>
-    </p:extLst>
-  </p:cSld>
-  <p:clrMapOvr>
-    <a:masterClrMapping/>
-  </p:clrMapOvr>
-</p:sld>
-</file>
-
-<file path=ppt/slides/slide13.xml><?xml version="1.0" encoding="utf-8"?>
-<p:sld xmlns:a="http://schemas.openxmlformats.org/drawingml/2006/main" xmlns:r="http://schemas.openxmlformats.org/officeDocument/2006/relationships" xmlns:p="http://schemas.openxmlformats.org/presentationml/2006/main">
-  <p:cSld>
-    <p:spTree>
-      <p:nvGrpSpPr>
-        <p:cNvPr id="1" name=""/>
-        <p:cNvGrpSpPr/>
-        <p:nvPr/>
-      </p:nvGrpSpPr>
-      <p:grpSpPr>
-        <a:xfrm>
-          <a:off x="0" y="0"/>
-          <a:ext cx="0" cy="0"/>
-          <a:chOff x="0" y="0"/>
-          <a:chExt cx="0" cy="0"/>
-        </a:xfrm>
-      </p:grpSpPr>
-      <p:sp>
-        <p:nvSpPr>
-          <p:cNvPr id="2" name="Titre 1">
-            <a:extLst>
-              <a:ext uri="{FF2B5EF4-FFF2-40B4-BE49-F238E27FC236}">
-                <a16:creationId xmlns:a16="http://schemas.microsoft.com/office/drawing/2014/main" id="{C2CEDE09-97D9-49AD-98FF-AEBC0762FB29}"/>
-              </a:ext>
-            </a:extLst>
-          </p:cNvPr>
-          <p:cNvSpPr>
-            <a:spLocks noGrp="1"/>
-          </p:cNvSpPr>
-          <p:nvPr>
-            <p:ph type="ctrTitle"/>
-          </p:nvPr>
-        </p:nvSpPr>
-        <p:spPr>
-          <a:xfrm>
-            <a:off x="5690681" y="771911"/>
-            <a:ext cx="6501319" cy="887949"/>
-          </a:xfrm>
-        </p:spPr>
-        <p:txBody>
-          <a:bodyPr>
-            <a:noAutofit/>
-          </a:bodyPr>
-          <a:lstStyle/>
-          <a:p>
-            <a:r>
-              <a:rPr lang="en-US" sz="5400" b="1" i="1" dirty="0" err="1">
-                <a:solidFill>
-                  <a:schemeClr val="tx1">
-                    <a:lumMod val="95000"/>
-                    <a:lumOff val="5000"/>
-                  </a:schemeClr>
-                </a:solidFill>
-              </a:rPr>
-              <a:t>Héritage</a:t>
-            </a:r>
-            <a:r>
-              <a:rPr lang="en-US" sz="5400" b="1" i="1" dirty="0">
-                <a:solidFill>
-                  <a:schemeClr val="tx1">
-                    <a:lumMod val="95000"/>
-                    <a:lumOff val="5000"/>
-                  </a:schemeClr>
-                </a:solidFill>
-              </a:rPr>
-              <a:t> : abstract</a:t>
-            </a:r>
-            <a:endParaRPr lang="fr-FR" sz="5400" b="1" i="1" dirty="0">
-              <a:solidFill>
-                <a:schemeClr val="tx1">
-                  <a:lumMod val="95000"/>
-                  <a:lumOff val="5000"/>
-                </a:schemeClr>
-              </a:solidFill>
-            </a:endParaRPr>
-          </a:p>
-        </p:txBody>
-      </p:sp>
-      <p:sp>
-        <p:nvSpPr>
-          <p:cNvPr id="7" name="Espace réservé du numéro de diapositive 6">
-            <a:extLst>
-              <a:ext uri="{FF2B5EF4-FFF2-40B4-BE49-F238E27FC236}">
-                <a16:creationId xmlns:a16="http://schemas.microsoft.com/office/drawing/2014/main" id="{368EF5E6-3C25-486D-B7A2-44F32BD9456C}"/>
-              </a:ext>
-            </a:extLst>
-          </p:cNvPr>
-          <p:cNvSpPr>
-            <a:spLocks noGrp="1"/>
-          </p:cNvSpPr>
-          <p:nvPr>
-            <p:ph type="sldNum" sz="quarter" idx="12"/>
-          </p:nvPr>
-        </p:nvSpPr>
-        <p:spPr>
-          <a:xfrm>
-            <a:off x="11427785" y="6492875"/>
-            <a:ext cx="764215" cy="365125"/>
-          </a:xfrm>
-        </p:spPr>
-        <p:txBody>
-          <a:bodyPr/>
-          <a:lstStyle/>
-          <a:p>
-            <a:fld id="{6CE42BFF-69B7-4F10-A8D8-02FF0C38B363}" type="slidenum">
-              <a:rPr lang="fr-FR" smtClean="0"/>
-              <a:t>13</a:t>
-            </a:fld>
-            <a:endParaRPr lang="fr-FR" dirty="0"/>
-          </a:p>
-        </p:txBody>
-      </p:sp>
-      <p:sp>
-        <p:nvSpPr>
-          <p:cNvPr id="6" name="ZoneTexte 5">
-            <a:extLst>
-              <a:ext uri="{FF2B5EF4-FFF2-40B4-BE49-F238E27FC236}">
-                <a16:creationId xmlns:a16="http://schemas.microsoft.com/office/drawing/2014/main" id="{7E579F80-7F1D-1CD7-D91D-895318713672}"/>
-              </a:ext>
-            </a:extLst>
-          </p:cNvPr>
-          <p:cNvSpPr txBox="1"/>
-          <p:nvPr/>
-        </p:nvSpPr>
-        <p:spPr>
-          <a:xfrm>
-            <a:off x="535021" y="2247488"/>
-            <a:ext cx="7772400" cy="3693319"/>
-          </a:xfrm>
-          <a:prstGeom prst="rect">
-            <a:avLst/>
-          </a:prstGeom>
-          <a:noFill/>
-        </p:spPr>
-        <p:txBody>
-          <a:bodyPr wrap="square">
-            <a:spAutoFit/>
-          </a:bodyPr>
-          <a:lstStyle/>
-          <a:p>
-            <a:r>
-              <a:rPr lang="fr-FR" dirty="0"/>
-              <a:t>« </a:t>
-            </a:r>
-            <a:r>
-              <a:rPr lang="fr-FR" b="1" dirty="0"/>
-              <a:t>abstract</a:t>
-            </a:r>
-            <a:r>
-              <a:rPr lang="fr-FR" dirty="0"/>
-              <a:t> » est un mot clé en programmation objet, qui peut se placer sur :</a:t>
-            </a:r>
-            <a:br>
-              <a:rPr lang="fr-FR" dirty="0"/>
-            </a:br>
-            <a:br>
-              <a:rPr lang="fr-FR" dirty="0"/>
-            </a:br>
-            <a:r>
-              <a:rPr lang="fr-FR" dirty="0"/>
-              <a:t>- Une classe, la classe deviendra « classe abstraite ». On ne pourra plus l’instancier (autrement dit, ne plus la créer directement avec un </a:t>
-            </a:r>
-            <a:r>
-              <a:rPr lang="fr-FR" b="1" dirty="0"/>
-              <a:t>new</a:t>
-            </a:r>
-            <a:r>
-              <a:rPr lang="fr-FR" dirty="0"/>
-              <a:t>).</a:t>
-            </a:r>
-          </a:p>
-          <a:p>
-            <a:r>
-              <a:rPr lang="fr-FR" dirty="0"/>
-              <a:t>On ne pourra donc l’instancier que via ses enfants.</a:t>
-            </a:r>
-            <a:br>
-              <a:rPr lang="fr-FR" dirty="0"/>
-            </a:br>
-            <a:br>
-              <a:rPr lang="fr-FR" dirty="0"/>
-            </a:br>
-            <a:r>
-              <a:rPr lang="fr-FR" dirty="0"/>
-              <a:t>- Une méthode, une méthode abstraite n’a pas de contenu, on ne fait que la déclaration de celle-ci et de ce qu’elle doit renvoyer.</a:t>
-            </a:r>
-            <a:br>
-              <a:rPr lang="fr-FR" dirty="0"/>
-            </a:br>
-            <a:r>
-              <a:rPr lang="fr-FR" dirty="0"/>
-              <a:t>Ainsi, les classes filles auront </a:t>
-            </a:r>
-            <a:r>
-              <a:rPr lang="fr-FR" b="1" dirty="0"/>
-              <a:t>OBLIGATION</a:t>
-            </a:r>
-            <a:r>
-              <a:rPr lang="fr-FR" dirty="0"/>
-              <a:t> de l’implémenter.</a:t>
-            </a:r>
-            <a:br>
-              <a:rPr lang="fr-FR" dirty="0"/>
-            </a:br>
-            <a:br>
-              <a:rPr lang="fr-FR" dirty="0"/>
-            </a:br>
-            <a:r>
-              <a:rPr lang="fr-FR" dirty="0"/>
-              <a:t>(</a:t>
-            </a:r>
-            <a:r>
-              <a:rPr lang="fr-FR" dirty="0" err="1"/>
-              <a:t>cf</a:t>
-            </a:r>
-            <a:r>
-              <a:rPr lang="fr-FR" dirty="0"/>
-              <a:t>, ci-joint dans la classe mère)</a:t>
-            </a:r>
-            <a:br>
-              <a:rPr lang="fr-FR" dirty="0"/>
-            </a:br>
-            <a:br>
-              <a:rPr lang="fr-FR" dirty="0"/>
-            </a:br>
-            <a:r>
-              <a:rPr lang="fr-FR" dirty="0"/>
-              <a:t>(</a:t>
-            </a:r>
-            <a:r>
-              <a:rPr lang="fr-FR" dirty="0" err="1"/>
-              <a:t>cf</a:t>
-            </a:r>
-            <a:r>
-              <a:rPr lang="fr-FR" dirty="0"/>
-              <a:t>, ci-joint dans la classe fille)</a:t>
-            </a:r>
-          </a:p>
-        </p:txBody>
-      </p:sp>
-      <p:pic>
-        <p:nvPicPr>
-          <p:cNvPr id="4" name="Image 3">
-            <a:extLst>
-              <a:ext uri="{FF2B5EF4-FFF2-40B4-BE49-F238E27FC236}">
-                <a16:creationId xmlns:a16="http://schemas.microsoft.com/office/drawing/2014/main" id="{259D959C-0E17-D51E-D8AE-0F488F542C05}"/>
-              </a:ext>
-            </a:extLst>
-          </p:cNvPr>
-          <p:cNvPicPr>
-            <a:picLocks noChangeAspect="1"/>
-          </p:cNvPicPr>
-          <p:nvPr/>
-        </p:nvPicPr>
-        <p:blipFill>
-          <a:blip r:embed="rId2"/>
-          <a:stretch>
-            <a:fillRect/>
-          </a:stretch>
-        </p:blipFill>
-        <p:spPr>
-          <a:xfrm>
-            <a:off x="8389448" y="2768864"/>
-            <a:ext cx="3267531" cy="1047896"/>
-          </a:xfrm>
-          <a:prstGeom prst="rect">
-            <a:avLst/>
-          </a:prstGeom>
-        </p:spPr>
-      </p:pic>
-      <p:pic>
-        <p:nvPicPr>
-          <p:cNvPr id="9" name="Image 8">
-            <a:extLst>
-              <a:ext uri="{FF2B5EF4-FFF2-40B4-BE49-F238E27FC236}">
-                <a16:creationId xmlns:a16="http://schemas.microsoft.com/office/drawing/2014/main" id="{A5CAEDE3-EC28-1440-BF6F-2F76AE5A5B8D}"/>
-              </a:ext>
-            </a:extLst>
-          </p:cNvPr>
-          <p:cNvPicPr>
-            <a:picLocks noChangeAspect="1"/>
-          </p:cNvPicPr>
-          <p:nvPr/>
-        </p:nvPicPr>
-        <p:blipFill>
-          <a:blip r:embed="rId3"/>
-          <a:stretch>
-            <a:fillRect/>
-          </a:stretch>
-        </p:blipFill>
-        <p:spPr>
-          <a:xfrm>
-            <a:off x="3794300" y="4848380"/>
-            <a:ext cx="5408579" cy="497722"/>
-          </a:xfrm>
-          <a:prstGeom prst="rect">
-            <a:avLst/>
-          </a:prstGeom>
-        </p:spPr>
-      </p:pic>
-      <p:pic>
-        <p:nvPicPr>
-          <p:cNvPr id="11" name="Image 10">
-            <a:extLst>
-              <a:ext uri="{FF2B5EF4-FFF2-40B4-BE49-F238E27FC236}">
-                <a16:creationId xmlns:a16="http://schemas.microsoft.com/office/drawing/2014/main" id="{A9CA6528-B40C-7C89-1353-F70A5BB717CC}"/>
-              </a:ext>
-            </a:extLst>
-          </p:cNvPr>
-          <p:cNvPicPr>
-            <a:picLocks noChangeAspect="1"/>
-          </p:cNvPicPr>
-          <p:nvPr/>
-        </p:nvPicPr>
-        <p:blipFill>
-          <a:blip r:embed="rId4"/>
-          <a:stretch>
-            <a:fillRect/>
-          </a:stretch>
-        </p:blipFill>
-        <p:spPr>
-          <a:xfrm>
-            <a:off x="3794300" y="5346102"/>
-            <a:ext cx="5408579" cy="1410704"/>
-          </a:xfrm>
-          <a:prstGeom prst="rect">
-            <a:avLst/>
-          </a:prstGeom>
-        </p:spPr>
-      </p:pic>
-    </p:spTree>
-    <p:extLst>
-      <p:ext uri="{BB962C8B-B14F-4D97-AF65-F5344CB8AC3E}">
-        <p14:creationId xmlns:p14="http://schemas.microsoft.com/office/powerpoint/2010/main" val="3080812011"/>
+        <p14:creationId xmlns:p14="http://schemas.microsoft.com/office/powerpoint/2010/main" val="1644097563"/>
       </p:ext>
     </p:extLst>
   </p:cSld>
@@ -8079,7 +7368,7 @@
                   </a:schemeClr>
                 </a:solidFill>
               </a:rPr>
-              <a:t>Classe</a:t>
+              <a:t>Php</a:t>
             </a:r>
             <a:r>
               <a:rPr lang="en-US" sz="5400" b="1" i="1" dirty="0">
@@ -8090,7 +7379,28 @@
                   </a:schemeClr>
                 </a:solidFill>
               </a:rPr>
-              <a:t> </a:t>
+              <a:t> data object</a:t>
+            </a:r>
+            <a:br>
+              <a:rPr lang="en-US" sz="5400" b="1" i="1" dirty="0">
+                <a:solidFill>
+                  <a:schemeClr val="tx1">
+                    <a:lumMod val="95000"/>
+                    <a:lumOff val="5000"/>
+                  </a:schemeClr>
+                </a:solidFill>
+              </a:rPr>
+            </a:br>
+            <a:r>
+              <a:rPr lang="en-US" sz="5400" b="1" i="1" dirty="0">
+                <a:solidFill>
+                  <a:schemeClr val="tx1">
+                    <a:lumMod val="95000"/>
+                    <a:lumOff val="5000"/>
+                  </a:schemeClr>
+                </a:solidFill>
+              </a:rPr>
+              <a:t>(</a:t>
             </a:r>
             <a:r>
               <a:rPr lang="en-US" sz="5400" b="1" i="1" dirty="0" err="1">
@@ -8101,7 +7411,7 @@
                   </a:schemeClr>
                 </a:solidFill>
               </a:rPr>
-              <a:t>en</a:t>
+              <a:t>pdo</a:t>
             </a:r>
             <a:r>
               <a:rPr lang="en-US" sz="5400" b="1" i="1" dirty="0">
@@ -8112,18 +7422,7 @@
                   </a:schemeClr>
                 </a:solidFill>
               </a:rPr>
-              <a:t> </a:t>
-            </a:r>
-            <a:r>
-              <a:rPr lang="en-US" sz="5400" b="1" i="1" dirty="0" err="1">
-                <a:solidFill>
-                  <a:schemeClr val="tx1">
-                    <a:lumMod val="95000"/>
-                    <a:lumOff val="5000"/>
-                  </a:schemeClr>
-                </a:solidFill>
-              </a:rPr>
-              <a:t>php</a:t>
+              <a:t>)</a:t>
             </a:r>
             <a:endParaRPr lang="fr-FR" sz="5400" b="1" i="1" dirty="0">
               <a:solidFill>
@@ -8150,7 +7449,7 @@
         </p:nvSpPr>
         <p:spPr>
           <a:xfrm>
-            <a:off x="549390" y="2325101"/>
+            <a:off x="599085" y="2752483"/>
             <a:ext cx="7529290" cy="3139321"/>
           </a:xfrm>
           <a:prstGeom prst="rect">
@@ -8166,90 +7465,68 @@
           <a:p>
             <a:r>
               <a:rPr lang="fr-FR" b="1" dirty="0"/>
-              <a:t>Une classe est une représentation informatique d’un objet de la vie courante,</a:t>
+              <a:t>Il s’agit d’une interface permettant d’accéder à une base de données en PHP.</a:t>
             </a:r>
           </a:p>
           <a:p>
             <a:r>
               <a:rPr lang="fr-FR" b="1" dirty="0"/>
-              <a:t>comme une voiture, elle contient des attributs et des méthodes.</a:t>
-            </a:r>
-          </a:p>
-          <a:p>
+              <a:t>Elle possède tout ce qui est nécessaire pour effectuer des requêtes en PHP afin d’accéder aux données.</a:t>
+            </a:r>
+          </a:p>
+          <a:p>
+            <a:br>
+              <a:rPr lang="fr-FR" b="1" dirty="0"/>
+            </a:br>
             <a:endParaRPr lang="fr-FR" b="1" dirty="0"/>
           </a:p>
           <a:p>
             <a:r>
               <a:rPr lang="fr-FR" dirty="0"/>
-              <a:t>Mais quelle est l’intérêt ? On parle de </a:t>
-            </a:r>
-            <a:r>
-              <a:rPr lang="fr-FR" b="1" u="sng" dirty="0"/>
-              <a:t>P</a:t>
+              <a:t>La classe à utiliser est </a:t>
+            </a:r>
+            <a:r>
+              <a:rPr lang="fr-FR" b="1" dirty="0"/>
+              <a:t>PDO, </a:t>
             </a:r>
             <a:r>
               <a:rPr lang="fr-FR" dirty="0"/>
-              <a:t>rogrammation </a:t>
-            </a:r>
-            <a:r>
-              <a:rPr lang="fr-FR" b="1" u="sng" dirty="0"/>
-              <a:t>O</a:t>
-            </a:r>
-            <a:r>
-              <a:rPr lang="fr-FR" dirty="0"/>
-              <a:t>rienté </a:t>
-            </a:r>
-            <a:r>
-              <a:rPr lang="fr-FR" b="1" u="sng" dirty="0"/>
-              <a:t>O</a:t>
-            </a:r>
-            <a:r>
-              <a:rPr lang="fr-FR" dirty="0"/>
-              <a:t>bjet ou </a:t>
-            </a:r>
-            <a:r>
-              <a:rPr lang="fr-FR" b="1" u="sng" dirty="0"/>
-              <a:t>POO</a:t>
-            </a:r>
-            <a:r>
-              <a:rPr lang="fr-FR" dirty="0"/>
-              <a:t>.</a:t>
-            </a:r>
-            <a:br>
-              <a:rPr lang="fr-FR" dirty="0"/>
-            </a:br>
-            <a:br>
-              <a:rPr lang="fr-FR" dirty="0"/>
-            </a:br>
-            <a:r>
-              <a:rPr lang="fr-FR" dirty="0"/>
-              <a:t>Une classe est peu une « boîte à outils » permettant de créer des objets, on dit alors qu’un </a:t>
-            </a:r>
-            <a:r>
-              <a:rPr lang="fr-FR" u="sng" dirty="0"/>
-              <a:t>objet est une instance de classe</a:t>
-            </a:r>
-            <a:r>
-              <a:rPr lang="fr-FR" dirty="0"/>
-              <a:t>.</a:t>
-            </a:r>
-          </a:p>
-          <a:p>
+              <a:t>elle doit être instanciée avec ces paramètres pour effectuer une connexion à la base de données :</a:t>
+            </a:r>
+          </a:p>
+          <a:p>
+            <a:pPr marL="285750" indent="-285750">
+              <a:buFontTx/>
+              <a:buChar char="-"/>
+            </a:pPr>
+            <a:r>
+              <a:rPr lang="fr-FR" b="1" dirty="0"/>
+              <a:t>L’URL du serveur de la base données et le nom de la base de données</a:t>
+            </a:r>
+          </a:p>
+          <a:p>
+            <a:pPr marL="285750" indent="-285750">
+              <a:buFontTx/>
+              <a:buChar char="-"/>
+            </a:pPr>
+            <a:r>
+              <a:rPr lang="fr-FR" b="1" dirty="0"/>
+              <a:t>L’utilisateur qui doit se connecter</a:t>
+            </a:r>
+          </a:p>
+          <a:p>
+            <a:pPr marL="285750" indent="-285750">
+              <a:buFontTx/>
+              <a:buChar char="-"/>
+            </a:pPr>
+            <a:r>
+              <a:rPr lang="fr-FR" b="1" dirty="0"/>
+              <a:t>Le mot de passe de l’utilisateur</a:t>
+            </a:r>
             <a:endParaRPr lang="fr-FR" dirty="0"/>
           </a:p>
           <a:p>
-            <a:r>
-              <a:rPr lang="fr-FR" dirty="0"/>
-              <a:t>C’est-à-dire que l’on créé des objets qui vont contenir les attributs et méthodes de notre classe, et </a:t>
-            </a:r>
-            <a:r>
-              <a:rPr lang="fr-FR" b="1" u="sng" dirty="0"/>
-              <a:t>chaque instance a ses propres attributs et méthodes</a:t>
-            </a:r>
-            <a:r>
-              <a:rPr lang="fr-FR" dirty="0"/>
-              <a:t>, tel que déclaré dans la classe.</a:t>
-            </a:r>
+            <a:endParaRPr lang="fr-FR" b="1" dirty="0"/>
           </a:p>
         </p:txBody>
       </p:sp>
@@ -8315,7 +7592,7 @@
         </p:blipFill>
         <p:spPr>
           <a:xfrm>
-            <a:off x="7807710" y="2325101"/>
+            <a:off x="7998785" y="3250580"/>
             <a:ext cx="3429000" cy="2143125"/>
           </a:xfrm>
           <a:prstGeom prst="rect">
@@ -8371,7 +7648,7 @@
         </p:nvSpPr>
         <p:spPr>
           <a:xfrm>
-            <a:off x="6460551" y="1268022"/>
+            <a:off x="6393439" y="870975"/>
             <a:ext cx="5731449" cy="887949"/>
           </a:xfrm>
         </p:spPr>
@@ -8390,7 +7667,7 @@
                   </a:schemeClr>
                 </a:solidFill>
               </a:rPr>
-              <a:t>Créer</a:t>
+              <a:t>Pdo</a:t>
             </a:r>
             <a:r>
               <a:rPr lang="en-US" sz="5400" b="1" i="1" dirty="0">
@@ -8401,40 +7678,7 @@
                   </a:schemeClr>
                 </a:solidFill>
               </a:rPr>
-              <a:t> </a:t>
-            </a:r>
-            <a:r>
-              <a:rPr lang="en-US" sz="5400" b="1" i="1" dirty="0" err="1">
-                <a:solidFill>
-                  <a:schemeClr val="tx1">
-                    <a:lumMod val="95000"/>
-                    <a:lumOff val="5000"/>
-                  </a:schemeClr>
-                </a:solidFill>
-              </a:rPr>
-              <a:t>une</a:t>
-            </a:r>
-            <a:r>
-              <a:rPr lang="en-US" sz="5400" b="1" i="1" dirty="0">
-                <a:solidFill>
-                  <a:schemeClr val="tx1">
-                    <a:lumMod val="95000"/>
-                    <a:lumOff val="5000"/>
-                  </a:schemeClr>
-                </a:solidFill>
-              </a:rPr>
-              <a:t> </a:t>
-            </a:r>
-            <a:r>
-              <a:rPr lang="en-US" sz="5400" b="1" i="1" dirty="0" err="1">
-                <a:solidFill>
-                  <a:schemeClr val="tx1">
-                    <a:lumMod val="95000"/>
-                    <a:lumOff val="5000"/>
-                  </a:schemeClr>
-                </a:solidFill>
-              </a:rPr>
-              <a:t>classe</a:t>
+              <a:t> object</a:t>
             </a:r>
             <a:endParaRPr lang="fr-FR" sz="5400" b="1" i="1" dirty="0">
               <a:solidFill>
@@ -8461,8 +7705,8 @@
         </p:nvSpPr>
         <p:spPr>
           <a:xfrm>
-            <a:off x="549389" y="2325101"/>
-            <a:ext cx="10519103" cy="1200329"/>
+            <a:off x="607474" y="2428719"/>
+            <a:ext cx="7529290" cy="369332"/>
           </a:xfrm>
           <a:prstGeom prst="rect">
             <a:avLst/>
@@ -8476,45 +7720,8 @@
           <a:lstStyle/>
           <a:p>
             <a:r>
-              <a:rPr lang="fr-FR" dirty="0"/>
-              <a:t>Par convention, lorsque l’on créé une classe on créé un fichier « </a:t>
-            </a:r>
-            <a:r>
-              <a:rPr lang="fr-FR" b="1" dirty="0" err="1"/>
-              <a:t>NomDeMaClasse.php</a:t>
-            </a:r>
-            <a:r>
               <a:rPr lang="fr-FR" b="1" dirty="0"/>
-              <a:t> </a:t>
-            </a:r>
-            <a:r>
-              <a:rPr lang="fr-FR" dirty="0"/>
-              <a:t>» en « </a:t>
-            </a:r>
-            <a:r>
-              <a:rPr lang="fr-FR" dirty="0" err="1"/>
-              <a:t>PascalCase</a:t>
-            </a:r>
-            <a:r>
-              <a:rPr lang="fr-FR" dirty="0"/>
-              <a:t> ».</a:t>
-            </a:r>
-          </a:p>
-          <a:p>
-            <a:endParaRPr lang="fr-FR" dirty="0"/>
-          </a:p>
-          <a:p>
-            <a:r>
-              <a:rPr lang="fr-FR" dirty="0"/>
-              <a:t>Afin de créer une classe on utilise le mot-clé « class » avec le nom de celle-ci, il s’agit du nom du fichier sans le « .</a:t>
-            </a:r>
-            <a:r>
-              <a:rPr lang="fr-FR" dirty="0" err="1"/>
-              <a:t>php</a:t>
-            </a:r>
-            <a:r>
-              <a:rPr lang="fr-FR" dirty="0"/>
-              <a:t> » :</a:t>
+              <a:t>Exemple de connexion à une base de données :</a:t>
             </a:r>
           </a:p>
         </p:txBody>
@@ -8555,10 +7762,10 @@
       </p:sp>
       <p:pic>
         <p:nvPicPr>
-          <p:cNvPr id="4" name="Image 3">
+          <p:cNvPr id="8" name="Image 7">
             <a:extLst>
               <a:ext uri="{FF2B5EF4-FFF2-40B4-BE49-F238E27FC236}">
-                <a16:creationId xmlns:a16="http://schemas.microsoft.com/office/drawing/2014/main" id="{002B8D47-A1F5-F39E-A171-48C1B162FA92}"/>
+                <a16:creationId xmlns:a16="http://schemas.microsoft.com/office/drawing/2014/main" id="{C4BF3B2C-3B57-2E9D-2041-4E03D0FEC7D2}"/>
               </a:ext>
             </a:extLst>
           </p:cNvPr>
@@ -8575,32 +7782,110 @@
         </p:blipFill>
         <p:spPr>
           <a:xfrm>
-            <a:off x="5442792" y="3332570"/>
-            <a:ext cx="3788268" cy="3360561"/>
+            <a:off x="3424602" y="3723693"/>
+            <a:ext cx="8564170" cy="1457528"/>
           </a:xfrm>
           <a:prstGeom prst="rect">
             <a:avLst/>
           </a:prstGeom>
         </p:spPr>
       </p:pic>
-      <p:cxnSp>
-        <p:nvCxnSpPr>
-          <p:cNvPr id="8" name="Connecteur droit avec flèche 7">
+      <p:sp>
+        <p:nvSpPr>
+          <p:cNvPr id="9" name="ZoneTexte 8">
             <a:extLst>
               <a:ext uri="{FF2B5EF4-FFF2-40B4-BE49-F238E27FC236}">
-                <a16:creationId xmlns:a16="http://schemas.microsoft.com/office/drawing/2014/main" id="{BD132FE1-0E39-AB1D-5E16-C345C6989F24}"/>
+                <a16:creationId xmlns:a16="http://schemas.microsoft.com/office/drawing/2014/main" id="{3C1D4C68-ED09-66EA-6CF1-FF69612B54F1}"/>
               </a:ext>
             </a:extLst>
           </p:cNvPr>
-          <p:cNvCxnSpPr>
-            <a:cxnSpLocks/>
-          </p:cNvCxnSpPr>
+          <p:cNvSpPr txBox="1"/>
+          <p:nvPr/>
+        </p:nvSpPr>
+        <p:spPr>
+          <a:xfrm>
+            <a:off x="313860" y="3528144"/>
+            <a:ext cx="2752869" cy="2031325"/>
+          </a:xfrm>
+          <a:prstGeom prst="rect">
+            <a:avLst/>
+          </a:prstGeom>
+          <a:noFill/>
+        </p:spPr>
+        <p:txBody>
+          <a:bodyPr wrap="none" rtlCol="0">
+            <a:spAutoFit/>
+          </a:bodyPr>
+          <a:lstStyle/>
+          <a:p>
+            <a:r>
+              <a:rPr lang="fr-FR" dirty="0"/>
+              <a:t>Objet </a:t>
+            </a:r>
+            <a:r>
+              <a:rPr lang="fr-FR" b="1" dirty="0"/>
+              <a:t>PDO</a:t>
+            </a:r>
+            <a:br>
+              <a:rPr lang="fr-FR" b="1" dirty="0"/>
+            </a:br>
+            <a:br>
+              <a:rPr lang="fr-FR" b="1" dirty="0"/>
+            </a:br>
+            <a:r>
+              <a:rPr lang="fr-FR" dirty="0"/>
+              <a:t>Attribut de </a:t>
+            </a:r>
+            <a:r>
+              <a:rPr lang="fr-FR" b="1" dirty="0"/>
+              <a:t>l’URL de la BDD</a:t>
+            </a:r>
+          </a:p>
+          <a:p>
+            <a:endParaRPr lang="fr-FR" b="1" dirty="0"/>
+          </a:p>
+          <a:p>
+            <a:r>
+              <a:rPr lang="fr-FR" dirty="0"/>
+              <a:t>Attribut du </a:t>
+            </a:r>
+            <a:r>
+              <a:rPr lang="fr-FR" b="1" dirty="0"/>
+              <a:t>nom du user</a:t>
+            </a:r>
+          </a:p>
+          <a:p>
+            <a:endParaRPr lang="fr-FR" b="1" dirty="0"/>
+          </a:p>
+          <a:p>
+            <a:r>
+              <a:rPr lang="fr-FR" dirty="0"/>
+              <a:t>Attribut de son </a:t>
+            </a:r>
+            <a:r>
+              <a:rPr lang="fr-FR" b="1" dirty="0" err="1"/>
+              <a:t>password</a:t>
+            </a:r>
+            <a:endParaRPr lang="fr-FR" b="1" dirty="0"/>
+          </a:p>
+        </p:txBody>
+      </p:sp>
+      <p:cxnSp>
+        <p:nvCxnSpPr>
+          <p:cNvPr id="12" name="Connecteur droit avec flèche 11">
+            <a:extLst>
+              <a:ext uri="{FF2B5EF4-FFF2-40B4-BE49-F238E27FC236}">
+                <a16:creationId xmlns:a16="http://schemas.microsoft.com/office/drawing/2014/main" id="{9288C885-DF35-5BF0-AF8F-0E9710B6FFDA}"/>
+              </a:ext>
+            </a:extLst>
+          </p:cNvPr>
+          <p:cNvCxnSpPr/>
           <p:nvPr/>
         </p:nvCxnSpPr>
         <p:spPr>
-          <a:xfrm flipV="1">
-            <a:off x="3101074" y="3429000"/>
-            <a:ext cx="2341718" cy="317695"/>
+          <a:xfrm>
+            <a:off x="1690294" y="3723693"/>
+            <a:ext cx="1734308" cy="126854"/>
           </a:xfrm>
           <a:prstGeom prst="straightConnector1">
             <a:avLst/>
@@ -8624,59 +7909,24 @@
           </a:fontRef>
         </p:style>
       </p:cxnSp>
-      <p:sp>
-        <p:nvSpPr>
-          <p:cNvPr id="12" name="ZoneTexte 11">
+      <p:cxnSp>
+        <p:nvCxnSpPr>
+          <p:cNvPr id="14" name="Connecteur droit avec flèche 13">
             <a:extLst>
               <a:ext uri="{FF2B5EF4-FFF2-40B4-BE49-F238E27FC236}">
-                <a16:creationId xmlns:a16="http://schemas.microsoft.com/office/drawing/2014/main" id="{E6882FEE-B248-07C0-18F5-A3B224849006}"/>
-              </a:ext>
-            </a:extLst>
-          </p:cNvPr>
-          <p:cNvSpPr txBox="1"/>
-          <p:nvPr/>
-        </p:nvSpPr>
-        <p:spPr>
-          <a:xfrm>
-            <a:off x="1345465" y="3581494"/>
-            <a:ext cx="1755609" cy="369332"/>
-          </a:xfrm>
-          <a:prstGeom prst="rect">
-            <a:avLst/>
-          </a:prstGeom>
-          <a:noFill/>
-        </p:spPr>
-        <p:txBody>
-          <a:bodyPr wrap="none" rtlCol="0">
-            <a:spAutoFit/>
-          </a:bodyPr>
-          <a:lstStyle/>
-          <a:p>
-            <a:r>
-              <a:rPr lang="fr-FR" dirty="0"/>
-              <a:t>Nom de la classe</a:t>
-            </a:r>
-          </a:p>
-        </p:txBody>
-      </p:sp>
-      <p:cxnSp>
-        <p:nvCxnSpPr>
-          <p:cNvPr id="16" name="Connecteur droit avec flèche 15">
-            <a:extLst>
-              <a:ext uri="{FF2B5EF4-FFF2-40B4-BE49-F238E27FC236}">
-                <a16:creationId xmlns:a16="http://schemas.microsoft.com/office/drawing/2014/main" id="{22AE8A24-344A-3120-0680-1D83328E30D4}"/>
+                <a16:creationId xmlns:a16="http://schemas.microsoft.com/office/drawing/2014/main" id="{A4B122F1-8C7C-B543-F9EC-49619D1D2030}"/>
               </a:ext>
             </a:extLst>
           </p:cNvPr>
           <p:cNvCxnSpPr>
-            <a:cxnSpLocks/>
+            <a:endCxn id="8" idx="1"/>
           </p:cNvCxnSpPr>
           <p:nvPr/>
         </p:nvCxnSpPr>
         <p:spPr>
-          <a:xfrm flipV="1">
-            <a:off x="3178206" y="3931361"/>
-            <a:ext cx="2512380" cy="418697"/>
+          <a:xfrm>
+            <a:off x="3066729" y="4278385"/>
+            <a:ext cx="357873" cy="174072"/>
           </a:xfrm>
           <a:prstGeom prst="straightConnector1">
             <a:avLst/>
@@ -8700,59 +7950,22 @@
           </a:fontRef>
         </p:style>
       </p:cxnSp>
-      <p:sp>
-        <p:nvSpPr>
-          <p:cNvPr id="18" name="ZoneTexte 17">
+      <p:cxnSp>
+        <p:nvCxnSpPr>
+          <p:cNvPr id="16" name="Connecteur droit avec flèche 15">
             <a:extLst>
               <a:ext uri="{FF2B5EF4-FFF2-40B4-BE49-F238E27FC236}">
-                <a16:creationId xmlns:a16="http://schemas.microsoft.com/office/drawing/2014/main" id="{D7FD37AC-3448-10BE-38D5-FE7553C388DE}"/>
+                <a16:creationId xmlns:a16="http://schemas.microsoft.com/office/drawing/2014/main" id="{E21B5A7E-00F2-2932-F890-6F9F975CDA3D}"/>
               </a:ext>
             </a:extLst>
           </p:cNvPr>
-          <p:cNvSpPr txBox="1"/>
-          <p:nvPr/>
-        </p:nvSpPr>
-        <p:spPr>
-          <a:xfrm>
-            <a:off x="1864311" y="4165392"/>
-            <a:ext cx="944489" cy="369332"/>
-          </a:xfrm>
-          <a:prstGeom prst="rect">
-            <a:avLst/>
-          </a:prstGeom>
-          <a:noFill/>
-        </p:spPr>
-        <p:txBody>
-          <a:bodyPr wrap="none" rtlCol="0">
-            <a:spAutoFit/>
-          </a:bodyPr>
-          <a:lstStyle/>
-          <a:p>
-            <a:r>
-              <a:rPr lang="fr-FR" dirty="0"/>
-              <a:t>Attributs</a:t>
-            </a:r>
-          </a:p>
-        </p:txBody>
-      </p:sp>
-      <p:cxnSp>
-        <p:nvCxnSpPr>
-          <p:cNvPr id="21" name="Connecteur droit avec flèche 20">
-            <a:extLst>
-              <a:ext uri="{FF2B5EF4-FFF2-40B4-BE49-F238E27FC236}">
-                <a16:creationId xmlns:a16="http://schemas.microsoft.com/office/drawing/2014/main" id="{8A706BD1-3ECC-D8A1-E483-5BF53C86F861}"/>
-              </a:ext>
-            </a:extLst>
-          </p:cNvPr>
-          <p:cNvCxnSpPr>
-            <a:cxnSpLocks/>
-          </p:cNvCxnSpPr>
+          <p:cNvCxnSpPr/>
           <p:nvPr/>
         </p:nvCxnSpPr>
         <p:spPr>
           <a:xfrm flipV="1">
-            <a:off x="3178206" y="5752730"/>
-            <a:ext cx="2512380" cy="461639"/>
+            <a:off x="2743200" y="4748169"/>
+            <a:ext cx="681402" cy="67112"/>
           </a:xfrm>
           <a:prstGeom prst="straightConnector1">
             <a:avLst/>
@@ -8776,59 +7989,22 @@
           </a:fontRef>
         </p:style>
       </p:cxnSp>
-      <p:sp>
-        <p:nvSpPr>
-          <p:cNvPr id="22" name="ZoneTexte 21">
+      <p:cxnSp>
+        <p:nvCxnSpPr>
+          <p:cNvPr id="18" name="Connecteur droit avec flèche 17">
             <a:extLst>
               <a:ext uri="{FF2B5EF4-FFF2-40B4-BE49-F238E27FC236}">
-                <a16:creationId xmlns:a16="http://schemas.microsoft.com/office/drawing/2014/main" id="{DC4F2FA0-3DED-5F68-300D-8269AE701DBB}"/>
+                <a16:creationId xmlns:a16="http://schemas.microsoft.com/office/drawing/2014/main" id="{2BE3821E-7030-A5F5-8A6F-ED6957CD9970}"/>
               </a:ext>
             </a:extLst>
           </p:cNvPr>
-          <p:cNvSpPr txBox="1"/>
-          <p:nvPr/>
-        </p:nvSpPr>
-        <p:spPr>
-          <a:xfrm>
-            <a:off x="1176169" y="6029703"/>
-            <a:ext cx="1819922" cy="369332"/>
-          </a:xfrm>
-          <a:prstGeom prst="rect">
-            <a:avLst/>
-          </a:prstGeom>
-          <a:noFill/>
-        </p:spPr>
-        <p:txBody>
-          <a:bodyPr wrap="none" rtlCol="0">
-            <a:spAutoFit/>
-          </a:bodyPr>
-          <a:lstStyle/>
-          <a:p>
-            <a:r>
-              <a:rPr lang="fr-FR" dirty="0"/>
-              <a:t>Méthodes (getter)</a:t>
-            </a:r>
-          </a:p>
-        </p:txBody>
-      </p:sp>
-      <p:cxnSp>
-        <p:nvCxnSpPr>
-          <p:cNvPr id="25" name="Connecteur droit avec flèche 24">
-            <a:extLst>
-              <a:ext uri="{FF2B5EF4-FFF2-40B4-BE49-F238E27FC236}">
-                <a16:creationId xmlns:a16="http://schemas.microsoft.com/office/drawing/2014/main" id="{6BE448C5-4A13-78F1-57C3-45235A7A1F9B}"/>
-              </a:ext>
-            </a:extLst>
-          </p:cNvPr>
-          <p:cNvCxnSpPr>
-            <a:cxnSpLocks/>
-          </p:cNvCxnSpPr>
+          <p:cNvCxnSpPr/>
           <p:nvPr/>
         </p:nvCxnSpPr>
         <p:spPr>
           <a:xfrm flipV="1">
-            <a:off x="3246067" y="4534724"/>
-            <a:ext cx="2444519" cy="433742"/>
+            <a:off x="2835479" y="5092117"/>
+            <a:ext cx="589123" cy="285226"/>
           </a:xfrm>
           <a:prstGeom prst="straightConnector1">
             <a:avLst/>
@@ -8852,52 +8028,10 @@
           </a:fontRef>
         </p:style>
       </p:cxnSp>
-      <p:sp>
-        <p:nvSpPr>
-          <p:cNvPr id="27" name="ZoneTexte 26">
-            <a:extLst>
-              <a:ext uri="{FF2B5EF4-FFF2-40B4-BE49-F238E27FC236}">
-                <a16:creationId xmlns:a16="http://schemas.microsoft.com/office/drawing/2014/main" id="{015E67C2-D77D-0278-D556-70974FDDE1D4}"/>
-              </a:ext>
-            </a:extLst>
-          </p:cNvPr>
-          <p:cNvSpPr txBox="1"/>
-          <p:nvPr/>
-        </p:nvSpPr>
-        <p:spPr>
-          <a:xfrm>
-            <a:off x="733330" y="4806600"/>
-            <a:ext cx="2454326" cy="646331"/>
-          </a:xfrm>
-          <a:prstGeom prst="rect">
-            <a:avLst/>
-          </a:prstGeom>
-          <a:noFill/>
-        </p:spPr>
-        <p:txBody>
-          <a:bodyPr wrap="none" rtlCol="0">
-            <a:spAutoFit/>
-          </a:bodyPr>
-          <a:lstStyle/>
-          <a:p>
-            <a:r>
-              <a:rPr lang="fr-FR" dirty="0"/>
-              <a:t>Constructeur de la classe</a:t>
-            </a:r>
-            <a:br>
-              <a:rPr lang="fr-FR" dirty="0"/>
-            </a:br>
-            <a:r>
-              <a:rPr lang="fr-FR" b="1" dirty="0"/>
-              <a:t>(facultatif !)</a:t>
-            </a:r>
-          </a:p>
-        </p:txBody>
-      </p:sp>
     </p:spTree>
     <p:extLst>
       <p:ext uri="{BB962C8B-B14F-4D97-AF65-F5344CB8AC3E}">
-        <p14:creationId xmlns:p14="http://schemas.microsoft.com/office/powerpoint/2010/main" val="496743847"/>
+        <p14:creationId xmlns:p14="http://schemas.microsoft.com/office/powerpoint/2010/main" val="2844815481"/>
       </p:ext>
     </p:extLst>
   </p:cSld>
@@ -8942,7 +8076,7 @@
         </p:nvSpPr>
         <p:spPr>
           <a:xfrm>
-            <a:off x="6460551" y="1268022"/>
+            <a:off x="6393439" y="870975"/>
             <a:ext cx="5731449" cy="887949"/>
           </a:xfrm>
         </p:spPr>
@@ -8961,7 +8095,7 @@
                   </a:schemeClr>
                 </a:solidFill>
               </a:rPr>
-              <a:t>Créer</a:t>
+              <a:t>Pdo</a:t>
             </a:r>
             <a:r>
               <a:rPr lang="en-US" sz="5400" b="1" i="1" dirty="0">
@@ -8972,40 +8106,7 @@
                   </a:schemeClr>
                 </a:solidFill>
               </a:rPr>
-              <a:t> </a:t>
-            </a:r>
-            <a:r>
-              <a:rPr lang="en-US" sz="5400" b="1" i="1" dirty="0" err="1">
-                <a:solidFill>
-                  <a:schemeClr val="tx1">
-                    <a:lumMod val="95000"/>
-                    <a:lumOff val="5000"/>
-                  </a:schemeClr>
-                </a:solidFill>
-              </a:rPr>
-              <a:t>une</a:t>
-            </a:r>
-            <a:r>
-              <a:rPr lang="en-US" sz="5400" b="1" i="1" dirty="0">
-                <a:solidFill>
-                  <a:schemeClr val="tx1">
-                    <a:lumMod val="95000"/>
-                    <a:lumOff val="5000"/>
-                  </a:schemeClr>
-                </a:solidFill>
-              </a:rPr>
-              <a:t> </a:t>
-            </a:r>
-            <a:r>
-              <a:rPr lang="en-US" sz="5400" b="1" i="1" dirty="0" err="1">
-                <a:solidFill>
-                  <a:schemeClr val="tx1">
-                    <a:lumMod val="95000"/>
-                    <a:lumOff val="5000"/>
-                  </a:schemeClr>
-                </a:solidFill>
-              </a:rPr>
-              <a:t>classe</a:t>
+              <a:t> object</a:t>
             </a:r>
             <a:endParaRPr lang="fr-FR" sz="5400" b="1" i="1" dirty="0">
               <a:solidFill>
@@ -9032,8 +8133,8 @@
         </p:nvSpPr>
         <p:spPr>
           <a:xfrm>
-            <a:off x="549389" y="2325101"/>
-            <a:ext cx="10519103" cy="369332"/>
+            <a:off x="573918" y="2458868"/>
+            <a:ext cx="7529290" cy="369332"/>
           </a:xfrm>
           <a:prstGeom prst="rect">
             <a:avLst/>
@@ -9047,8 +8148,8 @@
           <a:lstStyle/>
           <a:p>
             <a:r>
-              <a:rPr lang="fr-FR" dirty="0"/>
-              <a:t>A partir de PHP 8.0, on peut écrire notre classe de cette manière :</a:t>
+              <a:rPr lang="fr-FR" b="1" dirty="0"/>
+              <a:t>Exemple de connexion à une base de données :</a:t>
             </a:r>
           </a:p>
         </p:txBody>
@@ -9092,7 +8193,7 @@
           <p:cNvPr id="5" name="Image 4">
             <a:extLst>
               <a:ext uri="{FF2B5EF4-FFF2-40B4-BE49-F238E27FC236}">
-                <a16:creationId xmlns:a16="http://schemas.microsoft.com/office/drawing/2014/main" id="{3B588A99-47CA-79E4-913B-F9A8894B5ED6}"/>
+                <a16:creationId xmlns:a16="http://schemas.microsoft.com/office/drawing/2014/main" id="{A2925F74-4F07-C47C-744B-7F740F063697}"/>
               </a:ext>
             </a:extLst>
           </p:cNvPr>
@@ -9109,61 +8210,20 @@
         </p:blipFill>
         <p:spPr>
           <a:xfrm>
-            <a:off x="4684957" y="3297710"/>
-            <a:ext cx="5982535" cy="2943636"/>
+            <a:off x="4933489" y="3584335"/>
+            <a:ext cx="6639852" cy="1267002"/>
           </a:xfrm>
           <a:prstGeom prst="rect">
             <a:avLst/>
           </a:prstGeom>
         </p:spPr>
       </p:pic>
-      <p:cxnSp>
-        <p:nvCxnSpPr>
-          <p:cNvPr id="9" name="Connecteur droit avec flèche 8">
+      <p:sp>
+        <p:nvSpPr>
+          <p:cNvPr id="8" name="ZoneTexte 7">
             <a:extLst>
               <a:ext uri="{FF2B5EF4-FFF2-40B4-BE49-F238E27FC236}">
-                <a16:creationId xmlns:a16="http://schemas.microsoft.com/office/drawing/2014/main" id="{CDD38E05-39C2-783F-CFA5-5F18513BA45E}"/>
-              </a:ext>
-            </a:extLst>
-          </p:cNvPr>
-          <p:cNvCxnSpPr>
-            <a:cxnSpLocks/>
-          </p:cNvCxnSpPr>
-          <p:nvPr/>
-        </p:nvCxnSpPr>
-        <p:spPr>
-          <a:xfrm flipV="1">
-            <a:off x="2551426" y="5211192"/>
-            <a:ext cx="2512380" cy="461639"/>
-          </a:xfrm>
-          <a:prstGeom prst="straightConnector1">
-            <a:avLst/>
-          </a:prstGeom>
-          <a:ln>
-            <a:tailEnd type="triangle"/>
-          </a:ln>
-        </p:spPr>
-        <p:style>
-          <a:lnRef idx="1">
-            <a:schemeClr val="accent1"/>
-          </a:lnRef>
-          <a:fillRef idx="0">
-            <a:schemeClr val="accent1"/>
-          </a:fillRef>
-          <a:effectRef idx="0">
-            <a:schemeClr val="accent1"/>
-          </a:effectRef>
-          <a:fontRef idx="minor">
-            <a:schemeClr val="tx1"/>
-          </a:fontRef>
-        </p:style>
-      </p:cxnSp>
-      <p:sp>
-        <p:nvSpPr>
-          <p:cNvPr id="10" name="ZoneTexte 9">
-            <a:extLst>
-              <a:ext uri="{FF2B5EF4-FFF2-40B4-BE49-F238E27FC236}">
-                <a16:creationId xmlns:a16="http://schemas.microsoft.com/office/drawing/2014/main" id="{E04D0062-870A-FC7E-71E0-B1424D2359E0}"/>
+                <a16:creationId xmlns:a16="http://schemas.microsoft.com/office/drawing/2014/main" id="{653AF368-21E2-4E38-009F-73B8BD40626A}"/>
               </a:ext>
             </a:extLst>
           </p:cNvPr>
@@ -9172,8 +8232,8 @@
         </p:nvSpPr>
         <p:spPr>
           <a:xfrm>
-            <a:off x="549389" y="5488165"/>
-            <a:ext cx="1819922" cy="369332"/>
+            <a:off x="573918" y="3756171"/>
+            <a:ext cx="4027398" cy="923330"/>
           </a:xfrm>
           <a:prstGeom prst="rect">
             <a:avLst/>
@@ -9181,242 +8241,14 @@
           <a:noFill/>
         </p:spPr>
         <p:txBody>
-          <a:bodyPr wrap="none" rtlCol="0">
+          <a:bodyPr wrap="square">
             <a:spAutoFit/>
           </a:bodyPr>
           <a:lstStyle/>
           <a:p>
             <a:r>
               <a:rPr lang="fr-FR" dirty="0"/>
-              <a:t>Méthodes (getter)</a:t>
-            </a:r>
-          </a:p>
-        </p:txBody>
-      </p:sp>
-      <p:cxnSp>
-        <p:nvCxnSpPr>
-          <p:cNvPr id="11" name="Connecteur droit avec flèche 10">
-            <a:extLst>
-              <a:ext uri="{FF2B5EF4-FFF2-40B4-BE49-F238E27FC236}">
-                <a16:creationId xmlns:a16="http://schemas.microsoft.com/office/drawing/2014/main" id="{A7E8C097-436A-7521-340F-6AA566772D92}"/>
-              </a:ext>
-            </a:extLst>
-          </p:cNvPr>
-          <p:cNvCxnSpPr>
-            <a:cxnSpLocks/>
-          </p:cNvCxnSpPr>
-          <p:nvPr/>
-        </p:nvCxnSpPr>
-        <p:spPr>
-          <a:xfrm flipV="1">
-            <a:off x="2304998" y="3471712"/>
-            <a:ext cx="2341718" cy="317695"/>
-          </a:xfrm>
-          <a:prstGeom prst="straightConnector1">
-            <a:avLst/>
-          </a:prstGeom>
-          <a:ln>
-            <a:tailEnd type="triangle"/>
-          </a:ln>
-        </p:spPr>
-        <p:style>
-          <a:lnRef idx="1">
-            <a:schemeClr val="accent1"/>
-          </a:lnRef>
-          <a:fillRef idx="0">
-            <a:schemeClr val="accent1"/>
-          </a:fillRef>
-          <a:effectRef idx="0">
-            <a:schemeClr val="accent1"/>
-          </a:effectRef>
-          <a:fontRef idx="minor">
-            <a:schemeClr val="tx1"/>
-          </a:fontRef>
-        </p:style>
-      </p:cxnSp>
-      <p:sp>
-        <p:nvSpPr>
-          <p:cNvPr id="13" name="ZoneTexte 12">
-            <a:extLst>
-              <a:ext uri="{FF2B5EF4-FFF2-40B4-BE49-F238E27FC236}">
-                <a16:creationId xmlns:a16="http://schemas.microsoft.com/office/drawing/2014/main" id="{A42D0D00-08ED-9E0C-3920-E297CC3392DF}"/>
-              </a:ext>
-            </a:extLst>
-          </p:cNvPr>
-          <p:cNvSpPr txBox="1"/>
-          <p:nvPr/>
-        </p:nvSpPr>
-        <p:spPr>
-          <a:xfrm>
-            <a:off x="549389" y="3624206"/>
-            <a:ext cx="1755609" cy="369332"/>
-          </a:xfrm>
-          <a:prstGeom prst="rect">
-            <a:avLst/>
-          </a:prstGeom>
-          <a:noFill/>
-        </p:spPr>
-        <p:txBody>
-          <a:bodyPr wrap="none" rtlCol="0">
-            <a:spAutoFit/>
-          </a:bodyPr>
-          <a:lstStyle/>
-          <a:p>
-            <a:r>
-              <a:rPr lang="fr-FR" dirty="0"/>
-              <a:t>Nom de la classe</a:t>
-            </a:r>
-          </a:p>
-        </p:txBody>
-      </p:sp>
-      <p:cxnSp>
-        <p:nvCxnSpPr>
-          <p:cNvPr id="14" name="Connecteur droit avec flèche 13">
-            <a:extLst>
-              <a:ext uri="{FF2B5EF4-FFF2-40B4-BE49-F238E27FC236}">
-                <a16:creationId xmlns:a16="http://schemas.microsoft.com/office/drawing/2014/main" id="{82425B3F-D778-786A-EC4A-5B975B57D07A}"/>
-              </a:ext>
-            </a:extLst>
-          </p:cNvPr>
-          <p:cNvCxnSpPr>
-            <a:cxnSpLocks/>
-          </p:cNvCxnSpPr>
-          <p:nvPr/>
-        </p:nvCxnSpPr>
-        <p:spPr>
-          <a:xfrm flipV="1">
-            <a:off x="2512737" y="4318182"/>
-            <a:ext cx="2444519" cy="433742"/>
-          </a:xfrm>
-          <a:prstGeom prst="straightConnector1">
-            <a:avLst/>
-          </a:prstGeom>
-          <a:ln>
-            <a:tailEnd type="triangle"/>
-          </a:ln>
-        </p:spPr>
-        <p:style>
-          <a:lnRef idx="1">
-            <a:schemeClr val="accent1"/>
-          </a:lnRef>
-          <a:fillRef idx="0">
-            <a:schemeClr val="accent1"/>
-          </a:fillRef>
-          <a:effectRef idx="0">
-            <a:schemeClr val="accent1"/>
-          </a:effectRef>
-          <a:fontRef idx="minor">
-            <a:schemeClr val="tx1"/>
-          </a:fontRef>
-        </p:style>
-      </p:cxnSp>
-      <p:sp>
-        <p:nvSpPr>
-          <p:cNvPr id="15" name="ZoneTexte 14">
-            <a:extLst>
-              <a:ext uri="{FF2B5EF4-FFF2-40B4-BE49-F238E27FC236}">
-                <a16:creationId xmlns:a16="http://schemas.microsoft.com/office/drawing/2014/main" id="{4DDEA42F-E96F-18D6-64EE-71EBFFB0AC2B}"/>
-              </a:ext>
-            </a:extLst>
-          </p:cNvPr>
-          <p:cNvSpPr txBox="1"/>
-          <p:nvPr/>
-        </p:nvSpPr>
-        <p:spPr>
-          <a:xfrm>
-            <a:off x="0" y="4590058"/>
-            <a:ext cx="2454326" cy="369332"/>
-          </a:xfrm>
-          <a:prstGeom prst="rect">
-            <a:avLst/>
-          </a:prstGeom>
-          <a:noFill/>
-        </p:spPr>
-        <p:txBody>
-          <a:bodyPr wrap="none" rtlCol="0">
-            <a:spAutoFit/>
-          </a:bodyPr>
-          <a:lstStyle/>
-          <a:p>
-            <a:r>
-              <a:rPr lang="fr-FR" dirty="0"/>
-              <a:t>Constructeur de la classe</a:t>
-            </a:r>
-          </a:p>
-        </p:txBody>
-      </p:sp>
-      <p:cxnSp>
-        <p:nvCxnSpPr>
-          <p:cNvPr id="17" name="Connecteur droit avec flèche 16">
-            <a:extLst>
-              <a:ext uri="{FF2B5EF4-FFF2-40B4-BE49-F238E27FC236}">
-                <a16:creationId xmlns:a16="http://schemas.microsoft.com/office/drawing/2014/main" id="{E5786C9F-6993-66A2-E893-0F9706D60458}"/>
-              </a:ext>
-            </a:extLst>
-          </p:cNvPr>
-          <p:cNvCxnSpPr>
-            <a:cxnSpLocks/>
-          </p:cNvCxnSpPr>
-          <p:nvPr/>
-        </p:nvCxnSpPr>
-        <p:spPr>
-          <a:xfrm>
-            <a:off x="8886548" y="3018408"/>
-            <a:ext cx="328473" cy="1145160"/>
-          </a:xfrm>
-          <a:prstGeom prst="straightConnector1">
-            <a:avLst/>
-          </a:prstGeom>
-          <a:ln>
-            <a:tailEnd type="triangle"/>
-          </a:ln>
-        </p:spPr>
-        <p:style>
-          <a:lnRef idx="1">
-            <a:schemeClr val="accent1"/>
-          </a:lnRef>
-          <a:fillRef idx="0">
-            <a:schemeClr val="accent1"/>
-          </a:fillRef>
-          <a:effectRef idx="0">
-            <a:schemeClr val="accent1"/>
-          </a:effectRef>
-          <a:fontRef idx="minor">
-            <a:schemeClr val="tx1"/>
-          </a:fontRef>
-        </p:style>
-      </p:cxnSp>
-      <p:sp>
-        <p:nvSpPr>
-          <p:cNvPr id="19" name="ZoneTexte 18">
-            <a:extLst>
-              <a:ext uri="{FF2B5EF4-FFF2-40B4-BE49-F238E27FC236}">
-                <a16:creationId xmlns:a16="http://schemas.microsoft.com/office/drawing/2014/main" id="{A2D8A15D-1805-2158-62D6-C4C80C4319FF}"/>
-              </a:ext>
-            </a:extLst>
-          </p:cNvPr>
-          <p:cNvSpPr txBox="1"/>
-          <p:nvPr/>
-        </p:nvSpPr>
-        <p:spPr>
-          <a:xfrm>
-            <a:off x="8360382" y="2596724"/>
-            <a:ext cx="944489" cy="369332"/>
-          </a:xfrm>
-          <a:prstGeom prst="rect">
-            <a:avLst/>
-          </a:prstGeom>
-          <a:noFill/>
-        </p:spPr>
-        <p:txBody>
-          <a:bodyPr wrap="square" rtlCol="0">
-            <a:spAutoFit/>
-          </a:bodyPr>
-          <a:lstStyle/>
-          <a:p>
-            <a:r>
-              <a:rPr lang="fr-FR" dirty="0"/>
-              <a:t>Attributs</a:t>
+              <a:t>Dans le constructeur de la classe on va ainsi instancier notre objet PDO à partir des attributs en question.</a:t>
             </a:r>
           </a:p>
         </p:txBody>
@@ -9424,7 +8256,7 @@
     </p:spTree>
     <p:extLst>
       <p:ext uri="{BB962C8B-B14F-4D97-AF65-F5344CB8AC3E}">
-        <p14:creationId xmlns:p14="http://schemas.microsoft.com/office/powerpoint/2010/main" val="1282760014"/>
+        <p14:creationId xmlns:p14="http://schemas.microsoft.com/office/powerpoint/2010/main" val="991671701"/>
       </p:ext>
     </p:extLst>
   </p:cSld>
@@ -9469,7 +8301,7 @@
         </p:nvSpPr>
         <p:spPr>
           <a:xfrm>
-            <a:off x="6460551" y="1268022"/>
+            <a:off x="6393439" y="870975"/>
             <a:ext cx="5731449" cy="887949"/>
           </a:xfrm>
         </p:spPr>
@@ -9488,7 +8320,7 @@
                   </a:schemeClr>
                 </a:solidFill>
               </a:rPr>
-              <a:t>Classe</a:t>
+              <a:t>Pdo</a:t>
             </a:r>
             <a:r>
               <a:rPr lang="en-US" sz="5400" b="1" i="1" dirty="0">
@@ -9499,7 +8331,7 @@
                   </a:schemeClr>
                 </a:solidFill>
               </a:rPr>
-              <a:t> : le $this</a:t>
+              <a:t> : fetch</a:t>
             </a:r>
             <a:endParaRPr lang="fr-FR" sz="5400" b="1" i="1" dirty="0">
               <a:solidFill>
@@ -9526,8 +8358,8 @@
         </p:nvSpPr>
         <p:spPr>
           <a:xfrm>
-            <a:off x="549389" y="2325101"/>
-            <a:ext cx="10519103" cy="923330"/>
+            <a:off x="397749" y="2384654"/>
+            <a:ext cx="4887314" cy="1200329"/>
           </a:xfrm>
           <a:prstGeom prst="rect">
             <a:avLst/>
@@ -9540,40 +8372,19 @@
           </a:bodyPr>
           <a:lstStyle/>
           <a:p>
+            <a:pPr algn="ctr"/>
             <a:r>
               <a:rPr lang="fr-FR" dirty="0"/>
-              <a:t>Le « </a:t>
-            </a:r>
-            <a:r>
-              <a:rPr lang="fr-FR" b="1" dirty="0"/>
-              <a:t>$</a:t>
+              <a:t>Afin d’exécuter une requête vers une base de données, on voit passer l’objet PDO en utilisant la méthode « </a:t>
             </a:r>
             <a:r>
               <a:rPr lang="fr-FR" b="1" dirty="0" err="1"/>
-              <a:t>this</a:t>
-            </a:r>
-            <a:r>
-              <a:rPr lang="fr-FR" b="1" dirty="0"/>
-              <a:t> </a:t>
+              <a:t>query</a:t>
             </a:r>
             <a:r>
               <a:rPr lang="fr-FR" dirty="0"/>
-              <a:t>» représente « </a:t>
-            </a:r>
-            <a:r>
-              <a:rPr lang="fr-FR" b="1" dirty="0"/>
-              <a:t>cette instance </a:t>
-            </a:r>
-            <a:r>
-              <a:rPr lang="fr-FR" dirty="0"/>
-              <a:t>» de la classe, on ne peut s’en servir qu’à l’intérieur d’une classe.</a:t>
-            </a:r>
-          </a:p>
-          <a:p>
-            <a:endParaRPr lang="fr-FR" dirty="0"/>
-          </a:p>
-          <a:p>
-            <a:endParaRPr lang="fr-FR" dirty="0"/>
+              <a:t> », suivi de la requête sous forme de chaîne de caractère :</a:t>
+            </a:r>
           </a:p>
         </p:txBody>
       </p:sp>
@@ -9616,7 +8427,7 @@
           <p:cNvPr id="4" name="Image 3">
             <a:extLst>
               <a:ext uri="{FF2B5EF4-FFF2-40B4-BE49-F238E27FC236}">
-                <a16:creationId xmlns:a16="http://schemas.microsoft.com/office/drawing/2014/main" id="{1184D838-B631-E2A6-D264-AC48387D4981}"/>
+                <a16:creationId xmlns:a16="http://schemas.microsoft.com/office/drawing/2014/main" id="{689F8F8B-B3E7-E10F-2742-D4F844818168}"/>
               </a:ext>
             </a:extLst>
           </p:cNvPr>
@@ -9633,20 +8444,50 @@
         </p:blipFill>
         <p:spPr>
           <a:xfrm>
-            <a:off x="5414585" y="3329342"/>
-            <a:ext cx="4348176" cy="1092452"/>
+            <a:off x="5485188" y="2384654"/>
+            <a:ext cx="6309063" cy="1349799"/>
           </a:xfrm>
           <a:prstGeom prst="rect">
             <a:avLst/>
           </a:prstGeom>
         </p:spPr>
       </p:pic>
-      <p:sp>
-        <p:nvSpPr>
-          <p:cNvPr id="8" name="ZoneTexte 7">
+      <p:pic>
+        <p:nvPicPr>
+          <p:cNvPr id="10" name="Image 9">
             <a:extLst>
               <a:ext uri="{FF2B5EF4-FFF2-40B4-BE49-F238E27FC236}">
-                <a16:creationId xmlns:a16="http://schemas.microsoft.com/office/drawing/2014/main" id="{057C1851-15FD-5AA9-6F65-6B5DA254A9FC}"/>
+                <a16:creationId xmlns:a16="http://schemas.microsoft.com/office/drawing/2014/main" id="{2D93FEEF-6843-3580-FBF5-663A5C51EAC7}"/>
+              </a:ext>
+            </a:extLst>
+          </p:cNvPr>
+          <p:cNvPicPr>
+            <a:picLocks noChangeAspect="1"/>
+          </p:cNvPicPr>
+          <p:nvPr/>
+        </p:nvPicPr>
+        <p:blipFill>
+          <a:blip r:embed="rId3"/>
+          <a:stretch>
+            <a:fillRect/>
+          </a:stretch>
+        </p:blipFill>
+        <p:spPr>
+          <a:xfrm>
+            <a:off x="2090178" y="5139918"/>
+            <a:ext cx="8011643" cy="1000265"/>
+          </a:xfrm>
+          <a:prstGeom prst="rect">
+            <a:avLst/>
+          </a:prstGeom>
+        </p:spPr>
+      </p:pic>
+      <p:sp>
+        <p:nvSpPr>
+          <p:cNvPr id="11" name="ZoneTexte 10">
+            <a:extLst>
+              <a:ext uri="{FF2B5EF4-FFF2-40B4-BE49-F238E27FC236}">
+                <a16:creationId xmlns:a16="http://schemas.microsoft.com/office/drawing/2014/main" id="{700349E4-7D32-C614-9322-4599336294F2}"/>
               </a:ext>
             </a:extLst>
           </p:cNvPr>
@@ -9655,8 +8496,8 @@
         </p:nvSpPr>
         <p:spPr>
           <a:xfrm>
-            <a:off x="836468" y="3413903"/>
-            <a:ext cx="4348176" cy="923330"/>
+            <a:off x="397749" y="4140896"/>
+            <a:ext cx="11185641" cy="646331"/>
           </a:xfrm>
           <a:prstGeom prst="rect">
             <a:avLst/>
@@ -9664,38 +8505,39 @@
           <a:noFill/>
         </p:spPr>
         <p:txBody>
-          <a:bodyPr wrap="square" rtlCol="0">
+          <a:bodyPr wrap="square">
             <a:spAutoFit/>
           </a:bodyPr>
           <a:lstStyle/>
           <a:p>
+            <a:pPr algn="ctr"/>
             <a:r>
               <a:rPr lang="fr-FR" dirty="0"/>
-              <a:t>Ainsi le contenu de la méthode «</a:t>
-            </a:r>
-            <a:r>
-              <a:rPr lang="fr-FR" b="1" dirty="0"/>
-              <a:t> </a:t>
+              <a:t>Une fois la requête créée, il faut utiliser la méthode </a:t>
             </a:r>
             <a:r>
               <a:rPr lang="fr-FR" b="1" dirty="0" err="1"/>
-              <a:t>getNom</a:t>
-            </a:r>
-            <a:r>
-              <a:rPr lang="fr-FR" b="1" dirty="0"/>
-              <a:t>() </a:t>
+              <a:t>fetch</a:t>
             </a:r>
             <a:r>
               <a:rPr lang="fr-FR" dirty="0"/>
-              <a:t>», renvoie la valeur de l’attribut « </a:t>
-            </a:r>
-            <a:r>
-              <a:rPr lang="fr-FR" b="1" dirty="0"/>
-              <a:t>nom</a:t>
+              <a:t> dessus, </a:t>
+            </a:r>
+            <a:r>
+              <a:rPr lang="fr-FR" b="1" dirty="0" err="1"/>
+              <a:t>fetch</a:t>
             </a:r>
             <a:r>
               <a:rPr lang="fr-FR" dirty="0"/>
-              <a:t> » de la classe courante.</a:t>
+              <a:t> renvoie le premier résultat de la requête, le </a:t>
+            </a:r>
+            <a:r>
+              <a:rPr lang="fr-FR" b="1" dirty="0" err="1"/>
+              <a:t>fetchAll</a:t>
+            </a:r>
+            <a:r>
+              <a:rPr lang="fr-FR" dirty="0"/>
+              <a:t> renvoie tous les résultats :</a:t>
             </a:r>
           </a:p>
         </p:txBody>
@@ -9703,7 +8545,7 @@
     </p:spTree>
     <p:extLst>
       <p:ext uri="{BB962C8B-B14F-4D97-AF65-F5344CB8AC3E}">
-        <p14:creationId xmlns:p14="http://schemas.microsoft.com/office/powerpoint/2010/main" val="4037993549"/>
+        <p14:creationId xmlns:p14="http://schemas.microsoft.com/office/powerpoint/2010/main" val="1337151787"/>
       </p:ext>
     </p:extLst>
   </p:cSld>
@@ -9748,7 +8590,7 @@
         </p:nvSpPr>
         <p:spPr>
           <a:xfrm>
-            <a:off x="6460551" y="1268022"/>
+            <a:off x="6393439" y="870975"/>
             <a:ext cx="5731449" cy="887949"/>
           </a:xfrm>
         </p:spPr>
@@ -9767,7 +8609,7 @@
                   </a:schemeClr>
                 </a:solidFill>
               </a:rPr>
-              <a:t>Utilisation</a:t>
+              <a:t>Pdo</a:t>
             </a:r>
             <a:r>
               <a:rPr lang="en-US" sz="5400" b="1" i="1" dirty="0">
@@ -9778,7 +8620,18 @@
                   </a:schemeClr>
                 </a:solidFill>
               </a:rPr>
-              <a:t> des classes</a:t>
+              <a:t> : </a:t>
+            </a:r>
+            <a:r>
+              <a:rPr lang="en-US" sz="5400" b="1" i="1" dirty="0" err="1">
+                <a:solidFill>
+                  <a:schemeClr val="tx1">
+                    <a:lumMod val="95000"/>
+                    <a:lumOff val="5000"/>
+                  </a:schemeClr>
+                </a:solidFill>
+              </a:rPr>
+              <a:t>fetchobject</a:t>
             </a:r>
             <a:endParaRPr lang="fr-FR" sz="5400" b="1" i="1" dirty="0">
               <a:solidFill>
@@ -9805,8 +8658,8 @@
         </p:nvSpPr>
         <p:spPr>
           <a:xfrm>
-            <a:off x="908682" y="2316656"/>
-            <a:ext cx="10519103" cy="369332"/>
+            <a:off x="397749" y="2384654"/>
+            <a:ext cx="11141581" cy="1754326"/>
           </a:xfrm>
           <a:prstGeom prst="rect">
             <a:avLst/>
@@ -9821,16 +8674,91 @@
           <a:p>
             <a:r>
               <a:rPr lang="fr-FR" dirty="0"/>
-              <a:t>C’est à ce moment là que l’on va parler d’instanciation, pour cela on va utiliser le mot-clé « </a:t>
+              <a:t>Le </a:t>
+            </a:r>
+            <a:r>
+              <a:rPr lang="fr-FR" b="1" dirty="0" err="1"/>
+              <a:t>fetchObject</a:t>
+            </a:r>
+            <a:r>
+              <a:rPr lang="fr-FR" dirty="0"/>
+              <a:t> va essayer de vous créer un objet, à partir de la classe passée en paramètre (ici </a:t>
+            </a:r>
+            <a:r>
+              <a:rPr lang="fr-FR" b="1" dirty="0" err="1"/>
+              <a:t>Pokemon</a:t>
             </a:r>
             <a:r>
               <a:rPr lang="fr-FR" b="1" dirty="0"/>
-              <a:t>new</a:t>
+              <a:t>::class</a:t>
             </a:r>
             <a:r>
               <a:rPr lang="fr-FR" dirty="0"/>
-              <a:t> » :</a:t>
-            </a:r>
+              <a:t>).</a:t>
+            </a:r>
+            <a:br>
+              <a:rPr lang="fr-FR" dirty="0"/>
+            </a:br>
+            <a:r>
+              <a:rPr lang="fr-FR" dirty="0"/>
+              <a:t>Cela nécessitera que </a:t>
+            </a:r>
+            <a:r>
+              <a:rPr lang="fr-FR" b="1" dirty="0"/>
+              <a:t>le nom des attributs de votre classe soient identiques à celui de la colonne de votre base de données</a:t>
+            </a:r>
+            <a:r>
+              <a:rPr lang="fr-FR" dirty="0"/>
+              <a:t>, par exemple, si vous avez un attribut « </a:t>
+            </a:r>
+            <a:r>
+              <a:rPr lang="fr-FR" b="1" dirty="0"/>
+              <a:t>$</a:t>
+            </a:r>
+            <a:r>
+              <a:rPr lang="fr-FR" b="1" dirty="0" err="1"/>
+              <a:t>name</a:t>
+            </a:r>
+            <a:r>
+              <a:rPr lang="fr-FR" b="1" dirty="0"/>
+              <a:t> </a:t>
+            </a:r>
+            <a:r>
+              <a:rPr lang="fr-FR" dirty="0"/>
+              <a:t>» dans votre classe, en base de données vous devez avoir une colonne « </a:t>
+            </a:r>
+            <a:r>
+              <a:rPr lang="fr-FR" b="1" dirty="0" err="1"/>
+              <a:t>name</a:t>
+            </a:r>
+            <a:r>
+              <a:rPr lang="fr-FR" dirty="0"/>
+              <a:t> ».</a:t>
+            </a:r>
+            <a:br>
+              <a:rPr lang="fr-FR" dirty="0"/>
+            </a:br>
+            <a:r>
+              <a:rPr lang="fr-FR" dirty="0"/>
+              <a:t>S’il n’y arrive pas, alors vous allez avoir une « </a:t>
+            </a:r>
+            <a:r>
+              <a:rPr lang="fr-FR" b="1" dirty="0" err="1"/>
+              <a:t>stdClass</a:t>
+            </a:r>
+            <a:r>
+              <a:rPr lang="fr-FR" dirty="0"/>
+              <a:t> » qui est une classe générique de PHP, avec des attributs publiques (inconvénient : aucune </a:t>
+            </a:r>
+            <a:r>
+              <a:rPr lang="fr-FR" dirty="0" err="1"/>
+              <a:t>auto-complétion</a:t>
+            </a:r>
+            <a:r>
+              <a:rPr lang="fr-FR" dirty="0"/>
+              <a:t> sur votre objet)</a:t>
+            </a:r>
+            <a:endParaRPr lang="fr-FR" b="1" dirty="0"/>
           </a:p>
         </p:txBody>
       </p:sp>
@@ -9870,10 +8798,10 @@
       </p:sp>
       <p:pic>
         <p:nvPicPr>
-          <p:cNvPr id="4" name="Image 3">
+          <p:cNvPr id="5" name="Image 4">
             <a:extLst>
               <a:ext uri="{FF2B5EF4-FFF2-40B4-BE49-F238E27FC236}">
-                <a16:creationId xmlns:a16="http://schemas.microsoft.com/office/drawing/2014/main" id="{E1D7CB3C-397B-AAAA-9A36-B06AF2B7C289}"/>
+                <a16:creationId xmlns:a16="http://schemas.microsoft.com/office/drawing/2014/main" id="{63CB6731-8DBE-B736-479D-06E547957D3E}"/>
               </a:ext>
             </a:extLst>
           </p:cNvPr>
@@ -9890,396 +8818,18 @@
         </p:blipFill>
         <p:spPr>
           <a:xfrm>
-            <a:off x="3057923" y="2846673"/>
-            <a:ext cx="6076153" cy="479325"/>
+            <a:off x="2633179" y="4544295"/>
+            <a:ext cx="6925642" cy="1543265"/>
           </a:xfrm>
           <a:prstGeom prst="rect">
             <a:avLst/>
           </a:prstGeom>
         </p:spPr>
       </p:pic>
-      <p:cxnSp>
-        <p:nvCxnSpPr>
-          <p:cNvPr id="16" name="Connecteur droit avec flèche 15">
-            <a:extLst>
-              <a:ext uri="{FF2B5EF4-FFF2-40B4-BE49-F238E27FC236}">
-                <a16:creationId xmlns:a16="http://schemas.microsoft.com/office/drawing/2014/main" id="{231D653D-3FBA-D58D-04FA-A4EAC089813B}"/>
-              </a:ext>
-            </a:extLst>
-          </p:cNvPr>
-          <p:cNvCxnSpPr/>
-          <p:nvPr/>
-        </p:nvCxnSpPr>
-        <p:spPr>
-          <a:xfrm flipV="1">
-            <a:off x="2849732" y="3258105"/>
-            <a:ext cx="656948" cy="887767"/>
-          </a:xfrm>
-          <a:prstGeom prst="straightConnector1">
-            <a:avLst/>
-          </a:prstGeom>
-          <a:ln>
-            <a:tailEnd type="triangle"/>
-          </a:ln>
-        </p:spPr>
-        <p:style>
-          <a:lnRef idx="1">
-            <a:schemeClr val="accent1"/>
-          </a:lnRef>
-          <a:fillRef idx="0">
-            <a:schemeClr val="accent1"/>
-          </a:fillRef>
-          <a:effectRef idx="0">
-            <a:schemeClr val="accent1"/>
-          </a:effectRef>
-          <a:fontRef idx="minor">
-            <a:schemeClr val="tx1"/>
-          </a:fontRef>
-        </p:style>
-      </p:cxnSp>
-      <p:cxnSp>
-        <p:nvCxnSpPr>
-          <p:cNvPr id="18" name="Connecteur droit avec flèche 17">
-            <a:extLst>
-              <a:ext uri="{FF2B5EF4-FFF2-40B4-BE49-F238E27FC236}">
-                <a16:creationId xmlns:a16="http://schemas.microsoft.com/office/drawing/2014/main" id="{C88D6E16-6799-32CC-06C4-228CDA8D12C3}"/>
-              </a:ext>
-            </a:extLst>
-          </p:cNvPr>
-          <p:cNvCxnSpPr>
-            <a:cxnSpLocks/>
-          </p:cNvCxnSpPr>
-          <p:nvPr/>
-        </p:nvCxnSpPr>
-        <p:spPr>
-          <a:xfrm flipV="1">
-            <a:off x="4355021" y="3238717"/>
-            <a:ext cx="751119" cy="1617368"/>
-          </a:xfrm>
-          <a:prstGeom prst="straightConnector1">
-            <a:avLst/>
-          </a:prstGeom>
-          <a:ln>
-            <a:tailEnd type="triangle"/>
-          </a:ln>
-        </p:spPr>
-        <p:style>
-          <a:lnRef idx="1">
-            <a:schemeClr val="accent1"/>
-          </a:lnRef>
-          <a:fillRef idx="0">
-            <a:schemeClr val="accent1"/>
-          </a:fillRef>
-          <a:effectRef idx="0">
-            <a:schemeClr val="accent1"/>
-          </a:effectRef>
-          <a:fontRef idx="minor">
-            <a:schemeClr val="tx1"/>
-          </a:fontRef>
-        </p:style>
-      </p:cxnSp>
-      <p:cxnSp>
-        <p:nvCxnSpPr>
-          <p:cNvPr id="20" name="Connecteur droit avec flèche 19">
-            <a:extLst>
-              <a:ext uri="{FF2B5EF4-FFF2-40B4-BE49-F238E27FC236}">
-                <a16:creationId xmlns:a16="http://schemas.microsoft.com/office/drawing/2014/main" id="{9AA70B62-C69E-06D4-51A6-B1BED596F92A}"/>
-              </a:ext>
-            </a:extLst>
-          </p:cNvPr>
-          <p:cNvCxnSpPr>
-            <a:cxnSpLocks/>
-          </p:cNvCxnSpPr>
-          <p:nvPr/>
-        </p:nvCxnSpPr>
-        <p:spPr>
-          <a:xfrm flipV="1">
-            <a:off x="5882936" y="3258105"/>
-            <a:ext cx="0" cy="868379"/>
-          </a:xfrm>
-          <a:prstGeom prst="straightConnector1">
-            <a:avLst/>
-          </a:prstGeom>
-          <a:ln>
-            <a:tailEnd type="triangle"/>
-          </a:ln>
-        </p:spPr>
-        <p:style>
-          <a:lnRef idx="1">
-            <a:schemeClr val="accent1"/>
-          </a:lnRef>
-          <a:fillRef idx="0">
-            <a:schemeClr val="accent1"/>
-          </a:fillRef>
-          <a:effectRef idx="0">
-            <a:schemeClr val="accent1"/>
-          </a:effectRef>
-          <a:fontRef idx="minor">
-            <a:schemeClr val="tx1"/>
-          </a:fontRef>
-        </p:style>
-      </p:cxnSp>
-      <p:cxnSp>
-        <p:nvCxnSpPr>
-          <p:cNvPr id="22" name="Connecteur droit avec flèche 21">
-            <a:extLst>
-              <a:ext uri="{FF2B5EF4-FFF2-40B4-BE49-F238E27FC236}">
-                <a16:creationId xmlns:a16="http://schemas.microsoft.com/office/drawing/2014/main" id="{88F03500-6620-0722-A1DD-D003AABD7947}"/>
-              </a:ext>
-            </a:extLst>
-          </p:cNvPr>
-          <p:cNvCxnSpPr>
-            <a:cxnSpLocks/>
-          </p:cNvCxnSpPr>
-          <p:nvPr/>
-        </p:nvCxnSpPr>
-        <p:spPr>
-          <a:xfrm flipH="1" flipV="1">
-            <a:off x="7836980" y="3238717"/>
-            <a:ext cx="525785" cy="906831"/>
-          </a:xfrm>
-          <a:prstGeom prst="straightConnector1">
-            <a:avLst/>
-          </a:prstGeom>
-          <a:ln>
-            <a:tailEnd type="triangle"/>
-          </a:ln>
-        </p:spPr>
-        <p:style>
-          <a:lnRef idx="1">
-            <a:schemeClr val="accent1"/>
-          </a:lnRef>
-          <a:fillRef idx="0">
-            <a:schemeClr val="accent1"/>
-          </a:fillRef>
-          <a:effectRef idx="0">
-            <a:schemeClr val="accent1"/>
-          </a:effectRef>
-          <a:fontRef idx="minor">
-            <a:schemeClr val="tx1"/>
-          </a:fontRef>
-        </p:style>
-      </p:cxnSp>
-      <p:sp>
-        <p:nvSpPr>
-          <p:cNvPr id="24" name="ZoneTexte 23">
-            <a:extLst>
-              <a:ext uri="{FF2B5EF4-FFF2-40B4-BE49-F238E27FC236}">
-                <a16:creationId xmlns:a16="http://schemas.microsoft.com/office/drawing/2014/main" id="{54B3A6F6-719F-F3B8-D6BE-4CA5CD320DC8}"/>
-              </a:ext>
-            </a:extLst>
-          </p:cNvPr>
-          <p:cNvSpPr txBox="1"/>
-          <p:nvPr/>
-        </p:nvSpPr>
-        <p:spPr>
-          <a:xfrm>
-            <a:off x="1907220" y="4071658"/>
-            <a:ext cx="1515351" cy="646331"/>
-          </a:xfrm>
-          <a:prstGeom prst="rect">
-            <a:avLst/>
-          </a:prstGeom>
-          <a:noFill/>
-        </p:spPr>
-        <p:txBody>
-          <a:bodyPr wrap="none" rtlCol="0">
-            <a:spAutoFit/>
-          </a:bodyPr>
-          <a:lstStyle/>
-          <a:p>
-            <a:r>
-              <a:rPr lang="fr-FR" dirty="0"/>
-              <a:t>Déclaration </a:t>
-            </a:r>
-            <a:br>
-              <a:rPr lang="fr-FR" dirty="0"/>
-            </a:br>
-            <a:r>
-              <a:rPr lang="fr-FR" dirty="0"/>
-              <a:t>d’une variable</a:t>
-            </a:r>
-          </a:p>
-        </p:txBody>
-      </p:sp>
-      <p:sp>
-        <p:nvSpPr>
-          <p:cNvPr id="25" name="ZoneTexte 24">
-            <a:extLst>
-              <a:ext uri="{FF2B5EF4-FFF2-40B4-BE49-F238E27FC236}">
-                <a16:creationId xmlns:a16="http://schemas.microsoft.com/office/drawing/2014/main" id="{F64E7C14-6A5A-5772-BBD2-C0967F6A2440}"/>
-              </a:ext>
-            </a:extLst>
-          </p:cNvPr>
-          <p:cNvSpPr txBox="1"/>
-          <p:nvPr/>
-        </p:nvSpPr>
-        <p:spPr>
-          <a:xfrm>
-            <a:off x="2940581" y="4940037"/>
-            <a:ext cx="3039615" cy="923330"/>
-          </a:xfrm>
-          <a:prstGeom prst="rect">
-            <a:avLst/>
-          </a:prstGeom>
-          <a:noFill/>
-        </p:spPr>
-        <p:txBody>
-          <a:bodyPr wrap="none" rtlCol="0">
-            <a:spAutoFit/>
-          </a:bodyPr>
-          <a:lstStyle/>
-          <a:p>
-            <a:r>
-              <a:rPr lang="fr-FR" dirty="0"/>
-              <a:t>Mot clé « new »</a:t>
-            </a:r>
-            <a:br>
-              <a:rPr lang="fr-FR" dirty="0"/>
-            </a:br>
-            <a:r>
-              <a:rPr lang="fr-FR" dirty="0"/>
-              <a:t>Il représente le fait d’instancier</a:t>
-            </a:r>
-            <a:br>
-              <a:rPr lang="fr-FR" dirty="0"/>
-            </a:br>
-            <a:r>
-              <a:rPr lang="fr-FR" dirty="0"/>
-              <a:t>d’une classe </a:t>
-            </a:r>
-          </a:p>
-        </p:txBody>
-      </p:sp>
-      <p:sp>
-        <p:nvSpPr>
-          <p:cNvPr id="27" name="ZoneTexte 26">
-            <a:extLst>
-              <a:ext uri="{FF2B5EF4-FFF2-40B4-BE49-F238E27FC236}">
-                <a16:creationId xmlns:a16="http://schemas.microsoft.com/office/drawing/2014/main" id="{153E5A91-07FC-AA57-C028-62F88D1D012D}"/>
-              </a:ext>
-            </a:extLst>
-          </p:cNvPr>
-          <p:cNvSpPr txBox="1"/>
-          <p:nvPr/>
-        </p:nvSpPr>
-        <p:spPr>
-          <a:xfrm>
-            <a:off x="5005131" y="4090338"/>
-            <a:ext cx="1755609" cy="646331"/>
-          </a:xfrm>
-          <a:prstGeom prst="rect">
-            <a:avLst/>
-          </a:prstGeom>
-          <a:noFill/>
-        </p:spPr>
-        <p:txBody>
-          <a:bodyPr wrap="none" rtlCol="0">
-            <a:spAutoFit/>
-          </a:bodyPr>
-          <a:lstStyle/>
-          <a:p>
-            <a:r>
-              <a:rPr lang="fr-FR" dirty="0"/>
-              <a:t>Nom de la classe</a:t>
-            </a:r>
-            <a:br>
-              <a:rPr lang="fr-FR" dirty="0"/>
-            </a:br>
-            <a:r>
-              <a:rPr lang="fr-FR" dirty="0"/>
-              <a:t>à instancier</a:t>
-            </a:r>
-          </a:p>
-        </p:txBody>
-      </p:sp>
-      <p:sp>
-        <p:nvSpPr>
-          <p:cNvPr id="28" name="ZoneTexte 27">
-            <a:extLst>
-              <a:ext uri="{FF2B5EF4-FFF2-40B4-BE49-F238E27FC236}">
-                <a16:creationId xmlns:a16="http://schemas.microsoft.com/office/drawing/2014/main" id="{2282A4E8-50CC-C9EF-784C-C8085761DBBE}"/>
-              </a:ext>
-            </a:extLst>
-          </p:cNvPr>
-          <p:cNvSpPr txBox="1"/>
-          <p:nvPr/>
-        </p:nvSpPr>
-        <p:spPr>
-          <a:xfrm>
-            <a:off x="7085862" y="4171521"/>
-            <a:ext cx="2564869" cy="646331"/>
-          </a:xfrm>
-          <a:prstGeom prst="rect">
-            <a:avLst/>
-          </a:prstGeom>
-          <a:noFill/>
-        </p:spPr>
-        <p:txBody>
-          <a:bodyPr wrap="none" rtlCol="0">
-            <a:spAutoFit/>
-          </a:bodyPr>
-          <a:lstStyle/>
-          <a:p>
-            <a:r>
-              <a:rPr lang="fr-FR" dirty="0"/>
-              <a:t>Paramètre du constructeur</a:t>
-            </a:r>
-            <a:br>
-              <a:rPr lang="fr-FR" dirty="0"/>
-            </a:br>
-            <a:r>
-              <a:rPr lang="fr-FR" dirty="0"/>
-              <a:t>de la classe</a:t>
-            </a:r>
-          </a:p>
-        </p:txBody>
-      </p:sp>
-      <p:sp>
-        <p:nvSpPr>
-          <p:cNvPr id="29" name="ZoneTexte 28">
-            <a:extLst>
-              <a:ext uri="{FF2B5EF4-FFF2-40B4-BE49-F238E27FC236}">
-                <a16:creationId xmlns:a16="http://schemas.microsoft.com/office/drawing/2014/main" id="{5E745154-000B-64BF-D9BD-CD93F279A5EA}"/>
-              </a:ext>
-            </a:extLst>
-          </p:cNvPr>
-          <p:cNvSpPr txBox="1"/>
-          <p:nvPr/>
-        </p:nvSpPr>
-        <p:spPr>
-          <a:xfrm>
-            <a:off x="53896" y="5962858"/>
-            <a:ext cx="12084206" cy="369332"/>
-          </a:xfrm>
-          <a:prstGeom prst="rect">
-            <a:avLst/>
-          </a:prstGeom>
-          <a:noFill/>
-        </p:spPr>
-        <p:txBody>
-          <a:bodyPr wrap="none" rtlCol="0">
-            <a:spAutoFit/>
-          </a:bodyPr>
-          <a:lstStyle/>
-          <a:p>
-            <a:r>
-              <a:rPr lang="fr-FR" b="1" dirty="0">
-                <a:solidFill>
-                  <a:schemeClr val="accent1">
-                    <a:lumMod val="75000"/>
-                  </a:schemeClr>
-                </a:solidFill>
-              </a:rPr>
-              <a:t>(PS : il est très important de comprendre que lorsque l’on créé une classe, on ajoute un nouveau type dans notre application)</a:t>
-            </a:r>
-          </a:p>
-        </p:txBody>
-      </p:sp>
     </p:spTree>
     <p:extLst>
       <p:ext uri="{BB962C8B-B14F-4D97-AF65-F5344CB8AC3E}">
-        <p14:creationId xmlns:p14="http://schemas.microsoft.com/office/powerpoint/2010/main" val="1864677885"/>
+        <p14:creationId xmlns:p14="http://schemas.microsoft.com/office/powerpoint/2010/main" val="267606293"/>
       </p:ext>
     </p:extLst>
   </p:cSld>
@@ -10324,7 +8874,7 @@
         </p:nvSpPr>
         <p:spPr>
           <a:xfrm>
-            <a:off x="6460551" y="1268022"/>
+            <a:off x="6250826" y="996810"/>
             <a:ext cx="5731449" cy="887949"/>
           </a:xfrm>
         </p:spPr>
@@ -10343,7 +8893,7 @@
                   </a:schemeClr>
                 </a:solidFill>
               </a:rPr>
-              <a:t>Utilisation</a:t>
+              <a:t>Pdo</a:t>
             </a:r>
             <a:r>
               <a:rPr lang="en-US" sz="5400" b="1" i="1" dirty="0">
@@ -10354,7 +8904,29 @@
                   </a:schemeClr>
                 </a:solidFill>
               </a:rPr>
-              <a:t> des classes</a:t>
+              <a:t> : </a:t>
+            </a:r>
+            <a:r>
+              <a:rPr lang="en-US" sz="5400" b="1" i="1" dirty="0" err="1">
+                <a:solidFill>
+                  <a:schemeClr val="tx1">
+                    <a:lumMod val="95000"/>
+                    <a:lumOff val="5000"/>
+                  </a:schemeClr>
+                </a:solidFill>
+              </a:rPr>
+              <a:t>fetchall</a:t>
+            </a:r>
+            <a:r>
+              <a:rPr lang="en-US" sz="5400" b="1" i="1" dirty="0">
+                <a:solidFill>
+                  <a:schemeClr val="tx1">
+                    <a:lumMod val="95000"/>
+                    <a:lumOff val="5000"/>
+                  </a:schemeClr>
+                </a:solidFill>
+              </a:rPr>
+              <a:t> as object</a:t>
             </a:r>
             <a:endParaRPr lang="fr-FR" sz="5400" b="1" i="1" dirty="0">
               <a:solidFill>
@@ -10381,8 +8953,8 @@
         </p:nvSpPr>
         <p:spPr>
           <a:xfrm>
-            <a:off x="908682" y="2316656"/>
-            <a:ext cx="10519103" cy="1200329"/>
+            <a:off x="397749" y="2384654"/>
+            <a:ext cx="11141581" cy="923330"/>
           </a:xfrm>
           <a:prstGeom prst="rect">
             <a:avLst/>
@@ -10397,57 +8969,48 @@
           <a:p>
             <a:r>
               <a:rPr lang="fr-FR" dirty="0"/>
-              <a:t>Lorsque l’on instancie une classe, la variable devient un objet du type de la classe créée, autrement dit la variable « </a:t>
+              <a:t>Le </a:t>
+            </a:r>
+            <a:r>
+              <a:rPr lang="fr-FR" dirty="0" err="1"/>
+              <a:t>fetchAll</a:t>
+            </a:r>
+            <a:r>
+              <a:rPr lang="fr-FR" dirty="0"/>
+              <a:t> par défaut, nous renvoie un tableau avec chacune des colonnes de la table en question</a:t>
             </a:r>
             <a:r>
               <a:rPr lang="fr-FR" b="1" dirty="0"/>
-              <a:t>$</a:t>
+              <a:t>.</a:t>
+            </a:r>
+            <a:r>
+              <a:rPr lang="fr-FR" dirty="0"/>
+              <a:t> Mais il est possible de récupérer directement des objets créés, à la manière du </a:t>
             </a:r>
             <a:r>
               <a:rPr lang="fr-FR" b="1" dirty="0" err="1"/>
-              <a:t>renault</a:t>
-            </a:r>
-            <a:r>
-              <a:rPr lang="fr-FR" b="1" dirty="0"/>
-              <a:t> </a:t>
+              <a:t>fetchObject</a:t>
             </a:r>
             <a:r>
               <a:rPr lang="fr-FR" dirty="0"/>
-              <a:t>» est du type « </a:t>
-            </a:r>
-            <a:r>
-              <a:rPr lang="fr-FR" b="1" dirty="0"/>
-              <a:t>Marque</a:t>
-            </a:r>
-            <a:r>
-              <a:rPr lang="fr-FR" dirty="0"/>
-              <a:t> ».</a:t>
-            </a:r>
-          </a:p>
-          <a:p>
+              <a:t>.</a:t>
+            </a:r>
             <a:br>
               <a:rPr lang="fr-FR" dirty="0"/>
             </a:br>
             <a:r>
               <a:rPr lang="fr-FR" dirty="0"/>
-              <a:t>On peut maintenant utiliser les méthodes déclarées dans la classe Marque depuis la variable « </a:t>
+              <a:t>Il faut lui passer en paramètre « </a:t>
             </a:r>
             <a:r>
               <a:rPr lang="fr-FR" b="1" dirty="0"/>
-              <a:t>$</a:t>
-            </a:r>
-            <a:r>
-              <a:rPr lang="fr-FR" b="1" dirty="0" err="1"/>
-              <a:t>renault</a:t>
-            </a:r>
-            <a:r>
-              <a:rPr lang="fr-FR" b="1" dirty="0"/>
-              <a:t> </a:t>
+              <a:t>PDO::FETCH_CLASS</a:t>
             </a:r>
             <a:r>
               <a:rPr lang="fr-FR" dirty="0"/>
-              <a:t>» :</a:t>
-            </a:r>
+              <a:t> » et le nom de la classe de l’objet à récupérer :</a:t>
+            </a:r>
+            <a:endParaRPr lang="fr-FR" b="1" dirty="0"/>
           </a:p>
         </p:txBody>
       </p:sp>
@@ -10487,10 +9050,10 @@
       </p:sp>
       <p:pic>
         <p:nvPicPr>
-          <p:cNvPr id="5" name="Image 4">
+          <p:cNvPr id="4" name="Image 3">
             <a:extLst>
               <a:ext uri="{FF2B5EF4-FFF2-40B4-BE49-F238E27FC236}">
-                <a16:creationId xmlns:a16="http://schemas.microsoft.com/office/drawing/2014/main" id="{5B69F012-0451-FC50-0C6F-59AA9420A29B}"/>
+                <a16:creationId xmlns:a16="http://schemas.microsoft.com/office/drawing/2014/main" id="{697F555B-BB49-1CC1-080D-CA5A25E5FFD9}"/>
               </a:ext>
             </a:extLst>
           </p:cNvPr>
@@ -10507,32 +9070,100 @@
         </p:blipFill>
         <p:spPr>
           <a:xfrm>
-            <a:off x="3802962" y="3758607"/>
-            <a:ext cx="4586076" cy="565815"/>
+            <a:off x="2180678" y="3737059"/>
+            <a:ext cx="7830643" cy="1514686"/>
           </a:xfrm>
           <a:prstGeom prst="rect">
             <a:avLst/>
           </a:prstGeom>
         </p:spPr>
       </p:pic>
-      <p:cxnSp>
-        <p:nvCxnSpPr>
-          <p:cNvPr id="9" name="Connecteur droit avec flèche 8">
+      <p:sp>
+        <p:nvSpPr>
+          <p:cNvPr id="8" name="ZoneTexte 7">
             <a:extLst>
               <a:ext uri="{FF2B5EF4-FFF2-40B4-BE49-F238E27FC236}">
-                <a16:creationId xmlns:a16="http://schemas.microsoft.com/office/drawing/2014/main" id="{6D4AC2A2-2D81-135C-1D90-CA5BAF577DC5}"/>
+                <a16:creationId xmlns:a16="http://schemas.microsoft.com/office/drawing/2014/main" id="{B13B9ABD-1BF4-D2F1-2AF8-86A304D82F4B}"/>
               </a:ext>
             </a:extLst>
           </p:cNvPr>
-          <p:cNvCxnSpPr>
-            <a:cxnSpLocks/>
-          </p:cNvCxnSpPr>
+          <p:cNvSpPr txBox="1"/>
+          <p:nvPr/>
+        </p:nvSpPr>
+        <p:spPr>
+          <a:xfrm>
+            <a:off x="2180678" y="5680820"/>
+            <a:ext cx="4019242" cy="369332"/>
+          </a:xfrm>
+          <a:prstGeom prst="rect">
+            <a:avLst/>
+          </a:prstGeom>
+          <a:noFill/>
+        </p:spPr>
+        <p:txBody>
+          <a:bodyPr wrap="none" rtlCol="0">
+            <a:spAutoFit/>
+          </a:bodyPr>
+          <a:lstStyle/>
+          <a:p>
+            <a:r>
+              <a:rPr lang="fr-FR" dirty="0"/>
+              <a:t>Option indiquant que l’ont veut des objets</a:t>
+            </a:r>
+          </a:p>
+        </p:txBody>
+      </p:sp>
+      <p:sp>
+        <p:nvSpPr>
+          <p:cNvPr id="9" name="ZoneTexte 8">
+            <a:extLst>
+              <a:ext uri="{FF2B5EF4-FFF2-40B4-BE49-F238E27FC236}">
+                <a16:creationId xmlns:a16="http://schemas.microsoft.com/office/drawing/2014/main" id="{5C4A2479-A942-DB27-E913-BE32AF0C291A}"/>
+              </a:ext>
+            </a:extLst>
+          </p:cNvPr>
+          <p:cNvSpPr txBox="1"/>
+          <p:nvPr/>
+        </p:nvSpPr>
+        <p:spPr>
+          <a:xfrm>
+            <a:off x="8019875" y="5676524"/>
+            <a:ext cx="1726755" cy="369332"/>
+          </a:xfrm>
+          <a:prstGeom prst="rect">
+            <a:avLst/>
+          </a:prstGeom>
+          <a:noFill/>
+        </p:spPr>
+        <p:txBody>
+          <a:bodyPr wrap="none" rtlCol="0">
+            <a:spAutoFit/>
+          </a:bodyPr>
+          <a:lstStyle/>
+          <a:p>
+            <a:r>
+              <a:rPr lang="fr-FR" dirty="0"/>
+              <a:t>La classe à créer</a:t>
+            </a:r>
+          </a:p>
+        </p:txBody>
+      </p:sp>
+      <p:cxnSp>
+        <p:nvCxnSpPr>
+          <p:cNvPr id="11" name="Connecteur droit avec flèche 10">
+            <a:extLst>
+              <a:ext uri="{FF2B5EF4-FFF2-40B4-BE49-F238E27FC236}">
+                <a16:creationId xmlns:a16="http://schemas.microsoft.com/office/drawing/2014/main" id="{DB544622-3015-F44C-CD3F-50CB13FB49FB}"/>
+              </a:ext>
+            </a:extLst>
+          </p:cNvPr>
+          <p:cNvCxnSpPr/>
           <p:nvPr/>
         </p:nvCxnSpPr>
         <p:spPr>
           <a:xfrm flipV="1">
-            <a:off x="5788241" y="4136994"/>
-            <a:ext cx="834501" cy="896645"/>
+            <a:off x="4865615" y="4907560"/>
+            <a:ext cx="1334305" cy="768964"/>
           </a:xfrm>
           <a:prstGeom prst="straightConnector1">
             <a:avLst/>
@@ -10558,10 +9189,10 @@
       </p:cxnSp>
       <p:cxnSp>
         <p:nvCxnSpPr>
-          <p:cNvPr id="11" name="Connecteur droit avec flèche 10">
+          <p:cNvPr id="12" name="Connecteur droit avec flèche 11">
             <a:extLst>
               <a:ext uri="{FF2B5EF4-FFF2-40B4-BE49-F238E27FC236}">
-                <a16:creationId xmlns:a16="http://schemas.microsoft.com/office/drawing/2014/main" id="{C4F16F87-D601-C1FD-8DDE-C808D27F53C6}"/>
+                <a16:creationId xmlns:a16="http://schemas.microsoft.com/office/drawing/2014/main" id="{7F5EBF3E-08A6-6F0E-4735-42173FA38B67}"/>
               </a:ext>
             </a:extLst>
           </p:cNvPr>
@@ -10571,9 +9202,9 @@
           <p:nvPr/>
         </p:nvCxnSpPr>
         <p:spPr>
-          <a:xfrm flipH="1" flipV="1">
-            <a:off x="7445973" y="4197061"/>
-            <a:ext cx="366377" cy="632391"/>
+          <a:xfrm flipV="1">
+            <a:off x="8800051" y="4983061"/>
+            <a:ext cx="0" cy="693463"/>
           </a:xfrm>
           <a:prstGeom prst="straightConnector1">
             <a:avLst/>
@@ -10597,156 +9228,10 @@
           </a:fontRef>
         </p:style>
       </p:cxnSp>
-      <p:cxnSp>
-        <p:nvCxnSpPr>
-          <p:cNvPr id="15" name="Connecteur droit avec flèche 14">
-            <a:extLst>
-              <a:ext uri="{FF2B5EF4-FFF2-40B4-BE49-F238E27FC236}">
-                <a16:creationId xmlns:a16="http://schemas.microsoft.com/office/drawing/2014/main" id="{B89B0CC5-9D98-4D6C-8BF5-A374FF7896EF}"/>
-              </a:ext>
-            </a:extLst>
-          </p:cNvPr>
-          <p:cNvCxnSpPr>
-            <a:cxnSpLocks/>
-          </p:cNvCxnSpPr>
-          <p:nvPr/>
-        </p:nvCxnSpPr>
-        <p:spPr>
-          <a:xfrm flipV="1">
-            <a:off x="3156241" y="4197061"/>
-            <a:ext cx="2292602" cy="747801"/>
-          </a:xfrm>
-          <a:prstGeom prst="straightConnector1">
-            <a:avLst/>
-          </a:prstGeom>
-          <a:ln>
-            <a:tailEnd type="triangle"/>
-          </a:ln>
-        </p:spPr>
-        <p:style>
-          <a:lnRef idx="1">
-            <a:schemeClr val="accent1"/>
-          </a:lnRef>
-          <a:fillRef idx="0">
-            <a:schemeClr val="accent1"/>
-          </a:fillRef>
-          <a:effectRef idx="0">
-            <a:schemeClr val="accent1"/>
-          </a:effectRef>
-          <a:fontRef idx="minor">
-            <a:schemeClr val="tx1"/>
-          </a:fontRef>
-        </p:style>
-      </p:cxnSp>
-      <p:sp>
-        <p:nvSpPr>
-          <p:cNvPr id="23" name="ZoneTexte 22">
-            <a:extLst>
-              <a:ext uri="{FF2B5EF4-FFF2-40B4-BE49-F238E27FC236}">
-                <a16:creationId xmlns:a16="http://schemas.microsoft.com/office/drawing/2014/main" id="{0B8C7883-FC28-9420-397A-075F4298B090}"/>
-              </a:ext>
-            </a:extLst>
-          </p:cNvPr>
-          <p:cNvSpPr txBox="1"/>
-          <p:nvPr/>
-        </p:nvSpPr>
-        <p:spPr>
-          <a:xfrm>
-            <a:off x="1389945" y="4944862"/>
-            <a:ext cx="2428402" cy="923330"/>
-          </a:xfrm>
-          <a:prstGeom prst="rect">
-            <a:avLst/>
-          </a:prstGeom>
-          <a:noFill/>
-        </p:spPr>
-        <p:txBody>
-          <a:bodyPr wrap="square" rtlCol="0">
-            <a:spAutoFit/>
-          </a:bodyPr>
-          <a:lstStyle/>
-          <a:p>
-            <a:r>
-              <a:rPr lang="fr-FR" dirty="0"/>
-              <a:t>Une variable, qui est une instance de la classe en question</a:t>
-            </a:r>
-          </a:p>
-        </p:txBody>
-      </p:sp>
-      <p:sp>
-        <p:nvSpPr>
-          <p:cNvPr id="31" name="ZoneTexte 30">
-            <a:extLst>
-              <a:ext uri="{FF2B5EF4-FFF2-40B4-BE49-F238E27FC236}">
-                <a16:creationId xmlns:a16="http://schemas.microsoft.com/office/drawing/2014/main" id="{B03D0F0C-BE5B-DB24-EBD9-59045732234B}"/>
-              </a:ext>
-            </a:extLst>
-          </p:cNvPr>
-          <p:cNvSpPr txBox="1"/>
-          <p:nvPr/>
-        </p:nvSpPr>
-        <p:spPr>
-          <a:xfrm>
-            <a:off x="4505059" y="5033639"/>
-            <a:ext cx="2428402" cy="923330"/>
-          </a:xfrm>
-          <a:prstGeom prst="rect">
-            <a:avLst/>
-          </a:prstGeom>
-          <a:noFill/>
-        </p:spPr>
-        <p:txBody>
-          <a:bodyPr wrap="square" rtlCol="0">
-            <a:spAutoFit/>
-          </a:bodyPr>
-          <a:lstStyle/>
-          <a:p>
-            <a:r>
-              <a:rPr lang="fr-FR" dirty="0"/>
-              <a:t>On utilise une flèche pour appeler les méthodes de la classe</a:t>
-            </a:r>
-          </a:p>
-        </p:txBody>
-      </p:sp>
-      <p:sp>
-        <p:nvSpPr>
-          <p:cNvPr id="32" name="ZoneTexte 31">
-            <a:extLst>
-              <a:ext uri="{FF2B5EF4-FFF2-40B4-BE49-F238E27FC236}">
-                <a16:creationId xmlns:a16="http://schemas.microsoft.com/office/drawing/2014/main" id="{8C4958C9-3B4E-58F1-ECE5-8CE63335E61D}"/>
-              </a:ext>
-            </a:extLst>
-          </p:cNvPr>
-          <p:cNvSpPr txBox="1"/>
-          <p:nvPr/>
-        </p:nvSpPr>
-        <p:spPr>
-          <a:xfrm>
-            <a:off x="7002442" y="4815831"/>
-            <a:ext cx="2428402" cy="369332"/>
-          </a:xfrm>
-          <a:prstGeom prst="rect">
-            <a:avLst/>
-          </a:prstGeom>
-          <a:noFill/>
-        </p:spPr>
-        <p:txBody>
-          <a:bodyPr wrap="square" rtlCol="0">
-            <a:spAutoFit/>
-          </a:bodyPr>
-          <a:lstStyle/>
-          <a:p>
-            <a:r>
-              <a:rPr lang="fr-FR" dirty="0"/>
-              <a:t>La méthode appelée</a:t>
-            </a:r>
-          </a:p>
-        </p:txBody>
-      </p:sp>
     </p:spTree>
     <p:extLst>
       <p:ext uri="{BB962C8B-B14F-4D97-AF65-F5344CB8AC3E}">
-        <p14:creationId xmlns:p14="http://schemas.microsoft.com/office/powerpoint/2010/main" val="4184734238"/>
+        <p14:creationId xmlns:p14="http://schemas.microsoft.com/office/powerpoint/2010/main" val="778046825"/>
       </p:ext>
     </p:extLst>
   </p:cSld>
@@ -10791,7 +9276,7 @@
         </p:nvSpPr>
         <p:spPr>
           <a:xfrm>
-            <a:off x="6460551" y="1268022"/>
+            <a:off x="6250826" y="996810"/>
             <a:ext cx="5731449" cy="887949"/>
           </a:xfrm>
         </p:spPr>
@@ -10810,7 +9295,7 @@
                   </a:schemeClr>
                 </a:solidFill>
               </a:rPr>
-              <a:t>Utilisation</a:t>
+              <a:t>Pdo</a:t>
             </a:r>
             <a:r>
               <a:rPr lang="en-US" sz="5400" b="1" i="1" dirty="0">
@@ -10821,7 +9306,7 @@
                   </a:schemeClr>
                 </a:solidFill>
               </a:rPr>
-              <a:t> des classes</a:t>
+              <a:t> : parameter binding</a:t>
             </a:r>
             <a:endParaRPr lang="fr-FR" sz="5400" b="1" i="1" dirty="0">
               <a:solidFill>
@@ -10836,6 +9321,58 @@
       </p:sp>
       <p:sp>
         <p:nvSpPr>
+          <p:cNvPr id="6" name="ZoneTexte 5">
+            <a:extLst>
+              <a:ext uri="{FF2B5EF4-FFF2-40B4-BE49-F238E27FC236}">
+                <a16:creationId xmlns:a16="http://schemas.microsoft.com/office/drawing/2014/main" id="{8938453C-91DF-45CC-BBF8-AE46E21A43CF}"/>
+              </a:ext>
+            </a:extLst>
+          </p:cNvPr>
+          <p:cNvSpPr txBox="1"/>
+          <p:nvPr/>
+        </p:nvSpPr>
+        <p:spPr>
+          <a:xfrm>
+            <a:off x="397749" y="2384654"/>
+            <a:ext cx="11141581" cy="646331"/>
+          </a:xfrm>
+          <a:prstGeom prst="rect">
+            <a:avLst/>
+          </a:prstGeom>
+          <a:noFill/>
+        </p:spPr>
+        <p:txBody>
+          <a:bodyPr wrap="square">
+            <a:spAutoFit/>
+          </a:bodyPr>
+          <a:lstStyle/>
+          <a:p>
+            <a:r>
+              <a:rPr lang="fr-FR" dirty="0"/>
+              <a:t>Il est possible d’effectuer des requêtes avec paramètres, afin de les dynamiser, notamment pour les </a:t>
+            </a:r>
+            <a:r>
+              <a:rPr lang="fr-FR" b="1" dirty="0"/>
+              <a:t>WHERE</a:t>
+            </a:r>
+            <a:r>
+              <a:rPr lang="fr-FR" dirty="0"/>
+              <a:t>. Il faudra indiquer à PHP que l’on souhaite lui passer un paramètre avec la fonction « </a:t>
+            </a:r>
+            <a:r>
+              <a:rPr lang="fr-FR" b="1" dirty="0" err="1"/>
+              <a:t>bindValue</a:t>
+            </a:r>
+            <a:r>
+              <a:rPr lang="fr-FR" dirty="0"/>
+              <a:t> » :</a:t>
+            </a:r>
+            <a:endParaRPr lang="fr-FR" b="1" dirty="0"/>
+          </a:p>
+        </p:txBody>
+      </p:sp>
+      <p:sp>
+        <p:nvSpPr>
           <p:cNvPr id="7" name="Espace réservé du numéro de diapositive 6">
             <a:extLst>
               <a:ext uri="{FF2B5EF4-FFF2-40B4-BE49-F238E27FC236}">
@@ -10870,10 +9407,10 @@
       </p:sp>
       <p:pic>
         <p:nvPicPr>
-          <p:cNvPr id="4" name="Image 3">
+          <p:cNvPr id="5" name="Image 4">
             <a:extLst>
               <a:ext uri="{FF2B5EF4-FFF2-40B4-BE49-F238E27FC236}">
-                <a16:creationId xmlns:a16="http://schemas.microsoft.com/office/drawing/2014/main" id="{EEF5A28B-F7F3-9668-4FAC-BB7FDE0AEE69}"/>
+                <a16:creationId xmlns:a16="http://schemas.microsoft.com/office/drawing/2014/main" id="{C6D9A40B-CE99-CDD1-652D-59083D916711}"/>
               </a:ext>
             </a:extLst>
           </p:cNvPr>
@@ -10890,8 +9427,8 @@
         </p:blipFill>
         <p:spPr>
           <a:xfrm>
-            <a:off x="5604120" y="2329869"/>
-            <a:ext cx="5973009" cy="4163006"/>
+            <a:off x="351952" y="3824403"/>
+            <a:ext cx="8183117" cy="2105319"/>
           </a:xfrm>
           <a:prstGeom prst="rect">
             <a:avLst/>
@@ -10900,10 +9437,10 @@
       </p:pic>
       <p:sp>
         <p:nvSpPr>
-          <p:cNvPr id="8" name="ZoneTexte 7">
+          <p:cNvPr id="10" name="ZoneTexte 9">
             <a:extLst>
               <a:ext uri="{FF2B5EF4-FFF2-40B4-BE49-F238E27FC236}">
-                <a16:creationId xmlns:a16="http://schemas.microsoft.com/office/drawing/2014/main" id="{5F4C59E4-47DB-A407-CC2C-2D7283CC2B57}"/>
+                <a16:creationId xmlns:a16="http://schemas.microsoft.com/office/drawing/2014/main" id="{24EBDD69-1D5B-0156-794A-0A2AED4593F3}"/>
               </a:ext>
             </a:extLst>
           </p:cNvPr>
@@ -10912,8 +9449,8 @@
         </p:nvSpPr>
         <p:spPr>
           <a:xfrm>
-            <a:off x="353447" y="2967335"/>
-            <a:ext cx="5035506" cy="2862322"/>
+            <a:off x="8718960" y="3265487"/>
+            <a:ext cx="3203325" cy="646331"/>
           </a:xfrm>
           <a:prstGeom prst="rect">
             <a:avLst/>
@@ -10921,65 +9458,323 @@
           <a:noFill/>
         </p:spPr>
         <p:txBody>
-          <a:bodyPr wrap="square">
+          <a:bodyPr wrap="square" rtlCol="0">
             <a:spAutoFit/>
           </a:bodyPr>
           <a:lstStyle/>
           <a:p>
             <a:r>
               <a:rPr lang="fr-FR" dirty="0"/>
-              <a:t>On a déclaré un « </a:t>
+              <a:t>Paramètre attendu dans la requête : « </a:t>
             </a:r>
             <a:r>
               <a:rPr lang="fr-FR" b="1" dirty="0"/>
-              <a:t>getter</a:t>
+              <a:t>?</a:t>
             </a:r>
             <a:r>
               <a:rPr lang="fr-FR" dirty="0"/>
-              <a:t> » pour le nom, afin de récupérer le nom de la marque, si l’on souhaite la modifier en dehors, on doit faire un « </a:t>
-            </a:r>
+              <a:t> »</a:t>
+            </a:r>
+          </a:p>
+        </p:txBody>
+      </p:sp>
+      <p:cxnSp>
+        <p:nvCxnSpPr>
+          <p:cNvPr id="14" name="Connecteur droit avec flèche 13">
+            <a:extLst>
+              <a:ext uri="{FF2B5EF4-FFF2-40B4-BE49-F238E27FC236}">
+                <a16:creationId xmlns:a16="http://schemas.microsoft.com/office/drawing/2014/main" id="{C9D272A2-E2BE-8702-9697-DFB52EC7FF17}"/>
+              </a:ext>
+            </a:extLst>
+          </p:cNvPr>
+          <p:cNvCxnSpPr>
+            <a:cxnSpLocks/>
+          </p:cNvCxnSpPr>
+          <p:nvPr/>
+        </p:nvCxnSpPr>
+        <p:spPr>
+          <a:xfrm>
+            <a:off x="3301182" y="3660431"/>
+            <a:ext cx="171860" cy="785734"/>
+          </a:xfrm>
+          <a:prstGeom prst="straightConnector1">
+            <a:avLst/>
+          </a:prstGeom>
+          <a:ln>
+            <a:tailEnd type="triangle"/>
+          </a:ln>
+        </p:spPr>
+        <p:style>
+          <a:lnRef idx="1">
+            <a:schemeClr val="accent1"/>
+          </a:lnRef>
+          <a:fillRef idx="0">
+            <a:schemeClr val="accent1"/>
+          </a:fillRef>
+          <a:effectRef idx="0">
+            <a:schemeClr val="accent1"/>
+          </a:effectRef>
+          <a:fontRef idx="minor">
+            <a:schemeClr val="tx1"/>
+          </a:fontRef>
+        </p:style>
+      </p:cxnSp>
+      <p:sp>
+        <p:nvSpPr>
+          <p:cNvPr id="16" name="ZoneTexte 15">
+            <a:extLst>
+              <a:ext uri="{FF2B5EF4-FFF2-40B4-BE49-F238E27FC236}">
+                <a16:creationId xmlns:a16="http://schemas.microsoft.com/office/drawing/2014/main" id="{A55350B4-059C-DA0E-CF68-383E37670F52}"/>
+              </a:ext>
+            </a:extLst>
+          </p:cNvPr>
+          <p:cNvSpPr txBox="1"/>
+          <p:nvPr/>
+        </p:nvSpPr>
+        <p:spPr>
+          <a:xfrm>
+            <a:off x="8718960" y="4133255"/>
+            <a:ext cx="3203325" cy="1200329"/>
+          </a:xfrm>
+          <a:prstGeom prst="rect">
+            <a:avLst/>
+          </a:prstGeom>
+          <a:noFill/>
+        </p:spPr>
+        <p:txBody>
+          <a:bodyPr wrap="square" rtlCol="0">
+            <a:spAutoFit/>
+          </a:bodyPr>
+          <a:lstStyle/>
+          <a:p>
             <a:r>
               <a:rPr lang="fr-FR" b="1" dirty="0"/>
-              <a:t>setter</a:t>
-            </a:r>
+              <a:t>« </a:t>
+            </a:r>
+            <a:r>
+              <a:rPr lang="fr-FR" b="1" dirty="0" err="1"/>
+              <a:t>bindValue</a:t>
+            </a:r>
+            <a:r>
+              <a:rPr lang="fr-FR" b="1" dirty="0"/>
+              <a:t> », le premier param est la position du param attendu et le deuxième la valeur du param</a:t>
+            </a:r>
+          </a:p>
+        </p:txBody>
+      </p:sp>
+      <p:cxnSp>
+        <p:nvCxnSpPr>
+          <p:cNvPr id="17" name="Connecteur droit avec flèche 16">
+            <a:extLst>
+              <a:ext uri="{FF2B5EF4-FFF2-40B4-BE49-F238E27FC236}">
+                <a16:creationId xmlns:a16="http://schemas.microsoft.com/office/drawing/2014/main" id="{D2E574FA-9B53-4ACF-F0F3-A3F114E1ABEB}"/>
+              </a:ext>
+            </a:extLst>
+          </p:cNvPr>
+          <p:cNvCxnSpPr>
+            <a:cxnSpLocks/>
+          </p:cNvCxnSpPr>
+          <p:nvPr/>
+        </p:nvCxnSpPr>
+        <p:spPr>
+          <a:xfrm flipH="1">
+            <a:off x="4286774" y="4877062"/>
+            <a:ext cx="4432186" cy="0"/>
+          </a:xfrm>
+          <a:prstGeom prst="straightConnector1">
+            <a:avLst/>
+          </a:prstGeom>
+          <a:ln>
+            <a:tailEnd type="triangle"/>
+          </a:ln>
+        </p:spPr>
+        <p:style>
+          <a:lnRef idx="1">
+            <a:schemeClr val="accent1"/>
+          </a:lnRef>
+          <a:fillRef idx="0">
+            <a:schemeClr val="accent1"/>
+          </a:fillRef>
+          <a:effectRef idx="0">
+            <a:schemeClr val="accent1"/>
+          </a:effectRef>
+          <a:fontRef idx="minor">
+            <a:schemeClr val="tx1"/>
+          </a:fontRef>
+        </p:style>
+      </p:cxnSp>
+      <p:sp>
+        <p:nvSpPr>
+          <p:cNvPr id="21" name="ZoneTexte 20">
+            <a:extLst>
+              <a:ext uri="{FF2B5EF4-FFF2-40B4-BE49-F238E27FC236}">
+                <a16:creationId xmlns:a16="http://schemas.microsoft.com/office/drawing/2014/main" id="{4449D0C6-D1C0-5D55-59FB-B71B267D7DF3}"/>
+              </a:ext>
+            </a:extLst>
+          </p:cNvPr>
+          <p:cNvSpPr txBox="1"/>
+          <p:nvPr/>
+        </p:nvSpPr>
+        <p:spPr>
+          <a:xfrm>
+            <a:off x="396507" y="3078000"/>
+            <a:ext cx="5473790" cy="646331"/>
+          </a:xfrm>
+          <a:prstGeom prst="rect">
+            <a:avLst/>
+          </a:prstGeom>
+          <a:noFill/>
+        </p:spPr>
+        <p:txBody>
+          <a:bodyPr wrap="square" rtlCol="0">
+            <a:spAutoFit/>
+          </a:bodyPr>
+          <a:lstStyle/>
+          <a:p>
             <a:r>
               <a:rPr lang="fr-FR" dirty="0"/>
-              <a:t> ».</a:t>
-            </a:r>
-            <a:br>
+              <a:t>Cette fois on doit utiliser « </a:t>
+            </a:r>
+            <a:r>
+              <a:rPr lang="fr-FR" b="1" dirty="0" err="1"/>
+              <a:t>prepare</a:t>
+            </a:r>
+            <a:r>
               <a:rPr lang="fr-FR" dirty="0"/>
-            </a:br>
-            <a:br>
+              <a:t> » au lieu de « </a:t>
+            </a:r>
+            <a:r>
+              <a:rPr lang="fr-FR" b="1" dirty="0" err="1"/>
+              <a:t>query</a:t>
+            </a:r>
+            <a:r>
               <a:rPr lang="fr-FR" dirty="0"/>
-            </a:br>
+              <a:t> », car la requête ne va pas s’exécuter de suite</a:t>
+            </a:r>
+          </a:p>
+        </p:txBody>
+      </p:sp>
+      <p:cxnSp>
+        <p:nvCxnSpPr>
+          <p:cNvPr id="24" name="Connecteur droit avec flèche 23">
+            <a:extLst>
+              <a:ext uri="{FF2B5EF4-FFF2-40B4-BE49-F238E27FC236}">
+                <a16:creationId xmlns:a16="http://schemas.microsoft.com/office/drawing/2014/main" id="{F1589722-AC82-A081-D071-8BDEAD6FC1E5}"/>
+              </a:ext>
+            </a:extLst>
+          </p:cNvPr>
+          <p:cNvCxnSpPr>
+            <a:cxnSpLocks/>
+          </p:cNvCxnSpPr>
+          <p:nvPr/>
+        </p:nvCxnSpPr>
+        <p:spPr>
+          <a:xfrm flipH="1">
+            <a:off x="8054829" y="3792406"/>
+            <a:ext cx="664131" cy="690525"/>
+          </a:xfrm>
+          <a:prstGeom prst="straightConnector1">
+            <a:avLst/>
+          </a:prstGeom>
+          <a:ln>
+            <a:tailEnd type="triangle"/>
+          </a:ln>
+        </p:spPr>
+        <p:style>
+          <a:lnRef idx="1">
+            <a:schemeClr val="accent1"/>
+          </a:lnRef>
+          <a:fillRef idx="0">
+            <a:schemeClr val="accent1"/>
+          </a:fillRef>
+          <a:effectRef idx="0">
+            <a:schemeClr val="accent1"/>
+          </a:effectRef>
+          <a:fontRef idx="minor">
+            <a:schemeClr val="tx1"/>
+          </a:fontRef>
+        </p:style>
+      </p:cxnSp>
+      <p:sp>
+        <p:nvSpPr>
+          <p:cNvPr id="28" name="ZoneTexte 27">
+            <a:extLst>
+              <a:ext uri="{FF2B5EF4-FFF2-40B4-BE49-F238E27FC236}">
+                <a16:creationId xmlns:a16="http://schemas.microsoft.com/office/drawing/2014/main" id="{0CFF2131-DCD6-79B7-A237-D1A5B91EA364}"/>
+              </a:ext>
+            </a:extLst>
+          </p:cNvPr>
+          <p:cNvSpPr txBox="1"/>
+          <p:nvPr/>
+        </p:nvSpPr>
+        <p:spPr>
+          <a:xfrm>
+            <a:off x="351952" y="6029794"/>
+            <a:ext cx="3624430" cy="646331"/>
+          </a:xfrm>
+          <a:prstGeom prst="rect">
+            <a:avLst/>
+          </a:prstGeom>
+          <a:noFill/>
+        </p:spPr>
+        <p:txBody>
+          <a:bodyPr wrap="square" rtlCol="0">
+            <a:spAutoFit/>
+          </a:bodyPr>
+          <a:lstStyle/>
+          <a:p>
             <a:r>
               <a:rPr lang="fr-FR" dirty="0"/>
-              <a:t>Tous les setter fonctionnent de la même manière : par convention on met toujours « </a:t>
-            </a:r>
-            <a:r>
-              <a:rPr lang="fr-FR" b="1" dirty="0"/>
-              <a:t>set</a:t>
-            </a:r>
-            <a:r>
-              <a:rPr lang="fr-FR" dirty="0"/>
-              <a:t> » devant suivi du nom de la propriété.</a:t>
-            </a:r>
-          </a:p>
-          <a:p>
-            <a:endParaRPr lang="fr-FR" dirty="0"/>
-          </a:p>
-          <a:p>
-            <a:r>
-              <a:rPr lang="fr-FR" dirty="0"/>
-              <a:t>Le contenu de celle-ci doit venir affecter la valeur du nom au sein de la classe.</a:t>
-            </a:r>
-          </a:p>
-        </p:txBody>
-      </p:sp>
+              <a:t>Et une fois la requête « paramétrée », on doit l’exécuter</a:t>
+            </a:r>
+          </a:p>
+        </p:txBody>
+      </p:sp>
+      <p:cxnSp>
+        <p:nvCxnSpPr>
+          <p:cNvPr id="29" name="Connecteur droit avec flèche 28">
+            <a:extLst>
+              <a:ext uri="{FF2B5EF4-FFF2-40B4-BE49-F238E27FC236}">
+                <a16:creationId xmlns:a16="http://schemas.microsoft.com/office/drawing/2014/main" id="{3B10BEB8-F6CA-34F2-AD28-F23C7075185C}"/>
+              </a:ext>
+            </a:extLst>
+          </p:cNvPr>
+          <p:cNvCxnSpPr>
+            <a:cxnSpLocks/>
+          </p:cNvCxnSpPr>
+          <p:nvPr/>
+        </p:nvCxnSpPr>
+        <p:spPr>
+          <a:xfrm flipH="1" flipV="1">
+            <a:off x="2164167" y="5333584"/>
+            <a:ext cx="274347" cy="696210"/>
+          </a:xfrm>
+          <a:prstGeom prst="straightConnector1">
+            <a:avLst/>
+          </a:prstGeom>
+          <a:ln>
+            <a:tailEnd type="triangle"/>
+          </a:ln>
+        </p:spPr>
+        <p:style>
+          <a:lnRef idx="1">
+            <a:schemeClr val="accent1"/>
+          </a:lnRef>
+          <a:fillRef idx="0">
+            <a:schemeClr val="accent1"/>
+          </a:fillRef>
+          <a:effectRef idx="0">
+            <a:schemeClr val="accent1"/>
+          </a:effectRef>
+          <a:fontRef idx="minor">
+            <a:schemeClr val="tx1"/>
+          </a:fontRef>
+        </p:style>
+      </p:cxnSp>
     </p:spTree>
     <p:extLst>
       <p:ext uri="{BB962C8B-B14F-4D97-AF65-F5344CB8AC3E}">
-        <p14:creationId xmlns:p14="http://schemas.microsoft.com/office/powerpoint/2010/main" val="2931311649"/>
+        <p14:creationId xmlns:p14="http://schemas.microsoft.com/office/powerpoint/2010/main" val="3772618003"/>
       </p:ext>
     </p:extLst>
   </p:cSld>
@@ -11024,7 +9819,7 @@
         </p:nvSpPr>
         <p:spPr>
           <a:xfrm>
-            <a:off x="6460551" y="752456"/>
+            <a:off x="6050060" y="879057"/>
             <a:ext cx="5731449" cy="887949"/>
           </a:xfrm>
         </p:spPr>
@@ -11034,6 +9829,17 @@
           </a:bodyPr>
           <a:lstStyle/>
           <a:p>
+            <a:r>
+              <a:rPr lang="en-US" sz="5400" b="1" i="1" dirty="0" err="1">
+                <a:solidFill>
+                  <a:schemeClr val="tx1">
+                    <a:lumMod val="95000"/>
+                    <a:lumOff val="5000"/>
+                  </a:schemeClr>
+                </a:solidFill>
+              </a:rPr>
+              <a:t>Pdo</a:t>
+            </a:r>
             <a:r>
               <a:rPr lang="en-US" sz="5400" b="1" i="1" dirty="0">
                 <a:solidFill>
@@ -11043,7 +9849,7 @@
                   </a:schemeClr>
                 </a:solidFill>
               </a:rPr>
-              <a:t>Les traits</a:t>
+              <a:t> : parameter binding</a:t>
             </a:r>
             <a:endParaRPr lang="fr-FR" sz="5400" b="1" i="1" dirty="0">
               <a:solidFill>
@@ -11058,6 +9864,74 @@
       </p:sp>
       <p:sp>
         <p:nvSpPr>
+          <p:cNvPr id="6" name="ZoneTexte 5">
+            <a:extLst>
+              <a:ext uri="{FF2B5EF4-FFF2-40B4-BE49-F238E27FC236}">
+                <a16:creationId xmlns:a16="http://schemas.microsoft.com/office/drawing/2014/main" id="{8938453C-91DF-45CC-BBF8-AE46E21A43CF}"/>
+              </a:ext>
+            </a:extLst>
+          </p:cNvPr>
+          <p:cNvSpPr txBox="1"/>
+          <p:nvPr/>
+        </p:nvSpPr>
+        <p:spPr>
+          <a:xfrm>
+            <a:off x="377197" y="1951672"/>
+            <a:ext cx="11345727" cy="1477328"/>
+          </a:xfrm>
+          <a:prstGeom prst="rect">
+            <a:avLst/>
+          </a:prstGeom>
+          <a:noFill/>
+        </p:spPr>
+        <p:txBody>
+          <a:bodyPr wrap="square">
+            <a:spAutoFit/>
+          </a:bodyPr>
+          <a:lstStyle/>
+          <a:p>
+            <a:r>
+              <a:rPr lang="fr-FR" b="1" dirty="0"/>
+              <a:t>Il est aussi possible de donner des « alias » aux paramètre d’une requête. Auparavant on utilisait un « ? » pour représenter un paramètre de la requête, là il va falloir passer par un « :NOM_ALIAS  ».</a:t>
+            </a:r>
+          </a:p>
+          <a:p>
+            <a:endParaRPr lang="fr-FR" b="1" dirty="0"/>
+          </a:p>
+          <a:p>
+            <a:r>
+              <a:rPr lang="fr-FR" dirty="0"/>
+              <a:t>La requête reste la même, on va utiliser un « </a:t>
+            </a:r>
+            <a:r>
+              <a:rPr lang="fr-FR" b="1" dirty="0" err="1"/>
+              <a:t>prepare</a:t>
+            </a:r>
+            <a:r>
+              <a:rPr lang="fr-FR" dirty="0"/>
+              <a:t> » sauf que l’on va passer par un « </a:t>
+            </a:r>
+            <a:r>
+              <a:rPr lang="fr-FR" b="1" dirty="0" err="1"/>
+              <a:t>bindParam</a:t>
+            </a:r>
+            <a:r>
+              <a:rPr lang="fr-FR" dirty="0"/>
+              <a:t> » au lieu de « </a:t>
+            </a:r>
+            <a:r>
+              <a:rPr lang="fr-FR" b="1" dirty="0" err="1"/>
+              <a:t>bindValue</a:t>
+            </a:r>
+            <a:r>
+              <a:rPr lang="fr-FR" dirty="0"/>
+              <a:t> ».</a:t>
+            </a:r>
+          </a:p>
+        </p:txBody>
+      </p:sp>
+      <p:sp>
+        <p:nvSpPr>
           <p:cNvPr id="7" name="Espace réservé du numéro de diapositive 6">
             <a:extLst>
               <a:ext uri="{FF2B5EF4-FFF2-40B4-BE49-F238E27FC236}">
@@ -11092,10 +9966,10 @@
       </p:sp>
       <p:pic>
         <p:nvPicPr>
-          <p:cNvPr id="5" name="Image 4">
+          <p:cNvPr id="4" name="Image 3">
             <a:extLst>
               <a:ext uri="{FF2B5EF4-FFF2-40B4-BE49-F238E27FC236}">
-                <a16:creationId xmlns:a16="http://schemas.microsoft.com/office/drawing/2014/main" id="{6F38DD41-4583-FF20-8853-A8CF385428F2}"/>
+                <a16:creationId xmlns:a16="http://schemas.microsoft.com/office/drawing/2014/main" id="{DB35CD03-7729-9583-E81A-5BEC664D4BD5}"/>
               </a:ext>
             </a:extLst>
           </p:cNvPr>
@@ -11112,8 +9986,8 @@
         </p:blipFill>
         <p:spPr>
           <a:xfrm>
-            <a:off x="6891888" y="1720840"/>
-            <a:ext cx="4851368" cy="4384704"/>
+            <a:off x="3276323" y="3271650"/>
+            <a:ext cx="8446601" cy="2183197"/>
           </a:xfrm>
           <a:prstGeom prst="rect">
             <a:avLst/>
@@ -11122,10 +9996,10 @@
       </p:pic>
       <p:sp>
         <p:nvSpPr>
-          <p:cNvPr id="6" name="ZoneTexte 5">
+          <p:cNvPr id="5" name="ZoneTexte 4">
             <a:extLst>
               <a:ext uri="{FF2B5EF4-FFF2-40B4-BE49-F238E27FC236}">
-                <a16:creationId xmlns:a16="http://schemas.microsoft.com/office/drawing/2014/main" id="{468909E8-A2E5-C0D2-9FD1-92E7DCC4C26C}"/>
+                <a16:creationId xmlns:a16="http://schemas.microsoft.com/office/drawing/2014/main" id="{20A56BBE-0370-A0E8-DD8E-CDDFC2EDB19F}"/>
               </a:ext>
             </a:extLst>
           </p:cNvPr>
@@ -11134,8 +10008,8 @@
         </p:nvSpPr>
         <p:spPr>
           <a:xfrm>
-            <a:off x="315921" y="1720840"/>
-            <a:ext cx="6405892" cy="5355312"/>
+            <a:off x="136567" y="3613666"/>
+            <a:ext cx="2464072" cy="369332"/>
           </a:xfrm>
           <a:prstGeom prst="rect">
             <a:avLst/>
@@ -11143,192 +10017,159 @@
           <a:noFill/>
         </p:spPr>
         <p:txBody>
-          <a:bodyPr wrap="square">
+          <a:bodyPr wrap="square" rtlCol="0">
             <a:spAutoFit/>
           </a:bodyPr>
           <a:lstStyle/>
           <a:p>
             <a:r>
               <a:rPr lang="fr-FR" dirty="0"/>
-              <a:t>Un trait est une « partial » d’attributs et méthodes à réutiliser dans les classes.</a:t>
-            </a:r>
-            <a:br>
-              <a:rPr lang="fr-FR" dirty="0"/>
-            </a:br>
-            <a:r>
-              <a:rPr lang="fr-FR" dirty="0"/>
-              <a:t>L’intérêt est de ne pas réécrire plusieurs fois ces attributs/méthodes.</a:t>
-            </a:r>
-          </a:p>
-          <a:p>
-            <a:endParaRPr lang="fr-FR" dirty="0"/>
-          </a:p>
-          <a:p>
-            <a:r>
-              <a:rPr lang="fr-FR" dirty="0"/>
-              <a:t>On utilise un « Trait » dans une classe via le mot-clé « use » :</a:t>
-            </a:r>
-            <a:br>
-              <a:rPr lang="fr-FR" dirty="0"/>
-            </a:br>
-            <a:br>
-              <a:rPr lang="fr-FR" dirty="0"/>
-            </a:br>
-            <a:br>
-              <a:rPr lang="fr-FR" dirty="0"/>
-            </a:br>
-            <a:r>
-              <a:rPr lang="fr-FR" dirty="0"/>
-              <a:t>Ainsi, les attributs « id » et « </a:t>
-            </a:r>
-            <a:r>
-              <a:rPr lang="fr-FR" dirty="0" err="1"/>
-              <a:t>name</a:t>
-            </a:r>
-            <a:r>
-              <a:rPr lang="fr-FR" dirty="0"/>
-              <a:t> »</a:t>
-            </a:r>
-            <a:br>
-              <a:rPr lang="fr-FR" dirty="0"/>
-            </a:br>
-            <a:r>
-              <a:rPr lang="fr-FR" dirty="0"/>
-              <a:t>existeront dans la classe « Model ».</a:t>
-            </a:r>
-            <a:br>
-              <a:rPr lang="fr-FR" dirty="0"/>
-            </a:br>
-            <a:br>
-              <a:rPr lang="fr-FR" dirty="0"/>
-            </a:br>
-            <a:br>
-              <a:rPr lang="fr-FR" dirty="0"/>
-            </a:br>
-            <a:r>
-              <a:rPr lang="fr-FR" dirty="0"/>
-              <a:t>On peut utiliser le mot</a:t>
-            </a:r>
-            <a:br>
-              <a:rPr lang="fr-FR" dirty="0"/>
-            </a:br>
-            <a:r>
-              <a:rPr lang="fr-FR" dirty="0"/>
-              <a:t>clé « </a:t>
-            </a:r>
-            <a:r>
-              <a:rPr lang="fr-FR" b="1" dirty="0"/>
-              <a:t>self</a:t>
-            </a:r>
-            <a:r>
-              <a:rPr lang="fr-FR" dirty="0"/>
-              <a:t> », dans ces</a:t>
-            </a:r>
-            <a:br>
-              <a:rPr lang="fr-FR" dirty="0"/>
-            </a:br>
-            <a:r>
-              <a:rPr lang="fr-FR" dirty="0"/>
-              <a:t>Traits, afin d’indiquer</a:t>
-            </a:r>
-            <a:br>
-              <a:rPr lang="fr-FR" dirty="0"/>
-            </a:br>
-            <a:r>
-              <a:rPr lang="fr-FR" dirty="0"/>
-              <a:t>que la méthode</a:t>
-            </a:r>
-            <a:br>
-              <a:rPr lang="fr-FR" dirty="0"/>
-            </a:br>
-            <a:r>
-              <a:rPr lang="fr-FR" dirty="0"/>
-              <a:t>renvoie un objet du </a:t>
-            </a:r>
-            <a:br>
-              <a:rPr lang="fr-FR" dirty="0"/>
-            </a:br>
-            <a:r>
-              <a:rPr lang="fr-FR" dirty="0"/>
-              <a:t>type qui utilise le trait.</a:t>
-            </a:r>
-            <a:br>
-              <a:rPr lang="fr-FR" dirty="0"/>
-            </a:br>
-            <a:r>
-              <a:rPr lang="fr-FR" dirty="0"/>
-              <a:t>(Ex : « fluent setter »)</a:t>
-            </a:r>
-          </a:p>
-          <a:p>
-            <a:endParaRPr lang="fr-FR" dirty="0"/>
-          </a:p>
-        </p:txBody>
-      </p:sp>
-      <p:pic>
-        <p:nvPicPr>
-          <p:cNvPr id="10" name="Image 9">
+              <a:t>Paramètre de la requête</a:t>
+            </a:r>
+          </a:p>
+        </p:txBody>
+      </p:sp>
+      <p:cxnSp>
+        <p:nvCxnSpPr>
+          <p:cNvPr id="9" name="Connecteur droit avec flèche 8">
             <a:extLst>
               <a:ext uri="{FF2B5EF4-FFF2-40B4-BE49-F238E27FC236}">
-                <a16:creationId xmlns:a16="http://schemas.microsoft.com/office/drawing/2014/main" id="{0F1F3F10-D0EC-7B4E-0435-2E01406A19AD}"/>
+                <a16:creationId xmlns:a16="http://schemas.microsoft.com/office/drawing/2014/main" id="{28BBC61C-A48B-DCAA-E020-BF36E16333D9}"/>
               </a:ext>
             </a:extLst>
           </p:cNvPr>
-          <p:cNvPicPr>
-            <a:picLocks noChangeAspect="1"/>
-          </p:cNvPicPr>
+          <p:cNvCxnSpPr>
+            <a:cxnSpLocks/>
+          </p:cNvCxnSpPr>
           <p:nvPr/>
-        </p:nvPicPr>
-        <p:blipFill>
-          <a:blip r:embed="rId3"/>
-          <a:stretch>
-            <a:fillRect/>
-          </a:stretch>
-        </p:blipFill>
-        <p:spPr>
-          <a:xfrm>
-            <a:off x="4226328" y="3322328"/>
-            <a:ext cx="2753109" cy="1562318"/>
+        </p:nvCxnSpPr>
+        <p:spPr>
+          <a:xfrm>
+            <a:off x="2531723" y="3883231"/>
+            <a:ext cx="1060563" cy="295351"/>
+          </a:xfrm>
+          <a:prstGeom prst="straightConnector1">
+            <a:avLst/>
+          </a:prstGeom>
+          <a:ln>
+            <a:tailEnd type="triangle"/>
+          </a:ln>
+        </p:spPr>
+        <p:style>
+          <a:lnRef idx="1">
+            <a:schemeClr val="accent1"/>
+          </a:lnRef>
+          <a:fillRef idx="0">
+            <a:schemeClr val="accent1"/>
+          </a:fillRef>
+          <a:effectRef idx="0">
+            <a:schemeClr val="accent1"/>
+          </a:effectRef>
+          <a:fontRef idx="minor">
+            <a:schemeClr val="tx1"/>
+          </a:fontRef>
+        </p:style>
+      </p:cxnSp>
+      <p:sp>
+        <p:nvSpPr>
+          <p:cNvPr id="11" name="ZoneTexte 10">
+            <a:extLst>
+              <a:ext uri="{FF2B5EF4-FFF2-40B4-BE49-F238E27FC236}">
+                <a16:creationId xmlns:a16="http://schemas.microsoft.com/office/drawing/2014/main" id="{AD7660F3-1D94-88C4-8263-66455007FF56}"/>
+              </a:ext>
+            </a:extLst>
+          </p:cNvPr>
+          <p:cNvSpPr txBox="1"/>
+          <p:nvPr/>
+        </p:nvSpPr>
+        <p:spPr>
+          <a:xfrm>
+            <a:off x="0" y="5486581"/>
+            <a:ext cx="4280042" cy="923330"/>
           </a:xfrm>
           <a:prstGeom prst="rect">
             <a:avLst/>
           </a:prstGeom>
-        </p:spPr>
-      </p:pic>
-      <p:pic>
-        <p:nvPicPr>
-          <p:cNvPr id="12" name="Image 11">
+          <a:noFill/>
+        </p:spPr>
+        <p:txBody>
+          <a:bodyPr wrap="square" rtlCol="0">
+            <a:spAutoFit/>
+          </a:bodyPr>
+          <a:lstStyle/>
+          <a:p>
+            <a:r>
+              <a:rPr lang="fr-FR" dirty="0"/>
+              <a:t>« </a:t>
+            </a:r>
+            <a:r>
+              <a:rPr lang="fr-FR" b="1" dirty="0" err="1"/>
+              <a:t>bindParam</a:t>
+            </a:r>
+            <a:r>
+              <a:rPr lang="fr-FR" dirty="0"/>
+              <a:t> » : le premier paramètre est le nom du param dans la requête (ici </a:t>
+            </a:r>
+            <a:r>
+              <a:rPr lang="fr-FR" b="1" dirty="0"/>
+              <a:t>:</a:t>
+            </a:r>
+            <a:r>
+              <a:rPr lang="fr-FR" b="1" dirty="0" err="1"/>
+              <a:t>name</a:t>
+            </a:r>
+            <a:r>
+              <a:rPr lang="fr-FR" dirty="0"/>
+              <a:t>) et le deuxième est la valeur du paramètre</a:t>
+            </a:r>
+          </a:p>
+        </p:txBody>
+      </p:sp>
+      <p:cxnSp>
+        <p:nvCxnSpPr>
+          <p:cNvPr id="14" name="Connecteur droit avec flèche 13">
             <a:extLst>
               <a:ext uri="{FF2B5EF4-FFF2-40B4-BE49-F238E27FC236}">
-                <a16:creationId xmlns:a16="http://schemas.microsoft.com/office/drawing/2014/main" id="{BEF8B029-F7E3-AB8B-61DE-7C0F69655254}"/>
+                <a16:creationId xmlns:a16="http://schemas.microsoft.com/office/drawing/2014/main" id="{68A8F2F1-6373-B6A7-42A1-6CE83DDBD8BB}"/>
               </a:ext>
             </a:extLst>
           </p:cNvPr>
-          <p:cNvPicPr>
-            <a:picLocks noChangeAspect="1"/>
-          </p:cNvPicPr>
+          <p:cNvCxnSpPr>
+            <a:cxnSpLocks/>
+          </p:cNvCxnSpPr>
           <p:nvPr/>
-        </p:nvPicPr>
-        <p:blipFill>
-          <a:blip r:embed="rId4"/>
-          <a:stretch>
-            <a:fillRect/>
-          </a:stretch>
-        </p:blipFill>
-        <p:spPr>
-          <a:xfrm>
-            <a:off x="2585135" y="4884646"/>
-            <a:ext cx="4394302" cy="1661645"/>
-          </a:xfrm>
-          <a:prstGeom prst="rect">
+        </p:nvCxnSpPr>
+        <p:spPr>
+          <a:xfrm flipV="1">
+            <a:off x="2531723" y="4542312"/>
+            <a:ext cx="1143690" cy="944269"/>
+          </a:xfrm>
+          <a:prstGeom prst="straightConnector1">
             <a:avLst/>
           </a:prstGeom>
-        </p:spPr>
-      </p:pic>
+          <a:ln>
+            <a:tailEnd type="triangle"/>
+          </a:ln>
+        </p:spPr>
+        <p:style>
+          <a:lnRef idx="1">
+            <a:schemeClr val="accent1"/>
+          </a:lnRef>
+          <a:fillRef idx="0">
+            <a:schemeClr val="accent1"/>
+          </a:fillRef>
+          <a:effectRef idx="0">
+            <a:schemeClr val="accent1"/>
+          </a:effectRef>
+          <a:fontRef idx="minor">
+            <a:schemeClr val="tx1"/>
+          </a:fontRef>
+        </p:style>
+      </p:cxnSp>
     </p:spTree>
     <p:extLst>
       <p:ext uri="{BB962C8B-B14F-4D97-AF65-F5344CB8AC3E}">
-        <p14:creationId xmlns:p14="http://schemas.microsoft.com/office/powerpoint/2010/main" val="1490150234"/>
+        <p14:creationId xmlns:p14="http://schemas.microsoft.com/office/powerpoint/2010/main" val="3902869270"/>
       </p:ext>
     </p:extLst>
   </p:cSld>
